--- a/pre-defense/presentation/Pre-defense.pptx
+++ b/pre-defense/presentation/Pre-defense.pptx
@@ -7265,7 +7265,23 @@
           <a:p>
             <a:r>
               <a:rPr lang="de-DE" sz="2100" dirty="0"/>
-              <a:t>New Tools </a:t>
+              <a:t>New </a:t>
+            </a:r>
+            <a:r>
+              <a:rPr lang="de-DE" sz="2100" dirty="0" err="1"/>
+              <a:t>Bioinformatic</a:t>
+            </a:r>
+            <a:r>
+              <a:rPr lang="de-DE" sz="2100" dirty="0"/>
+              <a:t> </a:t>
+            </a:r>
+            <a:r>
+              <a:rPr lang="de-DE" sz="2100" dirty="0" err="1"/>
+              <a:t>algorithms</a:t>
+            </a:r>
+            <a:r>
+              <a:rPr lang="de-DE" sz="2100" dirty="0"/>
+              <a:t> </a:t>
             </a:r>
             <a:r>
               <a:rPr lang="de-DE" sz="2100" dirty="0" err="1"/>

--- a/pre-defense/presentation/Pre-defense.pptx
+++ b/pre-defense/presentation/Pre-defense.pptx
@@ -5,10 +5,10 @@
     <p:sldMasterId id="2147483660" r:id="rId1"/>
   </p:sldMasterIdLst>
   <p:notesMasterIdLst>
-    <p:notesMasterId r:id="rId12"/>
+    <p:notesMasterId r:id="rId13"/>
   </p:notesMasterIdLst>
   <p:handoutMasterIdLst>
-    <p:handoutMasterId r:id="rId13"/>
+    <p:handoutMasterId r:id="rId14"/>
   </p:handoutMasterIdLst>
   <p:sldIdLst>
     <p:sldId id="258" r:id="rId2"/>
@@ -16,11 +16,12 @@
     <p:sldId id="278" r:id="rId4"/>
     <p:sldId id="279" r:id="rId5"/>
     <p:sldId id="280" r:id="rId6"/>
-    <p:sldId id="281" r:id="rId7"/>
-    <p:sldId id="283" r:id="rId8"/>
-    <p:sldId id="284" r:id="rId9"/>
-    <p:sldId id="285" r:id="rId10"/>
-    <p:sldId id="272" r:id="rId11"/>
+    <p:sldId id="286" r:id="rId7"/>
+    <p:sldId id="281" r:id="rId8"/>
+    <p:sldId id="283" r:id="rId9"/>
+    <p:sldId id="284" r:id="rId10"/>
+    <p:sldId id="285" r:id="rId11"/>
+    <p:sldId id="272" r:id="rId12"/>
   </p:sldIdLst>
   <p:sldSz cx="9144000" cy="6858000" type="screen4x3"/>
   <p:notesSz cx="7102475" cy="10234613"/>
@@ -212,7 +213,7 @@
           <a:p>
             <a:fld id="{05E02316-A3A9-40CE-8399-988D8D269502}" type="datetimeFigureOut">
               <a:rPr lang="de-AT" smtClean="0"/>
-              <a:t>12.02.2025</a:t>
+              <a:t>13.02.2025</a:t>
             </a:fld>
             <a:endParaRPr lang="de-AT"/>
           </a:p>
@@ -377,7 +378,7 @@
           <a:p>
             <a:fld id="{F5E89DEF-C035-41A2-9AFE-A6026D4C04BE}" type="datetimeFigureOut">
               <a:rPr lang="de-AT" smtClean="0"/>
-              <a:t>12.02.2025</a:t>
+              <a:t>13.02.2025</a:t>
             </a:fld>
             <a:endParaRPr lang="de-AT"/>
           </a:p>
@@ -738,6 +739,118 @@
   <p:cSld>
     <p:spTree>
       <p:nvGrpSpPr>
+        <p:cNvPr id="1" name="">
+          <a:extLst>
+            <a:ext uri="{FF2B5EF4-FFF2-40B4-BE49-F238E27FC236}">
+              <a16:creationId xmlns:a16="http://schemas.microsoft.com/office/drawing/2014/main" id="{7D44C989-83D6-E9E5-D271-E6D24CA48FC6}"/>
+            </a:ext>
+          </a:extLst>
+        </p:cNvPr>
+        <p:cNvGrpSpPr/>
+        <p:nvPr/>
+      </p:nvGrpSpPr>
+      <p:grpSpPr>
+        <a:xfrm>
+          <a:off x="0" y="0"/>
+          <a:ext cx="0" cy="0"/>
+          <a:chOff x="0" y="0"/>
+          <a:chExt cx="0" cy="0"/>
+        </a:xfrm>
+      </p:grpSpPr>
+      <p:sp>
+        <p:nvSpPr>
+          <p:cNvPr id="2" name="Folienbildplatzhalter 1">
+            <a:extLst>
+              <a:ext uri="{FF2B5EF4-FFF2-40B4-BE49-F238E27FC236}">
+                <a16:creationId xmlns:a16="http://schemas.microsoft.com/office/drawing/2014/main" id="{92DAB5DE-868A-74F0-91A7-72F10F81F24C}"/>
+              </a:ext>
+            </a:extLst>
+          </p:cNvPr>
+          <p:cNvSpPr>
+            <a:spLocks noGrp="1" noRot="1" noChangeAspect="1"/>
+          </p:cNvSpPr>
+          <p:nvPr>
+            <p:ph type="sldImg"/>
+          </p:nvPr>
+        </p:nvSpPr>
+        <p:spPr/>
+      </p:sp>
+      <p:sp>
+        <p:nvSpPr>
+          <p:cNvPr id="3" name="Notizenplatzhalter 2">
+            <a:extLst>
+              <a:ext uri="{FF2B5EF4-FFF2-40B4-BE49-F238E27FC236}">
+                <a16:creationId xmlns:a16="http://schemas.microsoft.com/office/drawing/2014/main" id="{AA8AF86F-AF48-B786-F50D-52A3B91E4691}"/>
+              </a:ext>
+            </a:extLst>
+          </p:cNvPr>
+          <p:cNvSpPr>
+            <a:spLocks noGrp="1"/>
+          </p:cNvSpPr>
+          <p:nvPr>
+            <p:ph type="body" idx="1"/>
+          </p:nvPr>
+        </p:nvSpPr>
+        <p:spPr/>
+        <p:txBody>
+          <a:bodyPr/>
+          <a:lstStyle/>
+          <a:p>
+            <a:pPr marL="0" indent="0">
+              <a:buFontTx/>
+              <a:buNone/>
+            </a:pPr>
+            <a:endParaRPr lang="en-US" dirty="0"/>
+          </a:p>
+        </p:txBody>
+      </p:sp>
+      <p:sp>
+        <p:nvSpPr>
+          <p:cNvPr id="4" name="Foliennummernplatzhalter 3">
+            <a:extLst>
+              <a:ext uri="{FF2B5EF4-FFF2-40B4-BE49-F238E27FC236}">
+                <a16:creationId xmlns:a16="http://schemas.microsoft.com/office/drawing/2014/main" id="{969A43DB-4A25-F0D2-5892-133C16B58286}"/>
+              </a:ext>
+            </a:extLst>
+          </p:cNvPr>
+          <p:cNvSpPr>
+            <a:spLocks noGrp="1"/>
+          </p:cNvSpPr>
+          <p:nvPr>
+            <p:ph type="sldNum" sz="quarter" idx="10"/>
+          </p:nvPr>
+        </p:nvSpPr>
+        <p:spPr/>
+        <p:txBody>
+          <a:bodyPr/>
+          <a:lstStyle/>
+          <a:p>
+            <a:fld id="{BEF2A079-E7F8-4A78-8EEA-DD00A8D5DE37}" type="slidenum">
+              <a:rPr lang="de-AT" smtClean="0"/>
+              <a:t>10</a:t>
+            </a:fld>
+            <a:endParaRPr lang="de-AT"/>
+          </a:p>
+        </p:txBody>
+      </p:sp>
+    </p:spTree>
+    <p:extLst>
+      <p:ext uri="{BB962C8B-B14F-4D97-AF65-F5344CB8AC3E}">
+        <p14:creationId xmlns:p14="http://schemas.microsoft.com/office/powerpoint/2010/main" val="3757585815"/>
+      </p:ext>
+    </p:extLst>
+  </p:cSld>
+  <p:clrMapOvr>
+    <a:masterClrMapping/>
+  </p:clrMapOvr>
+</p:notes>
+</file>
+
+<file path=ppt/notesSlides/notesSlide11.xml><?xml version="1.0" encoding="utf-8"?>
+<p:notes xmlns:a="http://schemas.openxmlformats.org/drawingml/2006/main" xmlns:r="http://schemas.openxmlformats.org/officeDocument/2006/relationships" xmlns:p="http://schemas.openxmlformats.org/presentationml/2006/main">
+  <p:cSld>
+    <p:spTree>
+      <p:nvGrpSpPr>
         <p:cNvPr id="1" name=""/>
         <p:cNvGrpSpPr/>
         <p:nvPr/>
@@ -802,7 +915,7 @@
           <a:p>
             <a:fld id="{BEF2A079-E7F8-4A78-8EEA-DD00A8D5DE37}" type="slidenum">
               <a:rPr lang="de-AT" smtClean="0"/>
-              <a:t>10</a:t>
+              <a:t>11</a:t>
             </a:fld>
             <a:endParaRPr lang="de-AT"/>
           </a:p>
@@ -1253,6 +1366,118 @@
         <p:cNvPr id="1" name="">
           <a:extLst>
             <a:ext uri="{FF2B5EF4-FFF2-40B4-BE49-F238E27FC236}">
+              <a16:creationId xmlns:a16="http://schemas.microsoft.com/office/drawing/2014/main" id="{E0E220C7-E6B7-F968-B0AB-03D89992476F}"/>
+            </a:ext>
+          </a:extLst>
+        </p:cNvPr>
+        <p:cNvGrpSpPr/>
+        <p:nvPr/>
+      </p:nvGrpSpPr>
+      <p:grpSpPr>
+        <a:xfrm>
+          <a:off x="0" y="0"/>
+          <a:ext cx="0" cy="0"/>
+          <a:chOff x="0" y="0"/>
+          <a:chExt cx="0" cy="0"/>
+        </a:xfrm>
+      </p:grpSpPr>
+      <p:sp>
+        <p:nvSpPr>
+          <p:cNvPr id="2" name="Folienbildplatzhalter 1">
+            <a:extLst>
+              <a:ext uri="{FF2B5EF4-FFF2-40B4-BE49-F238E27FC236}">
+                <a16:creationId xmlns:a16="http://schemas.microsoft.com/office/drawing/2014/main" id="{2C09FDFC-2801-19DD-6502-39F58B9E8F6C}"/>
+              </a:ext>
+            </a:extLst>
+          </p:cNvPr>
+          <p:cNvSpPr>
+            <a:spLocks noGrp="1" noRot="1" noChangeAspect="1"/>
+          </p:cNvSpPr>
+          <p:nvPr>
+            <p:ph type="sldImg"/>
+          </p:nvPr>
+        </p:nvSpPr>
+        <p:spPr/>
+      </p:sp>
+      <p:sp>
+        <p:nvSpPr>
+          <p:cNvPr id="3" name="Notizenplatzhalter 2">
+            <a:extLst>
+              <a:ext uri="{FF2B5EF4-FFF2-40B4-BE49-F238E27FC236}">
+                <a16:creationId xmlns:a16="http://schemas.microsoft.com/office/drawing/2014/main" id="{46DF4AD5-4B89-4CAB-0C68-18BD65BD83FC}"/>
+              </a:ext>
+            </a:extLst>
+          </p:cNvPr>
+          <p:cNvSpPr>
+            <a:spLocks noGrp="1"/>
+          </p:cNvSpPr>
+          <p:nvPr>
+            <p:ph type="body" idx="1"/>
+          </p:nvPr>
+        </p:nvSpPr>
+        <p:spPr/>
+        <p:txBody>
+          <a:bodyPr/>
+          <a:lstStyle/>
+          <a:p>
+            <a:pPr marL="0" indent="0">
+              <a:buFontTx/>
+              <a:buNone/>
+            </a:pPr>
+            <a:endParaRPr lang="en-US" dirty="0"/>
+          </a:p>
+        </p:txBody>
+      </p:sp>
+      <p:sp>
+        <p:nvSpPr>
+          <p:cNvPr id="4" name="Foliennummernplatzhalter 3">
+            <a:extLst>
+              <a:ext uri="{FF2B5EF4-FFF2-40B4-BE49-F238E27FC236}">
+                <a16:creationId xmlns:a16="http://schemas.microsoft.com/office/drawing/2014/main" id="{F9C9ADCB-C53F-1E15-E891-4FF2B75B7F9B}"/>
+              </a:ext>
+            </a:extLst>
+          </p:cNvPr>
+          <p:cNvSpPr>
+            <a:spLocks noGrp="1"/>
+          </p:cNvSpPr>
+          <p:nvPr>
+            <p:ph type="sldNum" sz="quarter" idx="10"/>
+          </p:nvPr>
+        </p:nvSpPr>
+        <p:spPr/>
+        <p:txBody>
+          <a:bodyPr/>
+          <a:lstStyle/>
+          <a:p>
+            <a:fld id="{BEF2A079-E7F8-4A78-8EEA-DD00A8D5DE37}" type="slidenum">
+              <a:rPr lang="de-AT" smtClean="0"/>
+              <a:t>6</a:t>
+            </a:fld>
+            <a:endParaRPr lang="de-AT"/>
+          </a:p>
+        </p:txBody>
+      </p:sp>
+    </p:spTree>
+    <p:extLst>
+      <p:ext uri="{BB962C8B-B14F-4D97-AF65-F5344CB8AC3E}">
+        <p14:creationId xmlns:p14="http://schemas.microsoft.com/office/powerpoint/2010/main" val="4007257503"/>
+      </p:ext>
+    </p:extLst>
+  </p:cSld>
+  <p:clrMapOvr>
+    <a:masterClrMapping/>
+  </p:clrMapOvr>
+</p:notes>
+</file>
+
+<file path=ppt/notesSlides/notesSlide7.xml><?xml version="1.0" encoding="utf-8"?>
+<p:notes xmlns:a="http://schemas.openxmlformats.org/drawingml/2006/main" xmlns:r="http://schemas.openxmlformats.org/officeDocument/2006/relationships" xmlns:p="http://schemas.openxmlformats.org/presentationml/2006/main">
+  <p:cSld>
+    <p:spTree>
+      <p:nvGrpSpPr>
+        <p:cNvPr id="1" name="">
+          <a:extLst>
+            <a:ext uri="{FF2B5EF4-FFF2-40B4-BE49-F238E27FC236}">
               <a16:creationId xmlns:a16="http://schemas.microsoft.com/office/drawing/2014/main" id="{2CFDFAC3-3551-8B15-5E09-2827F602595A}"/>
             </a:ext>
           </a:extLst>
@@ -1338,7 +1563,7 @@
           <a:p>
             <a:fld id="{BEF2A079-E7F8-4A78-8EEA-DD00A8D5DE37}" type="slidenum">
               <a:rPr lang="de-AT" smtClean="0"/>
-              <a:t>6</a:t>
+              <a:t>7</a:t>
             </a:fld>
             <a:endParaRPr lang="de-AT"/>
           </a:p>
@@ -1357,7 +1582,7 @@
 </p:notes>
 </file>
 
-<file path=ppt/notesSlides/notesSlide7.xml><?xml version="1.0" encoding="utf-8"?>
+<file path=ppt/notesSlides/notesSlide8.xml><?xml version="1.0" encoding="utf-8"?>
 <p:notes xmlns:a="http://schemas.openxmlformats.org/drawingml/2006/main" xmlns:r="http://schemas.openxmlformats.org/officeDocument/2006/relationships" xmlns:p="http://schemas.openxmlformats.org/presentationml/2006/main">
   <p:cSld>
     <p:spTree>
@@ -1450,7 +1675,7 @@
           <a:p>
             <a:fld id="{BEF2A079-E7F8-4A78-8EEA-DD00A8D5DE37}" type="slidenum">
               <a:rPr lang="de-AT" smtClean="0"/>
-              <a:t>7</a:t>
+              <a:t>8</a:t>
             </a:fld>
             <a:endParaRPr lang="de-AT"/>
           </a:p>
@@ -1469,7 +1694,7 @@
 </p:notes>
 </file>
 
-<file path=ppt/notesSlides/notesSlide8.xml><?xml version="1.0" encoding="utf-8"?>
+<file path=ppt/notesSlides/notesSlide9.xml><?xml version="1.0" encoding="utf-8"?>
 <p:notes xmlns:a="http://schemas.openxmlformats.org/drawingml/2006/main" xmlns:r="http://schemas.openxmlformats.org/officeDocument/2006/relationships" xmlns:p="http://schemas.openxmlformats.org/presentationml/2006/main">
   <p:cSld>
     <p:spTree>
@@ -1562,7 +1787,7 @@
           <a:p>
             <a:fld id="{BEF2A079-E7F8-4A78-8EEA-DD00A8D5DE37}" type="slidenum">
               <a:rPr lang="de-AT" smtClean="0"/>
-              <a:t>8</a:t>
+              <a:t>9</a:t>
             </a:fld>
             <a:endParaRPr lang="de-AT"/>
           </a:p>
@@ -1572,118 +1797,6 @@
     <p:extLst>
       <p:ext uri="{BB962C8B-B14F-4D97-AF65-F5344CB8AC3E}">
         <p14:creationId xmlns:p14="http://schemas.microsoft.com/office/powerpoint/2010/main" val="3133430199"/>
-      </p:ext>
-    </p:extLst>
-  </p:cSld>
-  <p:clrMapOvr>
-    <a:masterClrMapping/>
-  </p:clrMapOvr>
-</p:notes>
-</file>
-
-<file path=ppt/notesSlides/notesSlide9.xml><?xml version="1.0" encoding="utf-8"?>
-<p:notes xmlns:a="http://schemas.openxmlformats.org/drawingml/2006/main" xmlns:r="http://schemas.openxmlformats.org/officeDocument/2006/relationships" xmlns:p="http://schemas.openxmlformats.org/presentationml/2006/main">
-  <p:cSld>
-    <p:spTree>
-      <p:nvGrpSpPr>
-        <p:cNvPr id="1" name="">
-          <a:extLst>
-            <a:ext uri="{FF2B5EF4-FFF2-40B4-BE49-F238E27FC236}">
-              <a16:creationId xmlns:a16="http://schemas.microsoft.com/office/drawing/2014/main" id="{7D44C989-83D6-E9E5-D271-E6D24CA48FC6}"/>
-            </a:ext>
-          </a:extLst>
-        </p:cNvPr>
-        <p:cNvGrpSpPr/>
-        <p:nvPr/>
-      </p:nvGrpSpPr>
-      <p:grpSpPr>
-        <a:xfrm>
-          <a:off x="0" y="0"/>
-          <a:ext cx="0" cy="0"/>
-          <a:chOff x="0" y="0"/>
-          <a:chExt cx="0" cy="0"/>
-        </a:xfrm>
-      </p:grpSpPr>
-      <p:sp>
-        <p:nvSpPr>
-          <p:cNvPr id="2" name="Folienbildplatzhalter 1">
-            <a:extLst>
-              <a:ext uri="{FF2B5EF4-FFF2-40B4-BE49-F238E27FC236}">
-                <a16:creationId xmlns:a16="http://schemas.microsoft.com/office/drawing/2014/main" id="{92DAB5DE-868A-74F0-91A7-72F10F81F24C}"/>
-              </a:ext>
-            </a:extLst>
-          </p:cNvPr>
-          <p:cNvSpPr>
-            <a:spLocks noGrp="1" noRot="1" noChangeAspect="1"/>
-          </p:cNvSpPr>
-          <p:nvPr>
-            <p:ph type="sldImg"/>
-          </p:nvPr>
-        </p:nvSpPr>
-        <p:spPr/>
-      </p:sp>
-      <p:sp>
-        <p:nvSpPr>
-          <p:cNvPr id="3" name="Notizenplatzhalter 2">
-            <a:extLst>
-              <a:ext uri="{FF2B5EF4-FFF2-40B4-BE49-F238E27FC236}">
-                <a16:creationId xmlns:a16="http://schemas.microsoft.com/office/drawing/2014/main" id="{AA8AF86F-AF48-B786-F50D-52A3B91E4691}"/>
-              </a:ext>
-            </a:extLst>
-          </p:cNvPr>
-          <p:cNvSpPr>
-            <a:spLocks noGrp="1"/>
-          </p:cNvSpPr>
-          <p:nvPr>
-            <p:ph type="body" idx="1"/>
-          </p:nvPr>
-        </p:nvSpPr>
-        <p:spPr/>
-        <p:txBody>
-          <a:bodyPr/>
-          <a:lstStyle/>
-          <a:p>
-            <a:pPr marL="0" indent="0">
-              <a:buFontTx/>
-              <a:buNone/>
-            </a:pPr>
-            <a:endParaRPr lang="en-US" dirty="0"/>
-          </a:p>
-        </p:txBody>
-      </p:sp>
-      <p:sp>
-        <p:nvSpPr>
-          <p:cNvPr id="4" name="Foliennummernplatzhalter 3">
-            <a:extLst>
-              <a:ext uri="{FF2B5EF4-FFF2-40B4-BE49-F238E27FC236}">
-                <a16:creationId xmlns:a16="http://schemas.microsoft.com/office/drawing/2014/main" id="{969A43DB-4A25-F0D2-5892-133C16B58286}"/>
-              </a:ext>
-            </a:extLst>
-          </p:cNvPr>
-          <p:cNvSpPr>
-            <a:spLocks noGrp="1"/>
-          </p:cNvSpPr>
-          <p:nvPr>
-            <p:ph type="sldNum" sz="quarter" idx="10"/>
-          </p:nvPr>
-        </p:nvSpPr>
-        <p:spPr/>
-        <p:txBody>
-          <a:bodyPr/>
-          <a:lstStyle/>
-          <a:p>
-            <a:fld id="{BEF2A079-E7F8-4A78-8EEA-DD00A8D5DE37}" type="slidenum">
-              <a:rPr lang="de-AT" smtClean="0"/>
-              <a:t>9</a:t>
-            </a:fld>
-            <a:endParaRPr lang="de-AT"/>
-          </a:p>
-        </p:txBody>
-      </p:sp>
-    </p:spTree>
-    <p:extLst>
-      <p:ext uri="{BB962C8B-B14F-4D97-AF65-F5344CB8AC3E}">
-        <p14:creationId xmlns:p14="http://schemas.microsoft.com/office/powerpoint/2010/main" val="3757585815"/>
       </p:ext>
     </p:extLst>
   </p:cSld>
@@ -7936,6 +8049,42 @@
           </a:prstGeom>
         </p:spPr>
       </p:pic>
+      <p:pic>
+        <p:nvPicPr>
+          <p:cNvPr id="8" name="Graphic 7">
+            <a:extLst>
+              <a:ext uri="{FF2B5EF4-FFF2-40B4-BE49-F238E27FC236}">
+                <a16:creationId xmlns:a16="http://schemas.microsoft.com/office/drawing/2014/main" id="{EAA38BD5-8C70-3A2C-9F4E-F5E7B2A3CCE6}"/>
+              </a:ext>
+            </a:extLst>
+          </p:cNvPr>
+          <p:cNvPicPr>
+            <a:picLocks noChangeAspect="1"/>
+          </p:cNvPicPr>
+          <p:nvPr/>
+        </p:nvPicPr>
+        <p:blipFill>
+          <a:blip r:embed="rId6">
+            <a:extLst>
+              <a:ext uri="{96DAC541-7B7A-43D3-8B79-37D633B846F1}">
+                <asvg:svgBlip xmlns:asvg="http://schemas.microsoft.com/office/drawing/2016/SVG/main" r:embed="rId7"/>
+              </a:ext>
+            </a:extLst>
+          </a:blip>
+          <a:stretch>
+            <a:fillRect/>
+          </a:stretch>
+        </p:blipFill>
+        <p:spPr>
+          <a:xfrm>
+            <a:off x="2478228" y="6025366"/>
+            <a:ext cx="2093772" cy="571613"/>
+          </a:xfrm>
+          <a:prstGeom prst="rect">
+            <a:avLst/>
+          </a:prstGeom>
+        </p:spPr>
+      </p:pic>
     </p:spTree>
     <p:extLst>
       <p:ext uri="{BB962C8B-B14F-4D97-AF65-F5344CB8AC3E}">
@@ -7954,6 +8103,751 @@
   <p:cSld>
     <p:spTree>
       <p:nvGrpSpPr>
+        <p:cNvPr id="1" name="">
+          <a:extLst>
+            <a:ext uri="{FF2B5EF4-FFF2-40B4-BE49-F238E27FC236}">
+              <a16:creationId xmlns:a16="http://schemas.microsoft.com/office/drawing/2014/main" id="{6024F502-4FEF-3354-9A27-DED73855B46D}"/>
+            </a:ext>
+          </a:extLst>
+        </p:cNvPr>
+        <p:cNvGrpSpPr/>
+        <p:nvPr/>
+      </p:nvGrpSpPr>
+      <p:grpSpPr>
+        <a:xfrm>
+          <a:off x="0" y="0"/>
+          <a:ext cx="0" cy="0"/>
+          <a:chOff x="0" y="0"/>
+          <a:chExt cx="0" cy="0"/>
+        </a:xfrm>
+      </p:grpSpPr>
+      <p:sp>
+        <p:nvSpPr>
+          <p:cNvPr id="2" name="Titel 1">
+            <a:extLst>
+              <a:ext uri="{FF2B5EF4-FFF2-40B4-BE49-F238E27FC236}">
+                <a16:creationId xmlns:a16="http://schemas.microsoft.com/office/drawing/2014/main" id="{9187B11D-791A-BFDB-D0DA-FCC8EC3B5812}"/>
+              </a:ext>
+            </a:extLst>
+          </p:cNvPr>
+          <p:cNvSpPr>
+            <a:spLocks noGrp="1"/>
+          </p:cNvSpPr>
+          <p:nvPr>
+            <p:ph type="title"/>
+          </p:nvPr>
+        </p:nvSpPr>
+        <p:spPr>
+          <a:xfrm>
+            <a:off x="548267" y="399247"/>
+            <a:ext cx="8376238" cy="347513"/>
+          </a:xfrm>
+        </p:spPr>
+        <p:txBody>
+          <a:bodyPr/>
+          <a:lstStyle/>
+          <a:p>
+            <a:r>
+              <a:rPr lang="de-DE" sz="2400" dirty="0"/>
+              <a:t>NON-</a:t>
+            </a:r>
+            <a:r>
+              <a:rPr lang="de-DE" sz="2400" dirty="0" err="1"/>
+              <a:t>cleavable</a:t>
+            </a:r>
+            <a:r>
+              <a:rPr lang="de-DE" sz="2400" dirty="0"/>
+              <a:t> </a:t>
+            </a:r>
+            <a:r>
+              <a:rPr lang="de-DE" sz="2400" dirty="0" err="1"/>
+              <a:t>Crosslink</a:t>
+            </a:r>
+            <a:r>
+              <a:rPr lang="de-DE" sz="2400" dirty="0"/>
+              <a:t> </a:t>
+            </a:r>
+            <a:r>
+              <a:rPr lang="de-DE" sz="2400" dirty="0" err="1"/>
+              <a:t>IDentification</a:t>
+            </a:r>
+            <a:endParaRPr lang="en-US" sz="2400" dirty="0"/>
+          </a:p>
+        </p:txBody>
+      </p:sp>
+      <p:sp>
+        <p:nvSpPr>
+          <p:cNvPr id="5" name="Fußzeilenplatzhalter 4">
+            <a:extLst>
+              <a:ext uri="{FF2B5EF4-FFF2-40B4-BE49-F238E27FC236}">
+                <a16:creationId xmlns:a16="http://schemas.microsoft.com/office/drawing/2014/main" id="{0AF5EBF0-7799-EC1F-6836-9B7BC37FA414}"/>
+              </a:ext>
+            </a:extLst>
+          </p:cNvPr>
+          <p:cNvSpPr>
+            <a:spLocks noGrp="1"/>
+          </p:cNvSpPr>
+          <p:nvPr>
+            <p:ph type="ftr" sz="quarter" idx="27"/>
+          </p:nvPr>
+        </p:nvSpPr>
+        <p:spPr/>
+        <p:txBody>
+          <a:bodyPr/>
+          <a:lstStyle/>
+          <a:p>
+            <a:r>
+              <a:rPr lang="de-AT" noProof="0" dirty="0"/>
+              <a:t>Micha J. Birklbauer	PhD </a:t>
+            </a:r>
+            <a:r>
+              <a:rPr lang="de-AT" dirty="0" err="1"/>
+              <a:t>Pre</a:t>
+            </a:r>
+            <a:r>
+              <a:rPr lang="de-AT" dirty="0"/>
+              <a:t>-Defense</a:t>
+            </a:r>
+            <a:r>
+              <a:rPr lang="de-AT" noProof="0" dirty="0"/>
+              <a:t> 		27.02.2025</a:t>
+            </a:r>
+          </a:p>
+        </p:txBody>
+      </p:sp>
+      <p:sp>
+        <p:nvSpPr>
+          <p:cNvPr id="6" name="Foliennummernplatzhalter 5">
+            <a:extLst>
+              <a:ext uri="{FF2B5EF4-FFF2-40B4-BE49-F238E27FC236}">
+                <a16:creationId xmlns:a16="http://schemas.microsoft.com/office/drawing/2014/main" id="{0A04100C-2716-FF97-57E0-332F0D731575}"/>
+              </a:ext>
+            </a:extLst>
+          </p:cNvPr>
+          <p:cNvSpPr>
+            <a:spLocks noGrp="1"/>
+          </p:cNvSpPr>
+          <p:nvPr>
+            <p:ph type="sldNum" sz="quarter" idx="28"/>
+          </p:nvPr>
+        </p:nvSpPr>
+        <p:spPr/>
+        <p:txBody>
+          <a:bodyPr/>
+          <a:lstStyle/>
+          <a:p>
+            <a:fld id="{DFB297D7-21D1-0549-A74D-BD032133048A}" type="slidenum">
+              <a:rPr lang="en-US" smtClean="0"/>
+              <a:pPr/>
+              <a:t>10</a:t>
+            </a:fld>
+            <a:endParaRPr lang="en-US" dirty="0"/>
+          </a:p>
+        </p:txBody>
+      </p:sp>
+      <p:sp>
+        <p:nvSpPr>
+          <p:cNvPr id="134" name="Titel 1">
+            <a:extLst>
+              <a:ext uri="{FF2B5EF4-FFF2-40B4-BE49-F238E27FC236}">
+                <a16:creationId xmlns:a16="http://schemas.microsoft.com/office/drawing/2014/main" id="{53D4ACA8-33CB-868F-5BBC-0F38F72E1029}"/>
+              </a:ext>
+            </a:extLst>
+          </p:cNvPr>
+          <p:cNvSpPr txBox="1">
+            <a:spLocks/>
+          </p:cNvSpPr>
+          <p:nvPr/>
+        </p:nvSpPr>
+        <p:spPr>
+          <a:xfrm>
+            <a:off x="548267" y="45729"/>
+            <a:ext cx="8376238" cy="347513"/>
+          </a:xfrm>
+          <a:prstGeom prst="rect">
+            <a:avLst/>
+          </a:prstGeom>
+        </p:spPr>
+        <p:txBody>
+          <a:bodyPr vert="horz" lIns="91440" tIns="45720" rIns="91440" bIns="45720" rtlCol="0" anchor="b">
+            <a:noAutofit/>
+          </a:bodyPr>
+          <a:lstStyle>
+            <a:lvl1pPr algn="l" defTabSz="914400" rtl="0" eaLnBrk="1" latinLnBrk="0" hangingPunct="1">
+              <a:lnSpc>
+                <a:spcPct val="83000"/>
+              </a:lnSpc>
+              <a:spcBef>
+                <a:spcPct val="0"/>
+              </a:spcBef>
+              <a:buNone/>
+              <a:defRPr sz="3000" kern="1200" cap="all" baseline="0">
+                <a:solidFill>
+                  <a:schemeClr val="tx1"/>
+                </a:solidFill>
+                <a:latin typeface="+mj-lt"/>
+                <a:ea typeface="+mj-ea"/>
+                <a:cs typeface="+mj-cs"/>
+              </a:defRPr>
+            </a:lvl1pPr>
+          </a:lstStyle>
+          <a:p>
+            <a:r>
+              <a:rPr lang="de-DE" sz="1400" dirty="0">
+                <a:solidFill>
+                  <a:schemeClr val="bg1">
+                    <a:lumMod val="50000"/>
+                  </a:schemeClr>
+                </a:solidFill>
+              </a:rPr>
+              <a:t>Research Project II:	RESULTS</a:t>
+            </a:r>
+            <a:endParaRPr lang="en-US" sz="2400" dirty="0">
+              <a:solidFill>
+                <a:schemeClr val="bg1">
+                  <a:lumMod val="50000"/>
+                </a:schemeClr>
+              </a:solidFill>
+            </a:endParaRPr>
+          </a:p>
+        </p:txBody>
+      </p:sp>
+      <p:sp>
+        <p:nvSpPr>
+          <p:cNvPr id="18" name="TextBox 17">
+            <a:extLst>
+              <a:ext uri="{FF2B5EF4-FFF2-40B4-BE49-F238E27FC236}">
+                <a16:creationId xmlns:a16="http://schemas.microsoft.com/office/drawing/2014/main" id="{C6FB53B5-DB31-9B4F-FC32-2A26A9FA484D}"/>
+              </a:ext>
+            </a:extLst>
+          </p:cNvPr>
+          <p:cNvSpPr txBox="1"/>
+          <p:nvPr/>
+        </p:nvSpPr>
+        <p:spPr>
+          <a:xfrm>
+            <a:off x="548267" y="805688"/>
+            <a:ext cx="5926348" cy="369332"/>
+          </a:xfrm>
+          <a:prstGeom prst="rect">
+            <a:avLst/>
+          </a:prstGeom>
+          <a:noFill/>
+        </p:spPr>
+        <p:txBody>
+          <a:bodyPr wrap="square" rtlCol="0">
+            <a:spAutoFit/>
+          </a:bodyPr>
+          <a:lstStyle/>
+          <a:p>
+            <a:pPr marL="285750" indent="-285750">
+              <a:buFont typeface="Wingdings" panose="05000000000000000000" pitchFamily="2" charset="2"/>
+              <a:buChar char="q"/>
+            </a:pPr>
+            <a:r>
+              <a:rPr lang="en-US" dirty="0"/>
+              <a:t>Algorithms implemented in </a:t>
+            </a:r>
+            <a:r>
+              <a:rPr lang="en-US" b="1" dirty="0"/>
+              <a:t>MS Annika 3.0 </a:t>
+            </a:r>
+            <a:r>
+              <a:rPr lang="en-US" dirty="0"/>
+              <a:t>[2]</a:t>
+            </a:r>
+          </a:p>
+        </p:txBody>
+      </p:sp>
+      <p:sp>
+        <p:nvSpPr>
+          <p:cNvPr id="29" name="TextBox 28">
+            <a:extLst>
+              <a:ext uri="{FF2B5EF4-FFF2-40B4-BE49-F238E27FC236}">
+                <a16:creationId xmlns:a16="http://schemas.microsoft.com/office/drawing/2014/main" id="{9767C3C6-57BB-3A5B-78EE-F28BC3FAD358}"/>
+              </a:ext>
+            </a:extLst>
+          </p:cNvPr>
+          <p:cNvSpPr txBox="1"/>
+          <p:nvPr/>
+        </p:nvSpPr>
+        <p:spPr>
+          <a:xfrm>
+            <a:off x="548267" y="4719812"/>
+            <a:ext cx="3725283" cy="1841530"/>
+          </a:xfrm>
+          <a:prstGeom prst="rect">
+            <a:avLst/>
+          </a:prstGeom>
+          <a:noFill/>
+        </p:spPr>
+        <p:txBody>
+          <a:bodyPr wrap="square" rtlCol="0">
+            <a:spAutoFit/>
+          </a:bodyPr>
+          <a:lstStyle/>
+          <a:p>
+            <a:r>
+              <a:rPr lang="en-US" sz="1400" dirty="0"/>
+              <a:t>[2] </a:t>
+            </a:r>
+            <a:r>
+              <a:rPr lang="en-US" sz="1400" b="1" dirty="0"/>
+              <a:t>M. J. Birklbauer</a:t>
+            </a:r>
+            <a:r>
+              <a:rPr lang="en-US" sz="1400" dirty="0"/>
+              <a:t>, F. Müller, S. S. Geetha, M. </a:t>
+            </a:r>
+            <a:r>
+              <a:rPr lang="en-US" sz="1400" dirty="0" err="1"/>
+              <a:t>Matzinger</a:t>
+            </a:r>
+            <a:r>
+              <a:rPr lang="en-US" sz="1400" dirty="0"/>
+              <a:t>, K. </a:t>
+            </a:r>
+            <a:r>
+              <a:rPr lang="en-US" sz="1400" dirty="0" err="1"/>
+              <a:t>Mechtler</a:t>
+            </a:r>
+            <a:r>
+              <a:rPr lang="en-US" sz="1400" dirty="0"/>
+              <a:t>, and V. Dorfer, “Proteome-wide Non-Cleavable Crosslink Identification with MS Annika 3.0 Reveals the Structure of the C. elegans Box C/D Complex”, </a:t>
+            </a:r>
+            <a:r>
+              <a:rPr lang="en-US" sz="1400" i="1" dirty="0"/>
+              <a:t>Communications Chemistry</a:t>
+            </a:r>
+            <a:r>
+              <a:rPr lang="en-US" sz="1400" dirty="0"/>
+              <a:t>, vol. 7, no. 1, Dec. 2024</a:t>
+            </a:r>
+          </a:p>
+          <a:p>
+            <a:endParaRPr lang="en-US" sz="1400" dirty="0"/>
+          </a:p>
+        </p:txBody>
+      </p:sp>
+      <p:sp>
+        <p:nvSpPr>
+          <p:cNvPr id="36" name="TextBox 35">
+            <a:extLst>
+              <a:ext uri="{FF2B5EF4-FFF2-40B4-BE49-F238E27FC236}">
+                <a16:creationId xmlns:a16="http://schemas.microsoft.com/office/drawing/2014/main" id="{E82CB7A7-F59A-EF73-B3A7-B06C565A6981}"/>
+              </a:ext>
+            </a:extLst>
+          </p:cNvPr>
+          <p:cNvSpPr txBox="1"/>
+          <p:nvPr/>
+        </p:nvSpPr>
+        <p:spPr>
+          <a:xfrm>
+            <a:off x="54324" y="4124332"/>
+            <a:ext cx="1937521" cy="276999"/>
+          </a:xfrm>
+          <a:prstGeom prst="rect">
+            <a:avLst/>
+          </a:prstGeom>
+          <a:noFill/>
+        </p:spPr>
+        <p:txBody>
+          <a:bodyPr wrap="square" rtlCol="0">
+            <a:spAutoFit/>
+          </a:bodyPr>
+          <a:lstStyle/>
+          <a:p>
+            <a:r>
+              <a:rPr lang="de-AT" sz="1200" b="1" dirty="0"/>
+              <a:t>Figure 8, 9, 10</a:t>
+            </a:r>
+            <a:endParaRPr lang="en-US" sz="1200" b="1" dirty="0"/>
+          </a:p>
+        </p:txBody>
+      </p:sp>
+      <p:pic>
+        <p:nvPicPr>
+          <p:cNvPr id="4" name="Graphic 3">
+            <a:extLst>
+              <a:ext uri="{FF2B5EF4-FFF2-40B4-BE49-F238E27FC236}">
+                <a16:creationId xmlns:a16="http://schemas.microsoft.com/office/drawing/2014/main" id="{881588FA-AD3E-2F0D-6E9B-05ACD1304A83}"/>
+              </a:ext>
+            </a:extLst>
+          </p:cNvPr>
+          <p:cNvPicPr>
+            <a:picLocks noChangeAspect="1"/>
+          </p:cNvPicPr>
+          <p:nvPr/>
+        </p:nvPicPr>
+        <p:blipFill>
+          <a:blip r:embed="rId3">
+            <a:extLst>
+              <a:ext uri="{96DAC541-7B7A-43D3-8B79-37D633B846F1}">
+                <asvg:svgBlip xmlns:asvg="http://schemas.microsoft.com/office/drawing/2016/SVG/main" r:embed="rId4"/>
+              </a:ext>
+            </a:extLst>
+          </a:blip>
+          <a:stretch>
+            <a:fillRect/>
+          </a:stretch>
+        </p:blipFill>
+        <p:spPr>
+          <a:xfrm>
+            <a:off x="54325" y="1230230"/>
+            <a:ext cx="4680638" cy="3116525"/>
+          </a:xfrm>
+          <a:prstGeom prst="rect">
+            <a:avLst/>
+          </a:prstGeom>
+        </p:spPr>
+      </p:pic>
+      <p:pic>
+        <p:nvPicPr>
+          <p:cNvPr id="8" name="Graphic 7">
+            <a:extLst>
+              <a:ext uri="{FF2B5EF4-FFF2-40B4-BE49-F238E27FC236}">
+                <a16:creationId xmlns:a16="http://schemas.microsoft.com/office/drawing/2014/main" id="{4ABE4529-4469-1F81-4B59-4CE72193E5E7}"/>
+              </a:ext>
+            </a:extLst>
+          </p:cNvPr>
+          <p:cNvPicPr>
+            <a:picLocks noChangeAspect="1"/>
+          </p:cNvPicPr>
+          <p:nvPr/>
+        </p:nvPicPr>
+        <p:blipFill>
+          <a:blip r:embed="rId5">
+            <a:extLst>
+              <a:ext uri="{96DAC541-7B7A-43D3-8B79-37D633B846F1}">
+                <asvg:svgBlip xmlns:asvg="http://schemas.microsoft.com/office/drawing/2016/SVG/main" r:embed="rId6"/>
+              </a:ext>
+            </a:extLst>
+          </a:blip>
+          <a:stretch>
+            <a:fillRect/>
+          </a:stretch>
+        </p:blipFill>
+        <p:spPr>
+          <a:xfrm>
+            <a:off x="4698751" y="1313520"/>
+            <a:ext cx="4429504" cy="2949311"/>
+          </a:xfrm>
+          <a:prstGeom prst="rect">
+            <a:avLst/>
+          </a:prstGeom>
+        </p:spPr>
+      </p:pic>
+      <p:pic>
+        <p:nvPicPr>
+          <p:cNvPr id="10" name="Picture 9">
+            <a:extLst>
+              <a:ext uri="{FF2B5EF4-FFF2-40B4-BE49-F238E27FC236}">
+                <a16:creationId xmlns:a16="http://schemas.microsoft.com/office/drawing/2014/main" id="{5CD368F4-2632-406B-57AD-AB88126991BD}"/>
+              </a:ext>
+            </a:extLst>
+          </p:cNvPr>
+          <p:cNvPicPr>
+            <a:picLocks noChangeAspect="1"/>
+          </p:cNvPicPr>
+          <p:nvPr/>
+        </p:nvPicPr>
+        <p:blipFill>
+          <a:blip r:embed="rId7"/>
+          <a:stretch>
+            <a:fillRect/>
+          </a:stretch>
+        </p:blipFill>
+        <p:spPr>
+          <a:xfrm>
+            <a:off x="4734963" y="4215813"/>
+            <a:ext cx="1937521" cy="2025127"/>
+          </a:xfrm>
+          <a:prstGeom prst="rect">
+            <a:avLst/>
+          </a:prstGeom>
+        </p:spPr>
+      </p:pic>
+      <p:sp>
+        <p:nvSpPr>
+          <p:cNvPr id="11" name="TextBox 10">
+            <a:extLst>
+              <a:ext uri="{FF2B5EF4-FFF2-40B4-BE49-F238E27FC236}">
+                <a16:creationId xmlns:a16="http://schemas.microsoft.com/office/drawing/2014/main" id="{5D25293D-2426-4164-8264-B2C492D5C729}"/>
+              </a:ext>
+            </a:extLst>
+          </p:cNvPr>
+          <p:cNvSpPr txBox="1"/>
+          <p:nvPr/>
+        </p:nvSpPr>
+        <p:spPr>
+          <a:xfrm>
+            <a:off x="6" y="4208255"/>
+            <a:ext cx="1937521" cy="276999"/>
+          </a:xfrm>
+          <a:prstGeom prst="rect">
+            <a:avLst/>
+          </a:prstGeom>
+          <a:noFill/>
+        </p:spPr>
+        <p:txBody>
+          <a:bodyPr wrap="square" rtlCol="0">
+            <a:spAutoFit/>
+          </a:bodyPr>
+          <a:lstStyle/>
+          <a:p>
+            <a:r>
+              <a:rPr lang="de-AT" sz="1200" b="1" dirty="0"/>
+              <a:t>Figure 13, 14, 15</a:t>
+            </a:r>
+            <a:endParaRPr lang="en-US" sz="1200" b="1" dirty="0"/>
+          </a:p>
+        </p:txBody>
+      </p:sp>
+      <p:sp>
+        <p:nvSpPr>
+          <p:cNvPr id="12" name="TextBox 11">
+            <a:extLst>
+              <a:ext uri="{FF2B5EF4-FFF2-40B4-BE49-F238E27FC236}">
+                <a16:creationId xmlns:a16="http://schemas.microsoft.com/office/drawing/2014/main" id="{5ED6FDFA-7170-2DA1-DEC0-72069C325F58}"/>
+              </a:ext>
+            </a:extLst>
+          </p:cNvPr>
+          <p:cNvSpPr txBox="1"/>
+          <p:nvPr/>
+        </p:nvSpPr>
+        <p:spPr>
+          <a:xfrm>
+            <a:off x="6672484" y="4599160"/>
+            <a:ext cx="2353821" cy="1569660"/>
+          </a:xfrm>
+          <a:prstGeom prst="rect">
+            <a:avLst/>
+          </a:prstGeom>
+          <a:noFill/>
+        </p:spPr>
+        <p:txBody>
+          <a:bodyPr wrap="square" rtlCol="0">
+            <a:spAutoFit/>
+          </a:bodyPr>
+          <a:lstStyle/>
+          <a:p>
+            <a:r>
+              <a:rPr lang="de-AT" sz="1600" dirty="0" err="1">
+                <a:latin typeface="+mj-lt"/>
+              </a:rPr>
+              <a:t>Improved</a:t>
+            </a:r>
+            <a:r>
+              <a:rPr lang="de-AT" sz="1600" dirty="0">
+                <a:latin typeface="+mj-lt"/>
+              </a:rPr>
+              <a:t> </a:t>
+            </a:r>
+            <a:r>
+              <a:rPr lang="de-AT" sz="1600" dirty="0" err="1">
+                <a:latin typeface="+mj-lt"/>
+              </a:rPr>
+              <a:t>structure</a:t>
+            </a:r>
+            <a:r>
+              <a:rPr lang="de-AT" sz="1600" dirty="0">
+                <a:latin typeface="+mj-lt"/>
+              </a:rPr>
+              <a:t> </a:t>
+            </a:r>
+            <a:r>
+              <a:rPr lang="de-AT" sz="1600" dirty="0" err="1">
+                <a:latin typeface="+mj-lt"/>
+              </a:rPr>
+              <a:t>of</a:t>
+            </a:r>
+            <a:r>
+              <a:rPr lang="de-AT" sz="1600" dirty="0">
+                <a:latin typeface="+mj-lt"/>
+              </a:rPr>
+              <a:t> </a:t>
+            </a:r>
+            <a:r>
+              <a:rPr lang="de-AT" sz="1600" dirty="0" err="1">
+                <a:latin typeface="+mj-lt"/>
+              </a:rPr>
+              <a:t>the</a:t>
+            </a:r>
+            <a:r>
+              <a:rPr lang="de-AT" sz="1600" dirty="0">
+                <a:latin typeface="+mj-lt"/>
+              </a:rPr>
+              <a:t> </a:t>
+            </a:r>
+            <a:r>
+              <a:rPr lang="de-AT" sz="1600" i="1" dirty="0">
+                <a:latin typeface="+mj-lt"/>
+              </a:rPr>
+              <a:t>C. </a:t>
+            </a:r>
+            <a:r>
+              <a:rPr lang="de-AT" sz="1600" i="1" dirty="0" err="1">
+                <a:latin typeface="+mj-lt"/>
+              </a:rPr>
+              <a:t>elegans</a:t>
+            </a:r>
+            <a:r>
+              <a:rPr lang="de-AT" sz="1600" i="1" dirty="0">
+                <a:latin typeface="+mj-lt"/>
+              </a:rPr>
+              <a:t> </a:t>
+            </a:r>
+            <a:r>
+              <a:rPr lang="de-AT" sz="1600" dirty="0">
+                <a:latin typeface="+mj-lt"/>
+              </a:rPr>
+              <a:t>Box C/D RNP </a:t>
+            </a:r>
+            <a:r>
+              <a:rPr lang="de-AT" sz="1600" dirty="0" err="1">
+                <a:latin typeface="+mj-lt"/>
+              </a:rPr>
+              <a:t>complex</a:t>
+            </a:r>
+            <a:endParaRPr lang="de-AT" sz="1600" dirty="0">
+              <a:latin typeface="+mj-lt"/>
+            </a:endParaRPr>
+          </a:p>
+          <a:p>
+            <a:r>
+              <a:rPr lang="de-AT" sz="1600" dirty="0"/>
+              <a:t>Database </a:t>
+            </a:r>
+            <a:r>
+              <a:rPr lang="de-AT" sz="1600" dirty="0" err="1"/>
+              <a:t>size</a:t>
+            </a:r>
+            <a:r>
+              <a:rPr lang="de-AT" sz="1600" dirty="0"/>
+              <a:t>: ~26 000 </a:t>
+            </a:r>
+            <a:r>
+              <a:rPr lang="de-AT" sz="1600" dirty="0" err="1"/>
+              <a:t>proteins</a:t>
+            </a:r>
+            <a:endParaRPr lang="en-US" sz="1600" dirty="0"/>
+          </a:p>
+        </p:txBody>
+      </p:sp>
+      <p:cxnSp>
+        <p:nvCxnSpPr>
+          <p:cNvPr id="14" name="Straight Arrow Connector 13">
+            <a:extLst>
+              <a:ext uri="{FF2B5EF4-FFF2-40B4-BE49-F238E27FC236}">
+                <a16:creationId xmlns:a16="http://schemas.microsoft.com/office/drawing/2014/main" id="{4AF66E39-BB7A-87EB-E54D-F0B0C0EB16D3}"/>
+              </a:ext>
+            </a:extLst>
+          </p:cNvPr>
+          <p:cNvCxnSpPr>
+            <a:cxnSpLocks/>
+          </p:cNvCxnSpPr>
+          <p:nvPr/>
+        </p:nvCxnSpPr>
+        <p:spPr>
+          <a:xfrm flipH="1">
+            <a:off x="7731658" y="3447106"/>
+            <a:ext cx="888634" cy="0"/>
+          </a:xfrm>
+          <a:prstGeom prst="straightConnector1">
+            <a:avLst/>
+          </a:prstGeom>
+          <a:ln>
+            <a:solidFill>
+              <a:srgbClr val="FE292A"/>
+            </a:solidFill>
+            <a:tailEnd type="triangle"/>
+          </a:ln>
+        </p:spPr>
+        <p:style>
+          <a:lnRef idx="1">
+            <a:schemeClr val="accent1"/>
+          </a:lnRef>
+          <a:fillRef idx="0">
+            <a:schemeClr val="accent1"/>
+          </a:fillRef>
+          <a:effectRef idx="0">
+            <a:schemeClr val="accent1"/>
+          </a:effectRef>
+          <a:fontRef idx="minor">
+            <a:schemeClr val="tx1"/>
+          </a:fontRef>
+        </p:style>
+      </p:cxnSp>
+      <p:sp>
+        <p:nvSpPr>
+          <p:cNvPr id="16" name="Rectangle 15">
+            <a:extLst>
+              <a:ext uri="{FF2B5EF4-FFF2-40B4-BE49-F238E27FC236}">
+                <a16:creationId xmlns:a16="http://schemas.microsoft.com/office/drawing/2014/main" id="{C35EB056-3DB2-DD52-07EF-F12244E01465}"/>
+              </a:ext>
+            </a:extLst>
+          </p:cNvPr>
+          <p:cNvSpPr/>
+          <p:nvPr/>
+        </p:nvSpPr>
+        <p:spPr>
+          <a:xfrm>
+            <a:off x="1792587" y="1295414"/>
+            <a:ext cx="407406" cy="2894735"/>
+          </a:xfrm>
+          <a:prstGeom prst="rect">
+            <a:avLst/>
+          </a:prstGeom>
+          <a:noFill/>
+          <a:ln>
+            <a:solidFill>
+              <a:srgbClr val="FF0000"/>
+            </a:solidFill>
+          </a:ln>
+        </p:spPr>
+        <p:style>
+          <a:lnRef idx="2">
+            <a:schemeClr val="accent1">
+              <a:shade val="15000"/>
+            </a:schemeClr>
+          </a:lnRef>
+          <a:fillRef idx="1">
+            <a:schemeClr val="accent1"/>
+          </a:fillRef>
+          <a:effectRef idx="0">
+            <a:schemeClr val="accent1"/>
+          </a:effectRef>
+          <a:fontRef idx="minor">
+            <a:schemeClr val="lt1"/>
+          </a:fontRef>
+        </p:style>
+        <p:txBody>
+          <a:bodyPr rtlCol="0" anchor="ctr"/>
+          <a:lstStyle/>
+          <a:p>
+            <a:pPr algn="ctr"/>
+            <a:endParaRPr lang="en-US"/>
+          </a:p>
+        </p:txBody>
+      </p:sp>
+    </p:spTree>
+    <p:extLst>
+      <p:ext uri="{BB962C8B-B14F-4D97-AF65-F5344CB8AC3E}">
+        <p14:creationId xmlns:p14="http://schemas.microsoft.com/office/powerpoint/2010/main" val="1912297339"/>
+      </p:ext>
+    </p:extLst>
+  </p:cSld>
+  <p:clrMapOvr>
+    <a:masterClrMapping/>
+  </p:clrMapOvr>
+</p:sld>
+</file>
+
+<file path=ppt/slides/slide11.xml><?xml version="1.0" encoding="utf-8"?>
+<p:sld xmlns:a="http://schemas.openxmlformats.org/drawingml/2006/main" xmlns:r="http://schemas.openxmlformats.org/officeDocument/2006/relationships" xmlns:p="http://schemas.openxmlformats.org/presentationml/2006/main">
+  <p:cSld>
+    <p:spTree>
+      <p:nvGrpSpPr>
         <p:cNvPr id="1" name=""/>
         <p:cNvGrpSpPr/>
         <p:nvPr/>
@@ -8046,53 +8940,12 @@
             <a:fld id="{DFB297D7-21D1-0549-A74D-BD032133048A}" type="slidenum">
               <a:rPr lang="en-US" smtClean="0"/>
               <a:pPr/>
-              <a:t>10</a:t>
+              <a:t>11</a:t>
             </a:fld>
             <a:endParaRPr lang="en-US" dirty="0"/>
           </a:p>
         </p:txBody>
       </p:sp>
-      <p:pic>
-        <p:nvPicPr>
-          <p:cNvPr id="1030" name="Picture 6" descr="https://northeurope1-mediap.svc.ms/transform/thumbnail?provider=spo&amp;inputFormat=jpg&amp;cs=fFNQTw&amp;docid=https%3A%2F%2Ffhooe.sharepoint.com%3A443%2F_api%2Fv2.0%2Fdrives%2Fb!xlMoNDXAgUazNRJhh73ez8OjiMKWW7BPl7zssOvWgajAQ6c42rQcSJtqM2tHgG5L%2Fitems%2F013XOSK7LM5GKASX75AVB3EU6VDS2EA3M6%3Fversion%3DPublished&amp;access_token=eyJ0eXAiOiJKV1QiLCJhbGciOiJub25lIn0.eyJhdWQiOiIwMDAwMDAwMy0wMDAwLTBmZjEtY2UwMC0wMDAwMDAwMDAwMDAvZmhvb2Uuc2hhcmVwb2ludC5jb21AZjg4ZDRiNzMtNmJiMi00YjlhLWFiYzctZWI5NmU1YTY0MDdjIiwiaXNzIjoiMDAwMDAwMDMtMDAwMC0wZmYxLWNlMDAtMDAwMDAwMDAwMDAwIiwibmJmIjoiMTYxMzE0MTk5OSIsImV4cCI6IjE2MTMxNjM1OTkiLCJlbmRwb2ludHVybCI6InZvZEZJMlhXUmxaUGptNjFKWDNjVytlRnpHc0JIK2haYnVqQnppMFFTaXc9IiwiZW5kcG9pbnR1cmxMZW5ndGgiOiIxMTIiLCJpc2xvb3BiYWNrIjoiVHJ1ZSIsInZlciI6Imhhc2hlZHByb29mdG9rZW4iLCJzaXRlaWQiOiJNelF5T0RVell6WXRZekF6TlMwME5qZ3hMV0l6TXpVdE1USTJNVGczWW1Sa1pXTm0iLCJuYW1laWQiOiIwIy5mfG1lbWJlcnNoaXB8cDQxNTQxQGZob29lLmF0IiwibmlpIjoibWljcm9zb2Z0LnNoYXJlcG9pbnQiLCJpc3VzZXIiOiJ0cnVlIiwiY2FjaGVrZXkiOiIwaC5mfG1lbWJlcnNoaXB8MTAwMzIwMDBhMzYxNDUxMUBsaXZlLmNvbSIsInR0IjoiMCIsInVzZVBlcnNpc3RlbnRDb29raWUiOiIyIn0.czVnZ0pCVmhrYkZIbVRRRDBFcE1rSDAvRXBjaUJQc0ZKeHpaM1RyWGdCbz0&amp;encodeFailures=1&amp;srcWidth=&amp;srcHeight=&amp;width=640&amp;height=388&amp;action=Access"/>
-          <p:cNvPicPr>
-            <a:picLocks noChangeAspect="1" noChangeArrowheads="1"/>
-          </p:cNvPicPr>
-          <p:nvPr/>
-        </p:nvPicPr>
-        <p:blipFill>
-          <a:blip r:embed="rId3" cstate="print">
-            <a:extLst>
-              <a:ext uri="{28A0092B-C50C-407E-A947-70E740481C1C}">
-                <a14:useLocalDpi xmlns:a14="http://schemas.microsoft.com/office/drawing/2010/main" val="0"/>
-              </a:ext>
-            </a:extLst>
-          </a:blip>
-          <a:srcRect/>
-          <a:stretch>
-            <a:fillRect/>
-          </a:stretch>
-        </p:blipFill>
-        <p:spPr bwMode="auto">
-          <a:xfrm>
-            <a:off x="1537335" y="6332422"/>
-            <a:ext cx="596265" cy="361486"/>
-          </a:xfrm>
-          <a:prstGeom prst="rect">
-            <a:avLst/>
-          </a:prstGeom>
-          <a:noFill/>
-          <a:extLst>
-            <a:ext uri="{909E8E84-426E-40DD-AFC4-6F175D3DCCD1}">
-              <a14:hiddenFill xmlns:a14="http://schemas.microsoft.com/office/drawing/2010/main">
-                <a:solidFill>
-                  <a:srgbClr val="FFFFFF"/>
-                </a:solidFill>
-              </a14:hiddenFill>
-            </a:ext>
-          </a:extLst>
-        </p:spPr>
-      </p:pic>
       <p:sp>
         <p:nvSpPr>
           <p:cNvPr id="9" name="Inhaltsplatzhalter 5"/>
@@ -8105,7 +8958,7 @@
         </p:nvSpPr>
         <p:spPr>
           <a:xfrm>
-            <a:off x="4736386" y="2168028"/>
+            <a:off x="4736386" y="1875638"/>
             <a:ext cx="3510589" cy="1209576"/>
           </a:xfrm>
         </p:spPr>
@@ -8332,7 +9185,7 @@
             </a:r>
             <a:r>
               <a:rPr lang="de-DE" sz="1000" dirty="0">
-                <a:hlinkClick r:id="rId4"/>
+                <a:hlinkClick r:id="rId3"/>
               </a:rPr>
               <a:t>https://github.com/hgb-bin-proteomics/MSAnnika</a:t>
             </a:r>
@@ -8693,7 +9546,7 @@
             </a:r>
             <a:r>
               <a:rPr lang="en-US" sz="1000" b="1" dirty="0"/>
-              <a:t>M. Birklbauer</a:t>
+              <a:t>M. J. Birklbauer</a:t>
             </a:r>
             <a:r>
               <a:rPr lang="en-US" sz="1000" dirty="0"/>
@@ -9109,7 +9962,7 @@
         </p:nvSpPr>
         <p:spPr>
           <a:xfrm>
-            <a:off x="4736386" y="3693546"/>
+            <a:off x="4736386" y="3122481"/>
             <a:ext cx="4204814" cy="1488874"/>
           </a:xfrm>
           <a:prstGeom prst="rect">
@@ -9434,7 +10287,15 @@
             </a:pPr>
             <a:r>
               <a:rPr lang="de-DE" sz="1000" dirty="0"/>
-              <a:t>15/01/2024	Co-Organizer and </a:t>
+              <a:t>15/01/2024	</a:t>
+            </a:r>
+            <a:r>
+              <a:rPr lang="de-DE" sz="1000" b="1" dirty="0"/>
+              <a:t>Co-Organizer</a:t>
+            </a:r>
+            <a:r>
+              <a:rPr lang="de-DE" sz="1000" dirty="0"/>
+              <a:t> and </a:t>
             </a:r>
             <a:r>
               <a:rPr lang="de-DE" sz="1000" dirty="0" err="1"/>
@@ -9473,23 +10334,39 @@
             </a:pPr>
             <a:r>
               <a:rPr lang="de-DE" sz="1000" dirty="0"/>
-              <a:t>25/09/2024	Talk and „Best </a:t>
+              <a:t>25/09/2024	Talk, </a:t>
             </a:r>
             <a:r>
               <a:rPr lang="de-DE" sz="1000" dirty="0" err="1"/>
+              <a:t>chair</a:t>
+            </a:r>
+            <a:r>
+              <a:rPr lang="de-DE" sz="1000" dirty="0"/>
+              <a:t>, and </a:t>
+            </a:r>
+            <a:r>
+              <a:rPr lang="de-DE" sz="1000" b="1" dirty="0"/>
+              <a:t>„Best </a:t>
+            </a:r>
+            <a:r>
+              <a:rPr lang="de-DE" sz="1000" b="1" dirty="0" err="1"/>
               <a:t>Presentation</a:t>
             </a:r>
             <a:r>
+              <a:rPr lang="de-DE" sz="1000" b="1" dirty="0"/>
+              <a:t>“ </a:t>
+            </a:r>
+            <a:r>
+              <a:rPr lang="de-DE" sz="1000" b="1" dirty="0" err="1"/>
+              <a:t>winner</a:t>
+            </a:r>
+            <a:r>
+              <a:rPr lang="de-DE" sz="1000" b="1" dirty="0"/>
+              <a:t> </a:t>
+            </a:r>
+            <a:r>
               <a:rPr lang="de-DE" sz="1000" dirty="0"/>
-              <a:t>“ </a:t>
-            </a:r>
-            <a:r>
-              <a:rPr lang="de-DE" sz="1000" dirty="0" err="1"/>
-              <a:t>winner</a:t>
-            </a:r>
-            <a:r>
-              <a:rPr lang="de-DE" sz="1000" dirty="0"/>
-              <a:t> at APRMS 2024</a:t>
+              <a:t>at 	APRMS 2024</a:t>
             </a:r>
           </a:p>
           <a:p>
@@ -9518,6 +10395,856 @@
           </a:p>
         </p:txBody>
       </p:sp>
+      <p:sp>
+        <p:nvSpPr>
+          <p:cNvPr id="3" name="Inhaltsplatzhalter 5">
+            <a:extLst>
+              <a:ext uri="{FF2B5EF4-FFF2-40B4-BE49-F238E27FC236}">
+                <a16:creationId xmlns:a16="http://schemas.microsoft.com/office/drawing/2014/main" id="{0550303A-65CE-B639-1DA9-237AB9028368}"/>
+              </a:ext>
+            </a:extLst>
+          </p:cNvPr>
+          <p:cNvSpPr txBox="1">
+            <a:spLocks/>
+          </p:cNvSpPr>
+          <p:nvPr/>
+        </p:nvSpPr>
+        <p:spPr>
+          <a:xfrm>
+            <a:off x="4736385" y="4612410"/>
+            <a:ext cx="3510589" cy="1209576"/>
+          </a:xfrm>
+          <a:prstGeom prst="rect">
+            <a:avLst/>
+          </a:prstGeom>
+        </p:spPr>
+        <p:txBody>
+          <a:bodyPr vert="horz" lIns="91440" tIns="45720" rIns="91440" bIns="45720" rtlCol="0" anchor="t">
+            <a:noAutofit/>
+          </a:bodyPr>
+          <a:lstStyle>
+            <a:lvl1pPr marL="324000" indent="-324000" algn="l" defTabSz="914400" rtl="0" eaLnBrk="1" latinLnBrk="0" hangingPunct="1">
+              <a:lnSpc>
+                <a:spcPct val="105000"/>
+              </a:lnSpc>
+              <a:spcBef>
+                <a:spcPts val="600"/>
+              </a:spcBef>
+              <a:spcAft>
+                <a:spcPts val="600"/>
+              </a:spcAft>
+              <a:buSzPct val="90000"/>
+              <a:buFont typeface="Wingdings 2" panose="05020102010507070707" pitchFamily="18" charset="2"/>
+              <a:buChar char=""/>
+              <a:defRPr sz="2000" kern="1200">
+                <a:solidFill>
+                  <a:schemeClr val="tx1"/>
+                </a:solidFill>
+                <a:latin typeface="+mn-lt"/>
+                <a:ea typeface="+mn-ea"/>
+                <a:cs typeface="+mn-cs"/>
+              </a:defRPr>
+            </a:lvl1pPr>
+            <a:lvl2pPr marL="648000" indent="-324000" algn="l" defTabSz="914400" rtl="0" eaLnBrk="1" latinLnBrk="0" hangingPunct="1">
+              <a:lnSpc>
+                <a:spcPct val="105000"/>
+              </a:lnSpc>
+              <a:spcBef>
+                <a:spcPts val="200"/>
+              </a:spcBef>
+              <a:spcAft>
+                <a:spcPts val="400"/>
+              </a:spcAft>
+              <a:buSzPct val="90000"/>
+              <a:buFont typeface="Wingdings 2" panose="05020102010507070707" pitchFamily="18" charset="2"/>
+              <a:buChar char=""/>
+              <a:defRPr sz="1800" kern="1200">
+                <a:solidFill>
+                  <a:schemeClr val="tx1"/>
+                </a:solidFill>
+                <a:latin typeface="+mn-lt"/>
+                <a:ea typeface="+mn-ea"/>
+                <a:cs typeface="+mn-cs"/>
+              </a:defRPr>
+            </a:lvl2pPr>
+            <a:lvl3pPr marL="936000" indent="-288000" algn="l" defTabSz="914400" rtl="0" eaLnBrk="1" latinLnBrk="0" hangingPunct="1">
+              <a:lnSpc>
+                <a:spcPct val="105000"/>
+              </a:lnSpc>
+              <a:spcBef>
+                <a:spcPts val="0"/>
+              </a:spcBef>
+              <a:spcAft>
+                <a:spcPts val="300"/>
+              </a:spcAft>
+              <a:buFont typeface="Wingdings 2" panose="05020102010507070707" pitchFamily="18" charset="2"/>
+              <a:buChar char=""/>
+              <a:defRPr sz="1600" kern="1200">
+                <a:solidFill>
+                  <a:schemeClr val="tx1"/>
+                </a:solidFill>
+                <a:latin typeface="+mn-lt"/>
+                <a:ea typeface="+mn-ea"/>
+                <a:cs typeface="+mn-cs"/>
+              </a:defRPr>
+            </a:lvl3pPr>
+            <a:lvl4pPr marL="1224000" indent="-288000" algn="l" defTabSz="914400" rtl="0" eaLnBrk="1" latinLnBrk="0" hangingPunct="1">
+              <a:lnSpc>
+                <a:spcPct val="105000"/>
+              </a:lnSpc>
+              <a:spcBef>
+                <a:spcPts val="0"/>
+              </a:spcBef>
+              <a:spcAft>
+                <a:spcPts val="300"/>
+              </a:spcAft>
+              <a:buFont typeface="Wingdings 2" panose="05020102010507070707" pitchFamily="18" charset="2"/>
+              <a:buChar char=""/>
+              <a:defRPr sz="1500" kern="1200">
+                <a:solidFill>
+                  <a:schemeClr val="tx1"/>
+                </a:solidFill>
+                <a:latin typeface="+mn-lt"/>
+                <a:ea typeface="+mn-ea"/>
+                <a:cs typeface="+mn-cs"/>
+              </a:defRPr>
+            </a:lvl4pPr>
+            <a:lvl5pPr marL="1512000" indent="-288000" algn="l" defTabSz="914400" rtl="0" eaLnBrk="1" latinLnBrk="0" hangingPunct="1">
+              <a:lnSpc>
+                <a:spcPct val="105000"/>
+              </a:lnSpc>
+              <a:spcBef>
+                <a:spcPts val="0"/>
+              </a:spcBef>
+              <a:spcAft>
+                <a:spcPts val="600"/>
+              </a:spcAft>
+              <a:buFont typeface="Wingdings 2" panose="05020102010507070707" pitchFamily="18" charset="2"/>
+              <a:buChar char=""/>
+              <a:defRPr sz="1400" kern="1200">
+                <a:solidFill>
+                  <a:schemeClr val="tx1"/>
+                </a:solidFill>
+                <a:latin typeface="+mn-lt"/>
+                <a:ea typeface="+mn-ea"/>
+                <a:cs typeface="+mn-cs"/>
+              </a:defRPr>
+            </a:lvl5pPr>
+            <a:lvl6pPr marL="2514600" indent="-228600" algn="l" defTabSz="914400" rtl="0" eaLnBrk="1" latinLnBrk="0" hangingPunct="1">
+              <a:lnSpc>
+                <a:spcPct val="90000"/>
+              </a:lnSpc>
+              <a:spcBef>
+                <a:spcPts val="500"/>
+              </a:spcBef>
+              <a:buFont typeface="Arial" panose="020B0604020202020204" pitchFamily="34" charset="0"/>
+              <a:buChar char="•"/>
+              <a:defRPr sz="1800" kern="1200">
+                <a:solidFill>
+                  <a:schemeClr val="tx1"/>
+                </a:solidFill>
+                <a:latin typeface="+mn-lt"/>
+                <a:ea typeface="+mn-ea"/>
+                <a:cs typeface="+mn-cs"/>
+              </a:defRPr>
+            </a:lvl6pPr>
+            <a:lvl7pPr marL="2971800" indent="-228600" algn="l" defTabSz="914400" rtl="0" eaLnBrk="1" latinLnBrk="0" hangingPunct="1">
+              <a:lnSpc>
+                <a:spcPct val="90000"/>
+              </a:lnSpc>
+              <a:spcBef>
+                <a:spcPts val="500"/>
+              </a:spcBef>
+              <a:buFont typeface="Arial" panose="020B0604020202020204" pitchFamily="34" charset="0"/>
+              <a:buChar char="•"/>
+              <a:defRPr sz="1800" kern="1200">
+                <a:solidFill>
+                  <a:schemeClr val="tx1"/>
+                </a:solidFill>
+                <a:latin typeface="+mn-lt"/>
+                <a:ea typeface="+mn-ea"/>
+                <a:cs typeface="+mn-cs"/>
+              </a:defRPr>
+            </a:lvl7pPr>
+            <a:lvl8pPr marL="3429000" indent="-228600" algn="l" defTabSz="914400" rtl="0" eaLnBrk="1" latinLnBrk="0" hangingPunct="1">
+              <a:lnSpc>
+                <a:spcPct val="90000"/>
+              </a:lnSpc>
+              <a:spcBef>
+                <a:spcPts val="500"/>
+              </a:spcBef>
+              <a:buFont typeface="Arial" panose="020B0604020202020204" pitchFamily="34" charset="0"/>
+              <a:buChar char="•"/>
+              <a:defRPr sz="1800" kern="1200">
+                <a:solidFill>
+                  <a:schemeClr val="tx1"/>
+                </a:solidFill>
+                <a:latin typeface="+mn-lt"/>
+                <a:ea typeface="+mn-ea"/>
+                <a:cs typeface="+mn-cs"/>
+              </a:defRPr>
+            </a:lvl8pPr>
+            <a:lvl9pPr marL="3886200" indent="-228600" algn="l" defTabSz="914400" rtl="0" eaLnBrk="1" latinLnBrk="0" hangingPunct="1">
+              <a:lnSpc>
+                <a:spcPct val="90000"/>
+              </a:lnSpc>
+              <a:spcBef>
+                <a:spcPts val="500"/>
+              </a:spcBef>
+              <a:buFont typeface="Arial" panose="020B0604020202020204" pitchFamily="34" charset="0"/>
+              <a:buChar char="•"/>
+              <a:defRPr sz="1800" kern="1200">
+                <a:solidFill>
+                  <a:schemeClr val="tx1"/>
+                </a:solidFill>
+                <a:latin typeface="+mn-lt"/>
+                <a:ea typeface="+mn-ea"/>
+                <a:cs typeface="+mn-cs"/>
+              </a:defRPr>
+            </a:lvl9pPr>
+          </a:lstStyle>
+          <a:p>
+            <a:pPr marL="0" indent="0">
+              <a:spcBef>
+                <a:spcPts val="0"/>
+              </a:spcBef>
+              <a:buFont typeface="Wingdings 2" panose="05020102010507070707" pitchFamily="18" charset="2"/>
+              <a:buNone/>
+            </a:pPr>
+            <a:r>
+              <a:rPr lang="de-DE" sz="1100" b="1" dirty="0"/>
+              <a:t>Other Research </a:t>
+            </a:r>
+            <a:r>
+              <a:rPr lang="de-DE" sz="1100" b="1" dirty="0" err="1"/>
+              <a:t>Activities</a:t>
+            </a:r>
+            <a:endParaRPr lang="de-DE" sz="1100" b="1" dirty="0"/>
+          </a:p>
+          <a:p>
+            <a:pPr>
+              <a:lnSpc>
+                <a:spcPct val="100000"/>
+              </a:lnSpc>
+              <a:spcBef>
+                <a:spcPts val="0"/>
+              </a:spcBef>
+            </a:pPr>
+            <a:r>
+              <a:rPr lang="de-DE" sz="1000" dirty="0"/>
+              <a:t>Reviewer </a:t>
+            </a:r>
+            <a:r>
+              <a:rPr lang="de-DE" sz="1000" dirty="0" err="1"/>
+              <a:t>for</a:t>
+            </a:r>
+            <a:r>
+              <a:rPr lang="de-DE" sz="1000" dirty="0"/>
+              <a:t> </a:t>
+            </a:r>
+            <a:r>
+              <a:rPr lang="de-DE" sz="1000" i="1" dirty="0"/>
+              <a:t>Analytical Chemistry</a:t>
+            </a:r>
+          </a:p>
+          <a:p>
+            <a:pPr>
+              <a:lnSpc>
+                <a:spcPct val="100000"/>
+              </a:lnSpc>
+              <a:spcBef>
+                <a:spcPts val="0"/>
+              </a:spcBef>
+            </a:pPr>
+            <a:r>
+              <a:rPr lang="de-DE" sz="1000" dirty="0"/>
+              <a:t>Member </a:t>
+            </a:r>
+            <a:r>
+              <a:rPr lang="de-DE" sz="1000" dirty="0" err="1"/>
+              <a:t>of</a:t>
+            </a:r>
+            <a:r>
+              <a:rPr lang="de-DE" sz="1000" dirty="0"/>
+              <a:t> </a:t>
+            </a:r>
+            <a:r>
+              <a:rPr lang="de-DE" sz="1000" dirty="0" err="1"/>
+              <a:t>the</a:t>
+            </a:r>
+            <a:r>
+              <a:rPr lang="de-DE" sz="1000" dirty="0"/>
+              <a:t> APMA </a:t>
+            </a:r>
+            <a:r>
+              <a:rPr lang="de-DE" sz="1000" dirty="0" err="1"/>
+              <a:t>junior</a:t>
+            </a:r>
+            <a:r>
+              <a:rPr lang="de-DE" sz="1000" dirty="0"/>
+              <a:t> </a:t>
+            </a:r>
+            <a:r>
+              <a:rPr lang="de-DE" sz="1000" dirty="0" err="1"/>
+              <a:t>board</a:t>
+            </a:r>
+            <a:r>
+              <a:rPr lang="de-DE" sz="1000" dirty="0"/>
+              <a:t> </a:t>
+            </a:r>
+            <a:r>
+              <a:rPr lang="de-DE" sz="1000" dirty="0" err="1"/>
+              <a:t>since</a:t>
+            </a:r>
+            <a:r>
+              <a:rPr lang="de-DE" sz="1000" dirty="0"/>
+              <a:t> 2023</a:t>
+            </a:r>
+          </a:p>
+        </p:txBody>
+      </p:sp>
+      <p:cxnSp>
+        <p:nvCxnSpPr>
+          <p:cNvPr id="7" name="Straight Arrow Connector 6">
+            <a:extLst>
+              <a:ext uri="{FF2B5EF4-FFF2-40B4-BE49-F238E27FC236}">
+                <a16:creationId xmlns:a16="http://schemas.microsoft.com/office/drawing/2014/main" id="{BAD8BB86-347A-5F2A-5E2C-858A0F8D5A37}"/>
+              </a:ext>
+            </a:extLst>
+          </p:cNvPr>
+          <p:cNvCxnSpPr>
+            <a:cxnSpLocks/>
+          </p:cNvCxnSpPr>
+          <p:nvPr/>
+        </p:nvCxnSpPr>
+        <p:spPr>
+          <a:xfrm>
+            <a:off x="642796" y="6111089"/>
+            <a:ext cx="4093589" cy="0"/>
+          </a:xfrm>
+          <a:prstGeom prst="straightConnector1">
+            <a:avLst/>
+          </a:prstGeom>
+          <a:ln w="19050">
+            <a:tailEnd type="triangle"/>
+          </a:ln>
+        </p:spPr>
+        <p:style>
+          <a:lnRef idx="1">
+            <a:schemeClr val="dk1"/>
+          </a:lnRef>
+          <a:fillRef idx="0">
+            <a:schemeClr val="dk1"/>
+          </a:fillRef>
+          <a:effectRef idx="0">
+            <a:schemeClr val="dk1"/>
+          </a:effectRef>
+          <a:fontRef idx="minor">
+            <a:schemeClr val="tx1"/>
+          </a:fontRef>
+        </p:style>
+      </p:cxnSp>
+      <p:sp>
+        <p:nvSpPr>
+          <p:cNvPr id="8" name="Inhaltsplatzhalter 5">
+            <a:extLst>
+              <a:ext uri="{FF2B5EF4-FFF2-40B4-BE49-F238E27FC236}">
+                <a16:creationId xmlns:a16="http://schemas.microsoft.com/office/drawing/2014/main" id="{91C21E30-49EE-E47A-D965-764D82C2550A}"/>
+              </a:ext>
+            </a:extLst>
+          </p:cNvPr>
+          <p:cNvSpPr txBox="1">
+            <a:spLocks/>
+          </p:cNvSpPr>
+          <p:nvPr/>
+        </p:nvSpPr>
+        <p:spPr>
+          <a:xfrm>
+            <a:off x="548267" y="5146799"/>
+            <a:ext cx="3510589" cy="1209576"/>
+          </a:xfrm>
+          <a:prstGeom prst="rect">
+            <a:avLst/>
+          </a:prstGeom>
+        </p:spPr>
+        <p:txBody>
+          <a:bodyPr vert="horz" lIns="91440" tIns="45720" rIns="91440" bIns="45720" rtlCol="0" anchor="t">
+            <a:noAutofit/>
+          </a:bodyPr>
+          <a:lstStyle>
+            <a:lvl1pPr marL="324000" indent="-324000" algn="l" defTabSz="914400" rtl="0" eaLnBrk="1" latinLnBrk="0" hangingPunct="1">
+              <a:lnSpc>
+                <a:spcPct val="105000"/>
+              </a:lnSpc>
+              <a:spcBef>
+                <a:spcPts val="600"/>
+              </a:spcBef>
+              <a:spcAft>
+                <a:spcPts val="600"/>
+              </a:spcAft>
+              <a:buSzPct val="90000"/>
+              <a:buFont typeface="Wingdings 2" panose="05020102010507070707" pitchFamily="18" charset="2"/>
+              <a:buChar char=""/>
+              <a:defRPr sz="2000" kern="1200">
+                <a:solidFill>
+                  <a:schemeClr val="tx1"/>
+                </a:solidFill>
+                <a:latin typeface="+mn-lt"/>
+                <a:ea typeface="+mn-ea"/>
+                <a:cs typeface="+mn-cs"/>
+              </a:defRPr>
+            </a:lvl1pPr>
+            <a:lvl2pPr marL="648000" indent="-324000" algn="l" defTabSz="914400" rtl="0" eaLnBrk="1" latinLnBrk="0" hangingPunct="1">
+              <a:lnSpc>
+                <a:spcPct val="105000"/>
+              </a:lnSpc>
+              <a:spcBef>
+                <a:spcPts val="200"/>
+              </a:spcBef>
+              <a:spcAft>
+                <a:spcPts val="400"/>
+              </a:spcAft>
+              <a:buSzPct val="90000"/>
+              <a:buFont typeface="Wingdings 2" panose="05020102010507070707" pitchFamily="18" charset="2"/>
+              <a:buChar char=""/>
+              <a:defRPr sz="1800" kern="1200">
+                <a:solidFill>
+                  <a:schemeClr val="tx1"/>
+                </a:solidFill>
+                <a:latin typeface="+mn-lt"/>
+                <a:ea typeface="+mn-ea"/>
+                <a:cs typeface="+mn-cs"/>
+              </a:defRPr>
+            </a:lvl2pPr>
+            <a:lvl3pPr marL="936000" indent="-288000" algn="l" defTabSz="914400" rtl="0" eaLnBrk="1" latinLnBrk="0" hangingPunct="1">
+              <a:lnSpc>
+                <a:spcPct val="105000"/>
+              </a:lnSpc>
+              <a:spcBef>
+                <a:spcPts val="0"/>
+              </a:spcBef>
+              <a:spcAft>
+                <a:spcPts val="300"/>
+              </a:spcAft>
+              <a:buFont typeface="Wingdings 2" panose="05020102010507070707" pitchFamily="18" charset="2"/>
+              <a:buChar char=""/>
+              <a:defRPr sz="1600" kern="1200">
+                <a:solidFill>
+                  <a:schemeClr val="tx1"/>
+                </a:solidFill>
+                <a:latin typeface="+mn-lt"/>
+                <a:ea typeface="+mn-ea"/>
+                <a:cs typeface="+mn-cs"/>
+              </a:defRPr>
+            </a:lvl3pPr>
+            <a:lvl4pPr marL="1224000" indent="-288000" algn="l" defTabSz="914400" rtl="0" eaLnBrk="1" latinLnBrk="0" hangingPunct="1">
+              <a:lnSpc>
+                <a:spcPct val="105000"/>
+              </a:lnSpc>
+              <a:spcBef>
+                <a:spcPts val="0"/>
+              </a:spcBef>
+              <a:spcAft>
+                <a:spcPts val="300"/>
+              </a:spcAft>
+              <a:buFont typeface="Wingdings 2" panose="05020102010507070707" pitchFamily="18" charset="2"/>
+              <a:buChar char=""/>
+              <a:defRPr sz="1500" kern="1200">
+                <a:solidFill>
+                  <a:schemeClr val="tx1"/>
+                </a:solidFill>
+                <a:latin typeface="+mn-lt"/>
+                <a:ea typeface="+mn-ea"/>
+                <a:cs typeface="+mn-cs"/>
+              </a:defRPr>
+            </a:lvl4pPr>
+            <a:lvl5pPr marL="1512000" indent="-288000" algn="l" defTabSz="914400" rtl="0" eaLnBrk="1" latinLnBrk="0" hangingPunct="1">
+              <a:lnSpc>
+                <a:spcPct val="105000"/>
+              </a:lnSpc>
+              <a:spcBef>
+                <a:spcPts val="0"/>
+              </a:spcBef>
+              <a:spcAft>
+                <a:spcPts val="600"/>
+              </a:spcAft>
+              <a:buFont typeface="Wingdings 2" panose="05020102010507070707" pitchFamily="18" charset="2"/>
+              <a:buChar char=""/>
+              <a:defRPr sz="1400" kern="1200">
+                <a:solidFill>
+                  <a:schemeClr val="tx1"/>
+                </a:solidFill>
+                <a:latin typeface="+mn-lt"/>
+                <a:ea typeface="+mn-ea"/>
+                <a:cs typeface="+mn-cs"/>
+              </a:defRPr>
+            </a:lvl5pPr>
+            <a:lvl6pPr marL="2514600" indent="-228600" algn="l" defTabSz="914400" rtl="0" eaLnBrk="1" latinLnBrk="0" hangingPunct="1">
+              <a:lnSpc>
+                <a:spcPct val="90000"/>
+              </a:lnSpc>
+              <a:spcBef>
+                <a:spcPts val="500"/>
+              </a:spcBef>
+              <a:buFont typeface="Arial" panose="020B0604020202020204" pitchFamily="34" charset="0"/>
+              <a:buChar char="•"/>
+              <a:defRPr sz="1800" kern="1200">
+                <a:solidFill>
+                  <a:schemeClr val="tx1"/>
+                </a:solidFill>
+                <a:latin typeface="+mn-lt"/>
+                <a:ea typeface="+mn-ea"/>
+                <a:cs typeface="+mn-cs"/>
+              </a:defRPr>
+            </a:lvl6pPr>
+            <a:lvl7pPr marL="2971800" indent="-228600" algn="l" defTabSz="914400" rtl="0" eaLnBrk="1" latinLnBrk="0" hangingPunct="1">
+              <a:lnSpc>
+                <a:spcPct val="90000"/>
+              </a:lnSpc>
+              <a:spcBef>
+                <a:spcPts val="500"/>
+              </a:spcBef>
+              <a:buFont typeface="Arial" panose="020B0604020202020204" pitchFamily="34" charset="0"/>
+              <a:buChar char="•"/>
+              <a:defRPr sz="1800" kern="1200">
+                <a:solidFill>
+                  <a:schemeClr val="tx1"/>
+                </a:solidFill>
+                <a:latin typeface="+mn-lt"/>
+                <a:ea typeface="+mn-ea"/>
+                <a:cs typeface="+mn-cs"/>
+              </a:defRPr>
+            </a:lvl7pPr>
+            <a:lvl8pPr marL="3429000" indent="-228600" algn="l" defTabSz="914400" rtl="0" eaLnBrk="1" latinLnBrk="0" hangingPunct="1">
+              <a:lnSpc>
+                <a:spcPct val="90000"/>
+              </a:lnSpc>
+              <a:spcBef>
+                <a:spcPts val="500"/>
+              </a:spcBef>
+              <a:buFont typeface="Arial" panose="020B0604020202020204" pitchFamily="34" charset="0"/>
+              <a:buChar char="•"/>
+              <a:defRPr sz="1800" kern="1200">
+                <a:solidFill>
+                  <a:schemeClr val="tx1"/>
+                </a:solidFill>
+                <a:latin typeface="+mn-lt"/>
+                <a:ea typeface="+mn-ea"/>
+                <a:cs typeface="+mn-cs"/>
+              </a:defRPr>
+            </a:lvl8pPr>
+            <a:lvl9pPr marL="3886200" indent="-228600" algn="l" defTabSz="914400" rtl="0" eaLnBrk="1" latinLnBrk="0" hangingPunct="1">
+              <a:lnSpc>
+                <a:spcPct val="90000"/>
+              </a:lnSpc>
+              <a:spcBef>
+                <a:spcPts val="500"/>
+              </a:spcBef>
+              <a:buFont typeface="Arial" panose="020B0604020202020204" pitchFamily="34" charset="0"/>
+              <a:buChar char="•"/>
+              <a:defRPr sz="1800" kern="1200">
+                <a:solidFill>
+                  <a:schemeClr val="tx1"/>
+                </a:solidFill>
+                <a:latin typeface="+mn-lt"/>
+                <a:ea typeface="+mn-ea"/>
+                <a:cs typeface="+mn-cs"/>
+              </a:defRPr>
+            </a:lvl9pPr>
+          </a:lstStyle>
+          <a:p>
+            <a:pPr marL="0" indent="0">
+              <a:spcBef>
+                <a:spcPts val="0"/>
+              </a:spcBef>
+              <a:buFont typeface="Wingdings 2" panose="05020102010507070707" pitchFamily="18" charset="2"/>
+              <a:buNone/>
+            </a:pPr>
+            <a:r>
+              <a:rPr lang="de-DE" sz="1100" b="1" dirty="0"/>
+              <a:t>Timeline</a:t>
+            </a:r>
+            <a:endParaRPr lang="de-DE" sz="1000" dirty="0"/>
+          </a:p>
+        </p:txBody>
+      </p:sp>
+      <p:cxnSp>
+        <p:nvCxnSpPr>
+          <p:cNvPr id="15" name="Straight Connector 14">
+            <a:extLst>
+              <a:ext uri="{FF2B5EF4-FFF2-40B4-BE49-F238E27FC236}">
+                <a16:creationId xmlns:a16="http://schemas.microsoft.com/office/drawing/2014/main" id="{97A3A89C-89EA-4A0D-4629-0B4DC989DBDD}"/>
+              </a:ext>
+            </a:extLst>
+          </p:cNvPr>
+          <p:cNvCxnSpPr/>
+          <p:nvPr/>
+        </p:nvCxnSpPr>
+        <p:spPr>
+          <a:xfrm flipV="1">
+            <a:off x="1376658" y="5875699"/>
+            <a:ext cx="0" cy="235390"/>
+          </a:xfrm>
+          <a:prstGeom prst="line">
+            <a:avLst/>
+          </a:prstGeom>
+        </p:spPr>
+        <p:style>
+          <a:lnRef idx="1">
+            <a:schemeClr val="dk1"/>
+          </a:lnRef>
+          <a:fillRef idx="0">
+            <a:schemeClr val="dk1"/>
+          </a:fillRef>
+          <a:effectRef idx="0">
+            <a:schemeClr val="dk1"/>
+          </a:effectRef>
+          <a:fontRef idx="minor">
+            <a:schemeClr val="tx1"/>
+          </a:fontRef>
+        </p:style>
+      </p:cxnSp>
+      <p:sp>
+        <p:nvSpPr>
+          <p:cNvPr id="16" name="TextBox 15">
+            <a:extLst>
+              <a:ext uri="{FF2B5EF4-FFF2-40B4-BE49-F238E27FC236}">
+                <a16:creationId xmlns:a16="http://schemas.microsoft.com/office/drawing/2014/main" id="{275F3E3B-290B-7CCF-977B-C5AF6B279845}"/>
+              </a:ext>
+            </a:extLst>
+          </p:cNvPr>
+          <p:cNvSpPr txBox="1"/>
+          <p:nvPr/>
+        </p:nvSpPr>
+        <p:spPr>
+          <a:xfrm>
+            <a:off x="548266" y="5295119"/>
+            <a:ext cx="1656784" cy="600164"/>
+          </a:xfrm>
+          <a:prstGeom prst="rect">
+            <a:avLst/>
+          </a:prstGeom>
+          <a:noFill/>
+        </p:spPr>
+        <p:txBody>
+          <a:bodyPr wrap="square" rtlCol="0">
+            <a:spAutoFit/>
+          </a:bodyPr>
+          <a:lstStyle/>
+          <a:p>
+            <a:pPr algn="ctr"/>
+            <a:r>
+              <a:rPr lang="de-AT" sz="1100" dirty="0"/>
+              <a:t>May:</a:t>
+            </a:r>
+          </a:p>
+          <a:p>
+            <a:pPr algn="ctr"/>
+            <a:r>
+              <a:rPr lang="de-AT" sz="1100" dirty="0" err="1"/>
+              <a:t>submit</a:t>
+            </a:r>
+            <a:r>
+              <a:rPr lang="de-AT" sz="1100" dirty="0"/>
+              <a:t> </a:t>
+            </a:r>
+            <a:r>
+              <a:rPr lang="de-AT" sz="1100" dirty="0" err="1"/>
+              <a:t>remaining</a:t>
+            </a:r>
+            <a:r>
+              <a:rPr lang="de-AT" sz="1100" dirty="0"/>
+              <a:t> </a:t>
+            </a:r>
+            <a:r>
+              <a:rPr lang="de-AT" sz="1100" dirty="0" err="1"/>
+              <a:t>publications</a:t>
+            </a:r>
+            <a:endParaRPr lang="en-US" sz="1100" dirty="0"/>
+          </a:p>
+        </p:txBody>
+      </p:sp>
+      <p:sp>
+        <p:nvSpPr>
+          <p:cNvPr id="17" name="TextBox 16">
+            <a:extLst>
+              <a:ext uri="{FF2B5EF4-FFF2-40B4-BE49-F238E27FC236}">
+                <a16:creationId xmlns:a16="http://schemas.microsoft.com/office/drawing/2014/main" id="{B18DDF55-0829-BC38-643C-0D7CBB96922D}"/>
+              </a:ext>
+            </a:extLst>
+          </p:cNvPr>
+          <p:cNvSpPr txBox="1"/>
+          <p:nvPr/>
+        </p:nvSpPr>
+        <p:spPr>
+          <a:xfrm>
+            <a:off x="1773277" y="5295119"/>
+            <a:ext cx="1656784" cy="430887"/>
+          </a:xfrm>
+          <a:prstGeom prst="rect">
+            <a:avLst/>
+          </a:prstGeom>
+          <a:noFill/>
+        </p:spPr>
+        <p:txBody>
+          <a:bodyPr wrap="square" rtlCol="0">
+            <a:spAutoFit/>
+          </a:bodyPr>
+          <a:lstStyle/>
+          <a:p>
+            <a:pPr algn="ctr"/>
+            <a:r>
+              <a:rPr lang="de-AT" sz="1100" dirty="0" err="1"/>
+              <a:t>July</a:t>
+            </a:r>
+            <a:r>
+              <a:rPr lang="de-AT" sz="1100" dirty="0"/>
+              <a:t>:</a:t>
+            </a:r>
+          </a:p>
+          <a:p>
+            <a:pPr algn="ctr"/>
+            <a:r>
+              <a:rPr lang="de-AT" sz="1100" dirty="0" err="1"/>
+              <a:t>submit</a:t>
+            </a:r>
+            <a:r>
+              <a:rPr lang="de-AT" sz="1100" dirty="0"/>
+              <a:t> </a:t>
+            </a:r>
+            <a:r>
+              <a:rPr lang="de-AT" sz="1100" dirty="0" err="1"/>
+              <a:t>dissertation</a:t>
+            </a:r>
+            <a:endParaRPr lang="en-US" sz="1100" dirty="0"/>
+          </a:p>
+        </p:txBody>
+      </p:sp>
+      <p:sp>
+        <p:nvSpPr>
+          <p:cNvPr id="18" name="TextBox 17">
+            <a:extLst>
+              <a:ext uri="{FF2B5EF4-FFF2-40B4-BE49-F238E27FC236}">
+                <a16:creationId xmlns:a16="http://schemas.microsoft.com/office/drawing/2014/main" id="{BF0C3B5F-B0C3-40CE-3CDC-B15799CE44A7}"/>
+              </a:ext>
+            </a:extLst>
+          </p:cNvPr>
+          <p:cNvSpPr txBox="1"/>
+          <p:nvPr/>
+        </p:nvSpPr>
+        <p:spPr>
+          <a:xfrm>
+            <a:off x="3079600" y="5295118"/>
+            <a:ext cx="1656784" cy="430887"/>
+          </a:xfrm>
+          <a:prstGeom prst="rect">
+            <a:avLst/>
+          </a:prstGeom>
+          <a:noFill/>
+        </p:spPr>
+        <p:txBody>
+          <a:bodyPr wrap="square" rtlCol="0">
+            <a:spAutoFit/>
+          </a:bodyPr>
+          <a:lstStyle/>
+          <a:p>
+            <a:pPr algn="ctr"/>
+            <a:r>
+              <a:rPr lang="de-AT" sz="1100" dirty="0"/>
+              <a:t>August:</a:t>
+            </a:r>
+          </a:p>
+          <a:p>
+            <a:pPr algn="ctr"/>
+            <a:r>
+              <a:rPr lang="de-AT" sz="1100" dirty="0"/>
+              <a:t>PhD </a:t>
+            </a:r>
+            <a:r>
+              <a:rPr lang="de-AT" sz="1100" dirty="0" err="1"/>
+              <a:t>defense</a:t>
+            </a:r>
+            <a:endParaRPr lang="en-US" sz="1100" dirty="0"/>
+          </a:p>
+        </p:txBody>
+      </p:sp>
+      <p:cxnSp>
+        <p:nvCxnSpPr>
+          <p:cNvPr id="19" name="Straight Connector 18">
+            <a:extLst>
+              <a:ext uri="{FF2B5EF4-FFF2-40B4-BE49-F238E27FC236}">
+                <a16:creationId xmlns:a16="http://schemas.microsoft.com/office/drawing/2014/main" id="{8AE649AE-3165-C0B4-BA3E-072CE398E433}"/>
+              </a:ext>
+            </a:extLst>
+          </p:cNvPr>
+          <p:cNvCxnSpPr>
+            <a:cxnSpLocks/>
+            <a:endCxn id="17" idx="2"/>
+          </p:cNvCxnSpPr>
+          <p:nvPr/>
+        </p:nvCxnSpPr>
+        <p:spPr>
+          <a:xfrm flipV="1">
+            <a:off x="2601669" y="5726006"/>
+            <a:ext cx="0" cy="385083"/>
+          </a:xfrm>
+          <a:prstGeom prst="line">
+            <a:avLst/>
+          </a:prstGeom>
+        </p:spPr>
+        <p:style>
+          <a:lnRef idx="1">
+            <a:schemeClr val="dk1"/>
+          </a:lnRef>
+          <a:fillRef idx="0">
+            <a:schemeClr val="dk1"/>
+          </a:fillRef>
+          <a:effectRef idx="0">
+            <a:schemeClr val="dk1"/>
+          </a:effectRef>
+          <a:fontRef idx="minor">
+            <a:schemeClr val="tx1"/>
+          </a:fontRef>
+        </p:style>
+      </p:cxnSp>
+      <p:cxnSp>
+        <p:nvCxnSpPr>
+          <p:cNvPr id="22" name="Straight Connector 21">
+            <a:extLst>
+              <a:ext uri="{FF2B5EF4-FFF2-40B4-BE49-F238E27FC236}">
+                <a16:creationId xmlns:a16="http://schemas.microsoft.com/office/drawing/2014/main" id="{4AC4E61A-C286-64CD-59FA-8D96B803E0E1}"/>
+              </a:ext>
+            </a:extLst>
+          </p:cNvPr>
+          <p:cNvCxnSpPr>
+            <a:cxnSpLocks/>
+          </p:cNvCxnSpPr>
+          <p:nvPr/>
+        </p:nvCxnSpPr>
+        <p:spPr>
+          <a:xfrm flipV="1">
+            <a:off x="3907992" y="5726005"/>
+            <a:ext cx="0" cy="385083"/>
+          </a:xfrm>
+          <a:prstGeom prst="line">
+            <a:avLst/>
+          </a:prstGeom>
+        </p:spPr>
+        <p:style>
+          <a:lnRef idx="1">
+            <a:schemeClr val="dk1"/>
+          </a:lnRef>
+          <a:fillRef idx="0">
+            <a:schemeClr val="dk1"/>
+          </a:fillRef>
+          <a:effectRef idx="0">
+            <a:schemeClr val="dk1"/>
+          </a:effectRef>
+          <a:fontRef idx="minor">
+            <a:schemeClr val="tx1"/>
+          </a:fontRef>
+        </p:style>
+      </p:cxnSp>
     </p:spTree>
     <p:extLst>
       <p:ext uri="{BB962C8B-B14F-4D97-AF65-F5344CB8AC3E}">
@@ -9634,47 +11361,6 @@
           </a:p>
         </p:txBody>
       </p:sp>
-      <p:pic>
-        <p:nvPicPr>
-          <p:cNvPr id="1030" name="Picture 6" descr="https://northeurope1-mediap.svc.ms/transform/thumbnail?provider=spo&amp;inputFormat=jpg&amp;cs=fFNQTw&amp;docid=https%3A%2F%2Ffhooe.sharepoint.com%3A443%2F_api%2Fv2.0%2Fdrives%2Fb!xlMoNDXAgUazNRJhh73ez8OjiMKWW7BPl7zssOvWgajAQ6c42rQcSJtqM2tHgG5L%2Fitems%2F013XOSK7LM5GKASX75AVB3EU6VDS2EA3M6%3Fversion%3DPublished&amp;access_token=eyJ0eXAiOiJKV1QiLCJhbGciOiJub25lIn0.eyJhdWQiOiIwMDAwMDAwMy0wMDAwLTBmZjEtY2UwMC0wMDAwMDAwMDAwMDAvZmhvb2Uuc2hhcmVwb2ludC5jb21AZjg4ZDRiNzMtNmJiMi00YjlhLWFiYzctZWI5NmU1YTY0MDdjIiwiaXNzIjoiMDAwMDAwMDMtMDAwMC0wZmYxLWNlMDAtMDAwMDAwMDAwMDAwIiwibmJmIjoiMTYxMzE0MTk5OSIsImV4cCI6IjE2MTMxNjM1OTkiLCJlbmRwb2ludHVybCI6InZvZEZJMlhXUmxaUGptNjFKWDNjVytlRnpHc0JIK2haYnVqQnppMFFTaXc9IiwiZW5kcG9pbnR1cmxMZW5ndGgiOiIxMTIiLCJpc2xvb3BiYWNrIjoiVHJ1ZSIsInZlciI6Imhhc2hlZHByb29mdG9rZW4iLCJzaXRlaWQiOiJNelF5T0RVell6WXRZekF6TlMwME5qZ3hMV0l6TXpVdE1USTJNVGczWW1Sa1pXTm0iLCJuYW1laWQiOiIwIy5mfG1lbWJlcnNoaXB8cDQxNTQxQGZob29lLmF0IiwibmlpIjoibWljcm9zb2Z0LnNoYXJlcG9pbnQiLCJpc3VzZXIiOiJ0cnVlIiwiY2FjaGVrZXkiOiIwaC5mfG1lbWJlcnNoaXB8MTAwMzIwMDBhMzYxNDUxMUBsaXZlLmNvbSIsInR0IjoiMCIsInVzZVBlcnNpc3RlbnRDb29raWUiOiIyIn0.czVnZ0pCVmhrYkZIbVRRRDBFcE1rSDAvRXBjaUJQc0ZKeHpaM1RyWGdCbz0&amp;encodeFailures=1&amp;srcWidth=&amp;srcHeight=&amp;width=640&amp;height=388&amp;action=Access"/>
-          <p:cNvPicPr>
-            <a:picLocks noChangeAspect="1" noChangeArrowheads="1"/>
-          </p:cNvPicPr>
-          <p:nvPr/>
-        </p:nvPicPr>
-        <p:blipFill>
-          <a:blip r:embed="rId3" cstate="print">
-            <a:extLst>
-              <a:ext uri="{28A0092B-C50C-407E-A947-70E740481C1C}">
-                <a14:useLocalDpi xmlns:a14="http://schemas.microsoft.com/office/drawing/2010/main" val="0"/>
-              </a:ext>
-            </a:extLst>
-          </a:blip>
-          <a:srcRect/>
-          <a:stretch>
-            <a:fillRect/>
-          </a:stretch>
-        </p:blipFill>
-        <p:spPr bwMode="auto">
-          <a:xfrm>
-            <a:off x="1537335" y="6332422"/>
-            <a:ext cx="596265" cy="361486"/>
-          </a:xfrm>
-          <a:prstGeom prst="rect">
-            <a:avLst/>
-          </a:prstGeom>
-          <a:noFill/>
-          <a:extLst>
-            <a:ext uri="{909E8E84-426E-40DD-AFC4-6F175D3DCCD1}">
-              <a14:hiddenFill xmlns:a14="http://schemas.microsoft.com/office/drawing/2010/main">
-                <a:solidFill>
-                  <a:srgbClr val="FFFFFF"/>
-                </a:solidFill>
-              </a14:hiddenFill>
-            </a:ext>
-          </a:extLst>
-        </p:spPr>
-      </p:pic>
       <p:sp>
         <p:nvSpPr>
           <p:cNvPr id="134" name="Titel 1"/>
@@ -10333,7 +12019,7 @@
           <p:nvPr/>
         </p:nvPicPr>
         <p:blipFill>
-          <a:blip r:embed="rId4" cstate="print">
+          <a:blip r:embed="rId3" cstate="print">
             <a:extLst>
               <a:ext uri="{28A0092B-C50C-407E-A947-70E740481C1C}">
                 <a14:useLocalDpi xmlns:a14="http://schemas.microsoft.com/office/drawing/2010/main" val="0"/>
@@ -10550,53 +12236,6 @@
           </a:p>
         </p:txBody>
       </p:sp>
-      <p:pic>
-        <p:nvPicPr>
-          <p:cNvPr id="1030" name="Picture 6" descr="https://northeurope1-mediap.svc.ms/transform/thumbnail?provider=spo&amp;inputFormat=jpg&amp;cs=fFNQTw&amp;docid=https%3A%2F%2Ffhooe.sharepoint.com%3A443%2F_api%2Fv2.0%2Fdrives%2Fb!xlMoNDXAgUazNRJhh73ez8OjiMKWW7BPl7zssOvWgajAQ6c42rQcSJtqM2tHgG5L%2Fitems%2F013XOSK7LM5GKASX75AVB3EU6VDS2EA3M6%3Fversion%3DPublished&amp;access_token=eyJ0eXAiOiJKV1QiLCJhbGciOiJub25lIn0.eyJhdWQiOiIwMDAwMDAwMy0wMDAwLTBmZjEtY2UwMC0wMDAwMDAwMDAwMDAvZmhvb2Uuc2hhcmVwb2ludC5jb21AZjg4ZDRiNzMtNmJiMi00YjlhLWFiYzctZWI5NmU1YTY0MDdjIiwiaXNzIjoiMDAwMDAwMDMtMDAwMC0wZmYxLWNlMDAtMDAwMDAwMDAwMDAwIiwibmJmIjoiMTYxMzE0MTk5OSIsImV4cCI6IjE2MTMxNjM1OTkiLCJlbmRwb2ludHVybCI6InZvZEZJMlhXUmxaUGptNjFKWDNjVytlRnpHc0JIK2haYnVqQnppMFFTaXc9IiwiZW5kcG9pbnR1cmxMZW5ndGgiOiIxMTIiLCJpc2xvb3BiYWNrIjoiVHJ1ZSIsInZlciI6Imhhc2hlZHByb29mdG9rZW4iLCJzaXRlaWQiOiJNelF5T0RVell6WXRZekF6TlMwME5qZ3hMV0l6TXpVdE1USTJNVGczWW1Sa1pXTm0iLCJuYW1laWQiOiIwIy5mfG1lbWJlcnNoaXB8cDQxNTQxQGZob29lLmF0IiwibmlpIjoibWljcm9zb2Z0LnNoYXJlcG9pbnQiLCJpc3VzZXIiOiJ0cnVlIiwiY2FjaGVrZXkiOiIwaC5mfG1lbWJlcnNoaXB8MTAwMzIwMDBhMzYxNDUxMUBsaXZlLmNvbSIsInR0IjoiMCIsInVzZVBlcnNpc3RlbnRDb29raWUiOiIyIn0.czVnZ0pCVmhrYkZIbVRRRDBFcE1rSDAvRXBjaUJQc0ZKeHpaM1RyWGdCbz0&amp;encodeFailures=1&amp;srcWidth=&amp;srcHeight=&amp;width=640&amp;height=388&amp;action=Access">
-            <a:extLst>
-              <a:ext uri="{FF2B5EF4-FFF2-40B4-BE49-F238E27FC236}">
-                <a16:creationId xmlns:a16="http://schemas.microsoft.com/office/drawing/2014/main" id="{16D67839-48A8-D813-92E0-CA11BFAEC104}"/>
-              </a:ext>
-            </a:extLst>
-          </p:cNvPr>
-          <p:cNvPicPr>
-            <a:picLocks noChangeAspect="1" noChangeArrowheads="1"/>
-          </p:cNvPicPr>
-          <p:nvPr/>
-        </p:nvPicPr>
-        <p:blipFill>
-          <a:blip r:embed="rId3" cstate="print">
-            <a:extLst>
-              <a:ext uri="{28A0092B-C50C-407E-A947-70E740481C1C}">
-                <a14:useLocalDpi xmlns:a14="http://schemas.microsoft.com/office/drawing/2010/main" val="0"/>
-              </a:ext>
-            </a:extLst>
-          </a:blip>
-          <a:srcRect/>
-          <a:stretch>
-            <a:fillRect/>
-          </a:stretch>
-        </p:blipFill>
-        <p:spPr bwMode="auto">
-          <a:xfrm>
-            <a:off x="1537335" y="6332422"/>
-            <a:ext cx="596265" cy="361486"/>
-          </a:xfrm>
-          <a:prstGeom prst="rect">
-            <a:avLst/>
-          </a:prstGeom>
-          <a:noFill/>
-          <a:extLst>
-            <a:ext uri="{909E8E84-426E-40DD-AFC4-6F175D3DCCD1}">
-              <a14:hiddenFill xmlns:a14="http://schemas.microsoft.com/office/drawing/2010/main">
-                <a:solidFill>
-                  <a:srgbClr val="FFFFFF"/>
-                </a:solidFill>
-              </a14:hiddenFill>
-            </a:ext>
-          </a:extLst>
-        </p:spPr>
-      </p:pic>
       <p:sp>
         <p:nvSpPr>
           <p:cNvPr id="134" name="Titel 1">
@@ -10679,7 +12318,7 @@
           <p:nvPr/>
         </p:nvPicPr>
         <p:blipFill>
-          <a:blip r:embed="rId4">
+          <a:blip r:embed="rId3">
             <a:extLst>
               <a:ext uri="{28A0092B-C50C-407E-A947-70E740481C1C}">
                 <a14:useLocalDpi xmlns:a14="http://schemas.microsoft.com/office/drawing/2010/main" val="0"/>
@@ -10726,7 +12365,7 @@
           <p:nvPr/>
         </p:nvPicPr>
         <p:blipFill>
-          <a:blip r:embed="rId5" cstate="print">
+          <a:blip r:embed="rId4" cstate="print">
             <a:extLst>
               <a:ext uri="{28A0092B-C50C-407E-A947-70E740481C1C}">
                 <a14:useLocalDpi xmlns:a14="http://schemas.microsoft.com/office/drawing/2010/main" val="0"/>
@@ -11895,53 +13534,6 @@
           </a:p>
         </p:txBody>
       </p:sp>
-      <p:pic>
-        <p:nvPicPr>
-          <p:cNvPr id="1030" name="Picture 6" descr="https://northeurope1-mediap.svc.ms/transform/thumbnail?provider=spo&amp;inputFormat=jpg&amp;cs=fFNQTw&amp;docid=https%3A%2F%2Ffhooe.sharepoint.com%3A443%2F_api%2Fv2.0%2Fdrives%2Fb!xlMoNDXAgUazNRJhh73ez8OjiMKWW7BPl7zssOvWgajAQ6c42rQcSJtqM2tHgG5L%2Fitems%2F013XOSK7LM5GKASX75AVB3EU6VDS2EA3M6%3Fversion%3DPublished&amp;access_token=eyJ0eXAiOiJKV1QiLCJhbGciOiJub25lIn0.eyJhdWQiOiIwMDAwMDAwMy0wMDAwLTBmZjEtY2UwMC0wMDAwMDAwMDAwMDAvZmhvb2Uuc2hhcmVwb2ludC5jb21AZjg4ZDRiNzMtNmJiMi00YjlhLWFiYzctZWI5NmU1YTY0MDdjIiwiaXNzIjoiMDAwMDAwMDMtMDAwMC0wZmYxLWNlMDAtMDAwMDAwMDAwMDAwIiwibmJmIjoiMTYxMzE0MTk5OSIsImV4cCI6IjE2MTMxNjM1OTkiLCJlbmRwb2ludHVybCI6InZvZEZJMlhXUmxaUGptNjFKWDNjVytlRnpHc0JIK2haYnVqQnppMFFTaXc9IiwiZW5kcG9pbnR1cmxMZW5ndGgiOiIxMTIiLCJpc2xvb3BiYWNrIjoiVHJ1ZSIsInZlciI6Imhhc2hlZHByb29mdG9rZW4iLCJzaXRlaWQiOiJNelF5T0RVell6WXRZekF6TlMwME5qZ3hMV0l6TXpVdE1USTJNVGczWW1Sa1pXTm0iLCJuYW1laWQiOiIwIy5mfG1lbWJlcnNoaXB8cDQxNTQxQGZob29lLmF0IiwibmlpIjoibWljcm9zb2Z0LnNoYXJlcG9pbnQiLCJpc3VzZXIiOiJ0cnVlIiwiY2FjaGVrZXkiOiIwaC5mfG1lbWJlcnNoaXB8MTAwMzIwMDBhMzYxNDUxMUBsaXZlLmNvbSIsInR0IjoiMCIsInVzZVBlcnNpc3RlbnRDb29raWUiOiIyIn0.czVnZ0pCVmhrYkZIbVRRRDBFcE1rSDAvRXBjaUJQc0ZKeHpaM1RyWGdCbz0&amp;encodeFailures=1&amp;srcWidth=&amp;srcHeight=&amp;width=640&amp;height=388&amp;action=Access">
-            <a:extLst>
-              <a:ext uri="{FF2B5EF4-FFF2-40B4-BE49-F238E27FC236}">
-                <a16:creationId xmlns:a16="http://schemas.microsoft.com/office/drawing/2014/main" id="{64639173-243F-71AB-C66D-50BF315F424F}"/>
-              </a:ext>
-            </a:extLst>
-          </p:cNvPr>
-          <p:cNvPicPr>
-            <a:picLocks noChangeAspect="1" noChangeArrowheads="1"/>
-          </p:cNvPicPr>
-          <p:nvPr/>
-        </p:nvPicPr>
-        <p:blipFill>
-          <a:blip r:embed="rId3" cstate="print">
-            <a:extLst>
-              <a:ext uri="{28A0092B-C50C-407E-A947-70E740481C1C}">
-                <a14:useLocalDpi xmlns:a14="http://schemas.microsoft.com/office/drawing/2010/main" val="0"/>
-              </a:ext>
-            </a:extLst>
-          </a:blip>
-          <a:srcRect/>
-          <a:stretch>
-            <a:fillRect/>
-          </a:stretch>
-        </p:blipFill>
-        <p:spPr bwMode="auto">
-          <a:xfrm>
-            <a:off x="1537335" y="6332422"/>
-            <a:ext cx="596265" cy="361486"/>
-          </a:xfrm>
-          <a:prstGeom prst="rect">
-            <a:avLst/>
-          </a:prstGeom>
-          <a:noFill/>
-          <a:extLst>
-            <a:ext uri="{909E8E84-426E-40DD-AFC4-6F175D3DCCD1}">
-              <a14:hiddenFill xmlns:a14="http://schemas.microsoft.com/office/drawing/2010/main">
-                <a:solidFill>
-                  <a:srgbClr val="FFFFFF"/>
-                </a:solidFill>
-              </a14:hiddenFill>
-            </a:ext>
-          </a:extLst>
-        </p:spPr>
-      </p:pic>
       <p:sp>
         <p:nvSpPr>
           <p:cNvPr id="134" name="Titel 1">
@@ -12172,7 +13764,7 @@
           <p:nvPr/>
         </p:nvPicPr>
         <p:blipFill>
-          <a:blip r:embed="rId4">
+          <a:blip r:embed="rId3">
             <a:extLst>
               <a:ext uri="{28A0092B-C50C-407E-A947-70E740481C1C}">
                 <a14:useLocalDpi xmlns:a14="http://schemas.microsoft.com/office/drawing/2010/main" val="0"/>
@@ -13513,53 +15105,6 @@
           </a:p>
         </p:txBody>
       </p:sp>
-      <p:pic>
-        <p:nvPicPr>
-          <p:cNvPr id="1030" name="Picture 6" descr="https://northeurope1-mediap.svc.ms/transform/thumbnail?provider=spo&amp;inputFormat=jpg&amp;cs=fFNQTw&amp;docid=https%3A%2F%2Ffhooe.sharepoint.com%3A443%2F_api%2Fv2.0%2Fdrives%2Fb!xlMoNDXAgUazNRJhh73ez8OjiMKWW7BPl7zssOvWgajAQ6c42rQcSJtqM2tHgG5L%2Fitems%2F013XOSK7LM5GKASX75AVB3EU6VDS2EA3M6%3Fversion%3DPublished&amp;access_token=eyJ0eXAiOiJKV1QiLCJhbGciOiJub25lIn0.eyJhdWQiOiIwMDAwMDAwMy0wMDAwLTBmZjEtY2UwMC0wMDAwMDAwMDAwMDAvZmhvb2Uuc2hhcmVwb2ludC5jb21AZjg4ZDRiNzMtNmJiMi00YjlhLWFiYzctZWI5NmU1YTY0MDdjIiwiaXNzIjoiMDAwMDAwMDMtMDAwMC0wZmYxLWNlMDAtMDAwMDAwMDAwMDAwIiwibmJmIjoiMTYxMzE0MTk5OSIsImV4cCI6IjE2MTMxNjM1OTkiLCJlbmRwb2ludHVybCI6InZvZEZJMlhXUmxaUGptNjFKWDNjVytlRnpHc0JIK2haYnVqQnppMFFTaXc9IiwiZW5kcG9pbnR1cmxMZW5ndGgiOiIxMTIiLCJpc2xvb3BiYWNrIjoiVHJ1ZSIsInZlciI6Imhhc2hlZHByb29mdG9rZW4iLCJzaXRlaWQiOiJNelF5T0RVell6WXRZekF6TlMwME5qZ3hMV0l6TXpVdE1USTJNVGczWW1Sa1pXTm0iLCJuYW1laWQiOiIwIy5mfG1lbWJlcnNoaXB8cDQxNTQxQGZob29lLmF0IiwibmlpIjoibWljcm9zb2Z0LnNoYXJlcG9pbnQiLCJpc3VzZXIiOiJ0cnVlIiwiY2FjaGVrZXkiOiIwaC5mfG1lbWJlcnNoaXB8MTAwMzIwMDBhMzYxNDUxMUBsaXZlLmNvbSIsInR0IjoiMCIsInVzZVBlcnNpc3RlbnRDb29raWUiOiIyIn0.czVnZ0pCVmhrYkZIbVRRRDBFcE1rSDAvRXBjaUJQc0ZKeHpaM1RyWGdCbz0&amp;encodeFailures=1&amp;srcWidth=&amp;srcHeight=&amp;width=640&amp;height=388&amp;action=Access">
-            <a:extLst>
-              <a:ext uri="{FF2B5EF4-FFF2-40B4-BE49-F238E27FC236}">
-                <a16:creationId xmlns:a16="http://schemas.microsoft.com/office/drawing/2014/main" id="{82CDE09A-A5AB-226D-60FA-1A37529FA12C}"/>
-              </a:ext>
-            </a:extLst>
-          </p:cNvPr>
-          <p:cNvPicPr>
-            <a:picLocks noChangeAspect="1" noChangeArrowheads="1"/>
-          </p:cNvPicPr>
-          <p:nvPr/>
-        </p:nvPicPr>
-        <p:blipFill>
-          <a:blip r:embed="rId3" cstate="print">
-            <a:extLst>
-              <a:ext uri="{28A0092B-C50C-407E-A947-70E740481C1C}">
-                <a14:useLocalDpi xmlns:a14="http://schemas.microsoft.com/office/drawing/2010/main" val="0"/>
-              </a:ext>
-            </a:extLst>
-          </a:blip>
-          <a:srcRect/>
-          <a:stretch>
-            <a:fillRect/>
-          </a:stretch>
-        </p:blipFill>
-        <p:spPr bwMode="auto">
-          <a:xfrm>
-            <a:off x="1537335" y="6332422"/>
-            <a:ext cx="596265" cy="361486"/>
-          </a:xfrm>
-          <a:prstGeom prst="rect">
-            <a:avLst/>
-          </a:prstGeom>
-          <a:noFill/>
-          <a:extLst>
-            <a:ext uri="{909E8E84-426E-40DD-AFC4-6F175D3DCCD1}">
-              <a14:hiddenFill xmlns:a14="http://schemas.microsoft.com/office/drawing/2010/main">
-                <a:solidFill>
-                  <a:srgbClr val="FFFFFF"/>
-                </a:solidFill>
-              </a14:hiddenFill>
-            </a:ext>
-          </a:extLst>
-        </p:spPr>
-      </p:pic>
       <p:sp>
         <p:nvSpPr>
           <p:cNvPr id="134" name="Titel 1">
@@ -15316,7 +16861,7 @@
         <p:cNvPr id="1" name="">
           <a:extLst>
             <a:ext uri="{FF2B5EF4-FFF2-40B4-BE49-F238E27FC236}">
-              <a16:creationId xmlns:a16="http://schemas.microsoft.com/office/drawing/2014/main" id="{DE6D4DAB-F357-2C92-1A9C-8CCC3ACC8B41}"/>
+              <a16:creationId xmlns:a16="http://schemas.microsoft.com/office/drawing/2014/main" id="{14D84453-8379-07A9-E3ED-DE13F7A5A860}"/>
             </a:ext>
           </a:extLst>
         </p:cNvPr>
@@ -15336,7 +16881,7 @@
           <p:cNvPr id="2" name="Titel 1">
             <a:extLst>
               <a:ext uri="{FF2B5EF4-FFF2-40B4-BE49-F238E27FC236}">
-                <a16:creationId xmlns:a16="http://schemas.microsoft.com/office/drawing/2014/main" id="{FE236667-55ED-2232-4E44-2CE8A44678F4}"/>
+                <a16:creationId xmlns:a16="http://schemas.microsoft.com/office/drawing/2014/main" id="{F21F3B25-2919-6B60-9322-EB0D4FEC23A0}"/>
               </a:ext>
             </a:extLst>
           </p:cNvPr>
@@ -15382,7 +16927,7 @@
           <p:cNvPr id="5" name="Fußzeilenplatzhalter 4">
             <a:extLst>
               <a:ext uri="{FF2B5EF4-FFF2-40B4-BE49-F238E27FC236}">
-                <a16:creationId xmlns:a16="http://schemas.microsoft.com/office/drawing/2014/main" id="{D5E765DE-D732-1BBD-93C0-C8D66FC091DF}"/>
+                <a16:creationId xmlns:a16="http://schemas.microsoft.com/office/drawing/2014/main" id="{1BB5BE73-E496-E291-D44F-58233CE3E035}"/>
               </a:ext>
             </a:extLst>
           </p:cNvPr>
@@ -15422,7 +16967,7 @@
           <p:cNvPr id="6" name="Foliennummernplatzhalter 5">
             <a:extLst>
               <a:ext uri="{FF2B5EF4-FFF2-40B4-BE49-F238E27FC236}">
-                <a16:creationId xmlns:a16="http://schemas.microsoft.com/office/drawing/2014/main" id="{525CBA25-5BB4-5173-79E4-56622C4AC805}"/>
+                <a16:creationId xmlns:a16="http://schemas.microsoft.com/office/drawing/2014/main" id="{7CC10501-E73A-D5B0-BC22-FBD1ABFD1111}"/>
               </a:ext>
             </a:extLst>
           </p:cNvPr>
@@ -15447,59 +16992,12 @@
           </a:p>
         </p:txBody>
       </p:sp>
-      <p:pic>
-        <p:nvPicPr>
-          <p:cNvPr id="1030" name="Picture 6" descr="https://northeurope1-mediap.svc.ms/transform/thumbnail?provider=spo&amp;inputFormat=jpg&amp;cs=fFNQTw&amp;docid=https%3A%2F%2Ffhooe.sharepoint.com%3A443%2F_api%2Fv2.0%2Fdrives%2Fb!xlMoNDXAgUazNRJhh73ez8OjiMKWW7BPl7zssOvWgajAQ6c42rQcSJtqM2tHgG5L%2Fitems%2F013XOSK7LM5GKASX75AVB3EU6VDS2EA3M6%3Fversion%3DPublished&amp;access_token=eyJ0eXAiOiJKV1QiLCJhbGciOiJub25lIn0.eyJhdWQiOiIwMDAwMDAwMy0wMDAwLTBmZjEtY2UwMC0wMDAwMDAwMDAwMDAvZmhvb2Uuc2hhcmVwb2ludC5jb21AZjg4ZDRiNzMtNmJiMi00YjlhLWFiYzctZWI5NmU1YTY0MDdjIiwiaXNzIjoiMDAwMDAwMDMtMDAwMC0wZmYxLWNlMDAtMDAwMDAwMDAwMDAwIiwibmJmIjoiMTYxMzE0MTk5OSIsImV4cCI6IjE2MTMxNjM1OTkiLCJlbmRwb2ludHVybCI6InZvZEZJMlhXUmxaUGptNjFKWDNjVytlRnpHc0JIK2haYnVqQnppMFFTaXc9IiwiZW5kcG9pbnR1cmxMZW5ndGgiOiIxMTIiLCJpc2xvb3BiYWNrIjoiVHJ1ZSIsInZlciI6Imhhc2hlZHByb29mdG9rZW4iLCJzaXRlaWQiOiJNelF5T0RVell6WXRZekF6TlMwME5qZ3hMV0l6TXpVdE1USTJNVGczWW1Sa1pXTm0iLCJuYW1laWQiOiIwIy5mfG1lbWJlcnNoaXB8cDQxNTQxQGZob29lLmF0IiwibmlpIjoibWljcm9zb2Z0LnNoYXJlcG9pbnQiLCJpc3VzZXIiOiJ0cnVlIiwiY2FjaGVrZXkiOiIwaC5mfG1lbWJlcnNoaXB8MTAwMzIwMDBhMzYxNDUxMUBsaXZlLmNvbSIsInR0IjoiMCIsInVzZVBlcnNpc3RlbnRDb29raWUiOiIyIn0.czVnZ0pCVmhrYkZIbVRRRDBFcE1rSDAvRXBjaUJQc0ZKeHpaM1RyWGdCbz0&amp;encodeFailures=1&amp;srcWidth=&amp;srcHeight=&amp;width=640&amp;height=388&amp;action=Access">
-            <a:extLst>
-              <a:ext uri="{FF2B5EF4-FFF2-40B4-BE49-F238E27FC236}">
-                <a16:creationId xmlns:a16="http://schemas.microsoft.com/office/drawing/2014/main" id="{D2C71AED-8EDF-02AC-56B6-988DD0249850}"/>
-              </a:ext>
-            </a:extLst>
-          </p:cNvPr>
-          <p:cNvPicPr>
-            <a:picLocks noChangeAspect="1" noChangeArrowheads="1"/>
-          </p:cNvPicPr>
-          <p:nvPr/>
-        </p:nvPicPr>
-        <p:blipFill>
-          <a:blip r:embed="rId3" cstate="print">
-            <a:extLst>
-              <a:ext uri="{28A0092B-C50C-407E-A947-70E740481C1C}">
-                <a14:useLocalDpi xmlns:a14="http://schemas.microsoft.com/office/drawing/2010/main" val="0"/>
-              </a:ext>
-            </a:extLst>
-          </a:blip>
-          <a:srcRect/>
-          <a:stretch>
-            <a:fillRect/>
-          </a:stretch>
-        </p:blipFill>
-        <p:spPr bwMode="auto">
-          <a:xfrm>
-            <a:off x="1537335" y="6332422"/>
-            <a:ext cx="596265" cy="361486"/>
-          </a:xfrm>
-          <a:prstGeom prst="rect">
-            <a:avLst/>
-          </a:prstGeom>
-          <a:noFill/>
-          <a:extLst>
-            <a:ext uri="{909E8E84-426E-40DD-AFC4-6F175D3DCCD1}">
-              <a14:hiddenFill xmlns:a14="http://schemas.microsoft.com/office/drawing/2010/main">
-                <a:solidFill>
-                  <a:srgbClr val="FFFFFF"/>
-                </a:solidFill>
-              </a14:hiddenFill>
-            </a:ext>
-          </a:extLst>
-        </p:spPr>
-      </p:pic>
       <p:sp>
         <p:nvSpPr>
           <p:cNvPr id="134" name="Titel 1">
             <a:extLst>
               <a:ext uri="{FF2B5EF4-FFF2-40B4-BE49-F238E27FC236}">
-                <a16:creationId xmlns:a16="http://schemas.microsoft.com/office/drawing/2014/main" id="{C4999ABB-645F-903A-264D-77314F22FC31}"/>
+                <a16:creationId xmlns:a16="http://schemas.microsoft.com/office/drawing/2014/main" id="{0EBDD2DB-947C-C6BA-46E8-4A275674CCD0}"/>
               </a:ext>
             </a:extLst>
           </p:cNvPr>
@@ -15549,7 +17047,7 @@
                   </a:schemeClr>
                 </a:solidFill>
               </a:rPr>
-              <a:t>Research Project I:	RESULTS</a:t>
+              <a:t>Research Project I:	APPROACH</a:t>
             </a:r>
             <a:endParaRPr lang="en-US" sz="2400" dirty="0">
               <a:solidFill>
@@ -15566,7 +17064,7 @@
           <p:cNvPr id="18" name="TextBox 17">
             <a:extLst>
               <a:ext uri="{FF2B5EF4-FFF2-40B4-BE49-F238E27FC236}">
-                <a16:creationId xmlns:a16="http://schemas.microsoft.com/office/drawing/2014/main" id="{843A3746-74A8-EA76-BFA9-03922C28129B}"/>
+                <a16:creationId xmlns:a16="http://schemas.microsoft.com/office/drawing/2014/main" id="{3FD2FA8C-03F4-83F6-65EB-CEF83FF501E5}"/>
               </a:ext>
             </a:extLst>
           </p:cNvPr>
@@ -15576,7 +17074,7 @@
         <p:spPr>
           <a:xfrm>
             <a:off x="548267" y="805688"/>
-            <a:ext cx="5926348" cy="369332"/>
+            <a:ext cx="5926348" cy="3693319"/>
           </a:xfrm>
           <a:prstGeom prst="rect">
             <a:avLst/>
@@ -15589,103 +17087,745 @@
           </a:bodyPr>
           <a:lstStyle/>
           <a:p>
+            <a:r>
+              <a:rPr lang="de-AT" dirty="0">
+                <a:latin typeface="+mj-lt"/>
+              </a:rPr>
+              <a:t>INCORRECT PRECURSOR ISOLATION</a:t>
+            </a:r>
+          </a:p>
+          <a:p>
             <a:pPr marL="285750" indent="-285750">
               <a:buFont typeface="Wingdings" panose="05000000000000000000" pitchFamily="2" charset="2"/>
               <a:buChar char="q"/>
             </a:pPr>
             <a:r>
               <a:rPr lang="en-US" dirty="0"/>
-              <a:t>Algorithms implemented in </a:t>
-            </a:r>
-            <a:r>
-              <a:rPr lang="en-US" b="1" dirty="0"/>
-              <a:t>MS Annika 2.0 </a:t>
-            </a:r>
+              <a:t>Verify precursor ion by comparison to MS2 spectrum</a:t>
+            </a:r>
+          </a:p>
+          <a:p>
+            <a:pPr marL="285750" indent="-285750">
+              <a:buFont typeface="Wingdings" panose="05000000000000000000" pitchFamily="2" charset="2"/>
+              <a:buChar char="q"/>
+            </a:pPr>
             <a:r>
               <a:rPr lang="en-US" dirty="0"/>
-              <a:t>[1]</a:t>
-            </a:r>
-          </a:p>
-        </p:txBody>
-      </p:sp>
-      <p:pic>
-        <p:nvPicPr>
-          <p:cNvPr id="9" name="Graphic 8">
-            <a:extLst>
-              <a:ext uri="{FF2B5EF4-FFF2-40B4-BE49-F238E27FC236}">
-                <a16:creationId xmlns:a16="http://schemas.microsoft.com/office/drawing/2014/main" id="{529BA62A-4D6C-5521-3D6F-C6C875379EBD}"/>
-              </a:ext>
-            </a:extLst>
-          </p:cNvPr>
-          <p:cNvPicPr>
-            <a:picLocks noChangeAspect="1"/>
-          </p:cNvPicPr>
+              <a:t>If MS3 spectrum originates from non-crosslinked precursor → discard spectrum</a:t>
+            </a:r>
+          </a:p>
+          <a:p>
+            <a:pPr marL="285750" indent="-285750">
+              <a:buFont typeface="Wingdings" panose="05000000000000000000" pitchFamily="2" charset="2"/>
+              <a:buChar char="q"/>
+            </a:pPr>
+            <a:endParaRPr lang="en-US" dirty="0"/>
+          </a:p>
+          <a:p>
+            <a:r>
+              <a:rPr lang="en-US" dirty="0">
+                <a:latin typeface="+mj-lt"/>
+              </a:rPr>
+              <a:t>INCORRECT C12 ASSIGNMENT</a:t>
+            </a:r>
+          </a:p>
+          <a:p>
+            <a:pPr marL="285750" indent="-285750">
+              <a:buFont typeface="Wingdings" panose="05000000000000000000" pitchFamily="2" charset="2"/>
+              <a:buChar char="q"/>
+            </a:pPr>
+            <a:r>
+              <a:rPr lang="en-US" dirty="0"/>
+              <a:t>Re-calculate C12 mass from MS2 spectrum based on known rules for isotope distributions</a:t>
+            </a:r>
+          </a:p>
+          <a:p>
+            <a:pPr marL="285750" indent="-285750">
+              <a:buFont typeface="Wingdings" panose="05000000000000000000" pitchFamily="2" charset="2"/>
+              <a:buChar char="q"/>
+            </a:pPr>
+            <a:endParaRPr lang="en-US" dirty="0"/>
+          </a:p>
+          <a:p>
+            <a:r>
+              <a:rPr lang="en-US" dirty="0">
+                <a:latin typeface="+mj-lt"/>
+              </a:rPr>
+              <a:t>MATCHING AND COMBINING MS2 / MS3</a:t>
+            </a:r>
+          </a:p>
+          <a:p>
+            <a:pPr marL="285750" indent="-285750">
+              <a:buFont typeface="Wingdings" panose="05000000000000000000" pitchFamily="2" charset="2"/>
+              <a:buChar char="q"/>
+            </a:pPr>
+            <a:r>
+              <a:rPr lang="en-US" dirty="0"/>
+              <a:t>Match via precursor and product ion mass considering mass tolerance and retention time frame</a:t>
+            </a:r>
+          </a:p>
+          <a:p>
+            <a:pPr marL="285750" indent="-285750">
+              <a:buFont typeface="Wingdings" panose="05000000000000000000" pitchFamily="2" charset="2"/>
+              <a:buChar char="q"/>
+            </a:pPr>
+            <a:r>
+              <a:rPr lang="en-US" dirty="0"/>
+              <a:t>Combination via novel scoring function</a:t>
+            </a:r>
+          </a:p>
+        </p:txBody>
+      </p:sp>
+      <mc:AlternateContent xmlns:mc="http://schemas.openxmlformats.org/markup-compatibility/2006">
+        <mc:Choice xmlns:a14="http://schemas.microsoft.com/office/drawing/2010/main" Requires="a14">
+          <p:sp>
+            <p:nvSpPr>
+              <p:cNvPr id="3" name="TextBox 2">
+                <a:extLst>
+                  <a:ext uri="{FF2B5EF4-FFF2-40B4-BE49-F238E27FC236}">
+                    <a16:creationId xmlns:a16="http://schemas.microsoft.com/office/drawing/2014/main" id="{63301A6D-EE40-BA40-B462-7E1871C11628}"/>
+                  </a:ext>
+                </a:extLst>
+              </p:cNvPr>
+              <p:cNvSpPr txBox="1"/>
+              <p:nvPr/>
+            </p:nvSpPr>
+            <p:spPr>
+              <a:xfrm>
+                <a:off x="548267" y="4607056"/>
+                <a:ext cx="7262273" cy="1596656"/>
+              </a:xfrm>
+              <a:prstGeom prst="rect">
+                <a:avLst/>
+              </a:prstGeom>
+              <a:noFill/>
+            </p:spPr>
+            <p:txBody>
+              <a:bodyPr wrap="square" rtlCol="0">
+                <a:spAutoFit/>
+              </a:bodyPr>
+              <a:lstStyle/>
+              <a:p>
+                <a:pPr marL="457200" lvl="1" indent="0">
+                  <a:buNone/>
+                </a:pPr>
+                <a14:m>
+                  <m:oMathPara xmlns:m="http://schemas.openxmlformats.org/officeDocument/2006/math">
+                    <m:oMathParaPr>
+                      <m:jc m:val="centerGroup"/>
+                    </m:oMathParaPr>
+                    <m:oMath xmlns:m="http://schemas.openxmlformats.org/officeDocument/2006/math">
+                      <m:r>
+                        <a:rPr lang="de-AT" b="0" i="1" smtClean="0">
+                          <a:latin typeface="Cambria Math" panose="02040503050406030204" pitchFamily="18" charset="0"/>
+                        </a:rPr>
+                        <m:t>𝑆𝑐𝑜𝑟𝑒</m:t>
+                      </m:r>
+                      <m:d>
+                        <m:dPr>
+                          <m:ctrlPr>
+                            <a:rPr lang="de-AT" b="0" i="1" smtClean="0">
+                              <a:latin typeface="Cambria Math" panose="02040503050406030204" pitchFamily="18" charset="0"/>
+                            </a:rPr>
+                          </m:ctrlPr>
+                        </m:dPr>
+                        <m:e>
+                          <m:r>
+                            <a:rPr lang="de-AT" b="0" i="1" smtClean="0">
+                              <a:latin typeface="Cambria Math" panose="02040503050406030204" pitchFamily="18" charset="0"/>
+                            </a:rPr>
+                            <m:t>𝑝𝑒𝑝𝑡𝑖𝑑𝑒</m:t>
+                          </m:r>
+                        </m:e>
+                      </m:d>
+                      <m:r>
+                        <a:rPr lang="de-AT" b="0" i="1" smtClean="0">
+                          <a:latin typeface="Cambria Math" panose="02040503050406030204" pitchFamily="18" charset="0"/>
+                        </a:rPr>
+                        <m:t>=</m:t>
+                      </m:r>
+                      <m:func>
+                        <m:funcPr>
+                          <m:ctrlPr>
+                            <a:rPr lang="de-AT" b="0" i="1" smtClean="0">
+                              <a:latin typeface="Cambria Math" panose="02040503050406030204" pitchFamily="18" charset="0"/>
+                            </a:rPr>
+                          </m:ctrlPr>
+                        </m:funcPr>
+                        <m:fName>
+                          <m:r>
+                            <m:rPr>
+                              <m:sty m:val="p"/>
+                            </m:rPr>
+                            <a:rPr lang="de-AT" b="0" i="0" smtClean="0">
+                              <a:latin typeface="Cambria Math" panose="02040503050406030204" pitchFamily="18" charset="0"/>
+                            </a:rPr>
+                            <m:t>max</m:t>
+                          </m:r>
+                        </m:fName>
+                        <m:e>
+                          <m:d>
+                            <m:dPr>
+                              <m:ctrlPr>
+                                <a:rPr lang="de-AT" b="0" i="1" smtClean="0">
+                                  <a:latin typeface="Cambria Math" panose="02040503050406030204" pitchFamily="18" charset="0"/>
+                                </a:rPr>
+                              </m:ctrlPr>
+                            </m:dPr>
+                            <m:e>
+                              <m:sSub>
+                                <m:sSubPr>
+                                  <m:ctrlPr>
+                                    <a:rPr lang="de-AT" b="0" i="1" smtClean="0">
+                                      <a:latin typeface="Cambria Math" panose="02040503050406030204" pitchFamily="18" charset="0"/>
+                                    </a:rPr>
+                                  </m:ctrlPr>
+                                </m:sSubPr>
+                                <m:e>
+                                  <m:r>
+                                    <a:rPr lang="de-AT" b="0" i="1" smtClean="0">
+                                      <a:latin typeface="Cambria Math" panose="02040503050406030204" pitchFamily="18" charset="0"/>
+                                    </a:rPr>
+                                    <m:t>𝑠𝑐𝑜𝑟𝑒𝑠</m:t>
+                                  </m:r>
+                                </m:e>
+                                <m:sub>
+                                  <m:r>
+                                    <a:rPr lang="de-AT" b="0" i="1" smtClean="0">
+                                      <a:latin typeface="Cambria Math" panose="02040503050406030204" pitchFamily="18" charset="0"/>
+                                    </a:rPr>
+                                    <m:t>𝑝𝑒𝑝𝑡𝑖𝑑𝑒</m:t>
+                                  </m:r>
+                                </m:sub>
+                              </m:sSub>
+                            </m:e>
+                          </m:d>
+                        </m:e>
+                      </m:func>
+                      <m:r>
+                        <a:rPr lang="de-AT" b="0" i="1" smtClean="0">
+                          <a:latin typeface="Cambria Math" panose="02040503050406030204" pitchFamily="18" charset="0"/>
+                        </a:rPr>
+                        <m:t>∗</m:t>
+                      </m:r>
+                      <m:sSup>
+                        <m:sSupPr>
+                          <m:ctrlPr>
+                            <a:rPr lang="de-AT" b="0" i="1" smtClean="0">
+                              <a:latin typeface="Cambria Math" panose="02040503050406030204" pitchFamily="18" charset="0"/>
+                            </a:rPr>
+                          </m:ctrlPr>
+                        </m:sSupPr>
+                        <m:e>
+                          <m:r>
+                            <a:rPr lang="de-AT" b="0" i="1" smtClean="0">
+                              <a:latin typeface="Cambria Math" panose="02040503050406030204" pitchFamily="18" charset="0"/>
+                            </a:rPr>
+                            <m:t>(1+</m:t>
+                          </m:r>
+                          <m:f>
+                            <m:fPr>
+                              <m:ctrlPr>
+                                <a:rPr lang="de-AT" b="0" i="1" smtClean="0">
+                                  <a:latin typeface="Cambria Math" panose="02040503050406030204" pitchFamily="18" charset="0"/>
+                                </a:rPr>
+                              </m:ctrlPr>
+                            </m:fPr>
+                            <m:num>
+                              <m:r>
+                                <a:rPr lang="de-AT" b="0" i="1" smtClean="0">
+                                  <a:latin typeface="Cambria Math" panose="02040503050406030204" pitchFamily="18" charset="0"/>
+                                </a:rPr>
+                                <m:t>𝑝</m:t>
+                              </m:r>
+                            </m:num>
+                            <m:den>
+                              <m:r>
+                                <a:rPr lang="de-AT" b="0" i="1" smtClean="0">
+                                  <a:latin typeface="Cambria Math" panose="02040503050406030204" pitchFamily="18" charset="0"/>
+                                </a:rPr>
+                                <m:t>100</m:t>
+                              </m:r>
+                            </m:den>
+                          </m:f>
+                          <m:r>
+                            <a:rPr lang="de-AT" b="0" i="1" smtClean="0">
+                              <a:latin typeface="Cambria Math" panose="02040503050406030204" pitchFamily="18" charset="0"/>
+                            </a:rPr>
+                            <m:t>)</m:t>
+                          </m:r>
+                        </m:e>
+                        <m:sup>
+                          <m:r>
+                            <a:rPr lang="de-AT" b="0" i="1" smtClean="0">
+                              <a:latin typeface="Cambria Math" panose="02040503050406030204" pitchFamily="18" charset="0"/>
+                            </a:rPr>
+                            <m:t>𝑛</m:t>
+                          </m:r>
+                          <m:r>
+                            <a:rPr lang="de-AT" b="0" i="1" smtClean="0">
+                              <a:latin typeface="Cambria Math" panose="02040503050406030204" pitchFamily="18" charset="0"/>
+                            </a:rPr>
+                            <m:t>−1</m:t>
+                          </m:r>
+                        </m:sup>
+                      </m:sSup>
+                    </m:oMath>
+                  </m:oMathPara>
+                </a14:m>
+                <a:endParaRPr lang="en-US" sz="2400" dirty="0"/>
+              </a:p>
+              <a:p>
+                <a:r>
+                  <a:rPr lang="en-US" sz="1200" dirty="0"/>
+                  <a:t>Where:</a:t>
+                </a:r>
+              </a:p>
+              <a:p>
+                <a:pPr lvl="1"/>
+                <a14:m>
+                  <m:oMath xmlns:m="http://schemas.openxmlformats.org/officeDocument/2006/math">
+                    <m:sSub>
+                      <m:sSubPr>
+                        <m:ctrlPr>
+                          <a:rPr lang="en-US" sz="1200" i="1" smtClean="0">
+                            <a:latin typeface="Cambria Math" panose="02040503050406030204" pitchFamily="18" charset="0"/>
+                          </a:rPr>
+                        </m:ctrlPr>
+                      </m:sSubPr>
+                      <m:e>
+                        <m:r>
+                          <a:rPr lang="de-AT" sz="1200" b="0" i="1" smtClean="0">
+                            <a:latin typeface="Cambria Math" panose="02040503050406030204" pitchFamily="18" charset="0"/>
+                          </a:rPr>
+                          <m:t>𝑠𝑐𝑜𝑟𝑒𝑠</m:t>
+                        </m:r>
+                      </m:e>
+                      <m:sub>
+                        <m:r>
+                          <a:rPr lang="de-AT" sz="1200" b="0" i="1" smtClean="0">
+                            <a:latin typeface="Cambria Math" panose="02040503050406030204" pitchFamily="18" charset="0"/>
+                          </a:rPr>
+                          <m:t>𝑝𝑒𝑝𝑡𝑖𝑑𝑒</m:t>
+                        </m:r>
+                      </m:sub>
+                    </m:sSub>
+                  </m:oMath>
+                </a14:m>
+                <a:r>
+                  <a:rPr lang="en-US" sz="1200" dirty="0"/>
+                  <a:t> is a list of all scores of that peptide</a:t>
+                </a:r>
+              </a:p>
+              <a:p>
+                <a:pPr lvl="1"/>
+                <a14:m>
+                  <m:oMath xmlns:m="http://schemas.openxmlformats.org/officeDocument/2006/math">
+                    <m:r>
+                      <a:rPr lang="de-AT" sz="1200" b="0" i="1" smtClean="0">
+                        <a:latin typeface="Cambria Math" panose="02040503050406030204" pitchFamily="18" charset="0"/>
+                      </a:rPr>
+                      <m:t>𝑝</m:t>
+                    </m:r>
+                  </m:oMath>
+                </a14:m>
+                <a:r>
+                  <a:rPr lang="en-US" sz="1200" dirty="0"/>
+                  <a:t> is a user-defined boost parameter (default 20)</a:t>
+                </a:r>
+              </a:p>
+              <a:p>
+                <a:pPr lvl="1"/>
+                <a14:m>
+                  <m:oMath xmlns:m="http://schemas.openxmlformats.org/officeDocument/2006/math">
+                    <m:r>
+                      <a:rPr lang="de-AT" sz="1200" b="0" i="1" smtClean="0">
+                        <a:latin typeface="Cambria Math" panose="02040503050406030204" pitchFamily="18" charset="0"/>
+                      </a:rPr>
+                      <m:t>𝑛</m:t>
+                    </m:r>
+                  </m:oMath>
+                </a14:m>
+                <a:r>
+                  <a:rPr lang="en-US" sz="1200" dirty="0"/>
+                  <a:t> is the number of unique scan numbers that peptide has been identified in</a:t>
+                </a:r>
+              </a:p>
+              <a:p>
+                <a:endParaRPr lang="en-US" dirty="0"/>
+              </a:p>
+            </p:txBody>
+          </p:sp>
+        </mc:Choice>
+        <mc:Fallback>
+          <p:sp>
+            <p:nvSpPr>
+              <p:cNvPr id="3" name="TextBox 2">
+                <a:extLst>
+                  <a:ext uri="{FF2B5EF4-FFF2-40B4-BE49-F238E27FC236}">
+                    <a16:creationId xmlns:a16="http://schemas.microsoft.com/office/drawing/2014/main" id="{63301A6D-EE40-BA40-B462-7E1871C11628}"/>
+                  </a:ext>
+                </a:extLst>
+              </p:cNvPr>
+              <p:cNvSpPr txBox="1">
+                <a:spLocks noRot="1" noChangeAspect="1" noMove="1" noResize="1" noEditPoints="1" noAdjustHandles="1" noChangeArrowheads="1" noChangeShapeType="1" noTextEdit="1"/>
+              </p:cNvSpPr>
+              <p:nvPr/>
+            </p:nvSpPr>
+            <p:spPr>
+              <a:xfrm>
+                <a:off x="548267" y="4607056"/>
+                <a:ext cx="7262273" cy="1596656"/>
+              </a:xfrm>
+              <a:prstGeom prst="rect">
+                <a:avLst/>
+              </a:prstGeom>
+              <a:blipFill>
+                <a:blip r:embed="rId3"/>
+                <a:stretch>
+                  <a:fillRect l="-84"/>
+                </a:stretch>
+              </a:blipFill>
+            </p:spPr>
+            <p:txBody>
+              <a:bodyPr/>
+              <a:lstStyle/>
+              <a:p>
+                <a:r>
+                  <a:rPr lang="en-US">
+                    <a:noFill/>
+                  </a:rPr>
+                  <a:t> </a:t>
+                </a:r>
+              </a:p>
+            </p:txBody>
+          </p:sp>
+        </mc:Fallback>
+      </mc:AlternateContent>
+      <p:cxnSp>
+        <p:nvCxnSpPr>
+          <p:cNvPr id="4" name="Straight Connector 3">
+            <a:extLst>
+              <a:ext uri="{FF2B5EF4-FFF2-40B4-BE49-F238E27FC236}">
+                <a16:creationId xmlns:a16="http://schemas.microsoft.com/office/drawing/2014/main" id="{426DBBE8-1001-E7EE-9952-AB210D88E9D3}"/>
+              </a:ext>
+            </a:extLst>
+          </p:cNvPr>
+          <p:cNvCxnSpPr/>
           <p:nvPr/>
-        </p:nvPicPr>
-        <p:blipFill>
-          <a:blip r:embed="rId4">
-            <a:extLst>
-              <a:ext uri="{96DAC541-7B7A-43D3-8B79-37D633B846F1}">
-                <asvg:svgBlip xmlns:asvg="http://schemas.microsoft.com/office/drawing/2016/SVG/main" r:embed="rId5"/>
-              </a:ext>
-            </a:extLst>
-          </a:blip>
-          <a:stretch>
-            <a:fillRect/>
-          </a:stretch>
-        </p:blipFill>
-        <p:spPr>
-          <a:xfrm>
-            <a:off x="90536" y="1233948"/>
-            <a:ext cx="5060886" cy="2890385"/>
-          </a:xfrm>
-          <a:prstGeom prst="rect">
+        </p:nvCxnSpPr>
+        <p:spPr>
+          <a:xfrm>
+            <a:off x="6876716" y="873690"/>
+            <a:ext cx="0" cy="1032095"/>
+          </a:xfrm>
+          <a:prstGeom prst="line">
             <a:avLst/>
           </a:prstGeom>
-        </p:spPr>
-      </p:pic>
-      <p:pic>
-        <p:nvPicPr>
-          <p:cNvPr id="28" name="Graphic 27">
-            <a:extLst>
-              <a:ext uri="{FF2B5EF4-FFF2-40B4-BE49-F238E27FC236}">
-                <a16:creationId xmlns:a16="http://schemas.microsoft.com/office/drawing/2014/main" id="{684C1AF1-9A2A-CDAB-AD1F-19B169503885}"/>
-              </a:ext>
-            </a:extLst>
-          </p:cNvPr>
-          <p:cNvPicPr>
-            <a:picLocks noChangeAspect="1"/>
-          </p:cNvPicPr>
+          <a:ln w="28575"/>
+        </p:spPr>
+        <p:style>
+          <a:lnRef idx="1">
+            <a:schemeClr val="dk1"/>
+          </a:lnRef>
+          <a:fillRef idx="0">
+            <a:schemeClr val="dk1"/>
+          </a:fillRef>
+          <a:effectRef idx="0">
+            <a:schemeClr val="dk1"/>
+          </a:effectRef>
+          <a:fontRef idx="minor">
+            <a:schemeClr val="tx1"/>
+          </a:fontRef>
+        </p:style>
+      </p:cxnSp>
+      <p:cxnSp>
+        <p:nvCxnSpPr>
+          <p:cNvPr id="8" name="Straight Connector 7">
+            <a:extLst>
+              <a:ext uri="{FF2B5EF4-FFF2-40B4-BE49-F238E27FC236}">
+                <a16:creationId xmlns:a16="http://schemas.microsoft.com/office/drawing/2014/main" id="{3DEAC3C5-EA4F-E5F7-3273-C80C6B9A0197}"/>
+              </a:ext>
+            </a:extLst>
+          </p:cNvPr>
+          <p:cNvCxnSpPr>
+            <a:cxnSpLocks/>
+          </p:cNvCxnSpPr>
           <p:nvPr/>
-        </p:nvPicPr>
-        <p:blipFill>
-          <a:blip r:embed="rId6">
-            <a:extLst>
-              <a:ext uri="{96DAC541-7B7A-43D3-8B79-37D633B846F1}">
-                <asvg:svgBlip xmlns:asvg="http://schemas.microsoft.com/office/drawing/2016/SVG/main" r:embed="rId7"/>
-              </a:ext>
-            </a:extLst>
-          </a:blip>
-          <a:stretch>
-            <a:fillRect/>
-          </a:stretch>
-        </p:blipFill>
-        <p:spPr>
-          <a:xfrm>
-            <a:off x="4499572" y="3303125"/>
-            <a:ext cx="4644428" cy="3092415"/>
-          </a:xfrm>
-          <a:prstGeom prst="rect">
+        </p:nvCxnSpPr>
+        <p:spPr>
+          <a:xfrm flipH="1">
+            <a:off x="6876716" y="1905785"/>
+            <a:ext cx="1654500" cy="0"/>
+          </a:xfrm>
+          <a:prstGeom prst="line">
             <a:avLst/>
           </a:prstGeom>
-        </p:spPr>
-      </p:pic>
-      <p:sp>
-        <p:nvSpPr>
-          <p:cNvPr id="29" name="TextBox 28">
-            <a:extLst>
-              <a:ext uri="{FF2B5EF4-FFF2-40B4-BE49-F238E27FC236}">
-                <a16:creationId xmlns:a16="http://schemas.microsoft.com/office/drawing/2014/main" id="{F1DC5029-DB8D-9A11-E9E6-31130D67F47B}"/>
+          <a:ln w="28575"/>
+        </p:spPr>
+        <p:style>
+          <a:lnRef idx="1">
+            <a:schemeClr val="dk1"/>
+          </a:lnRef>
+          <a:fillRef idx="0">
+            <a:schemeClr val="dk1"/>
+          </a:fillRef>
+          <a:effectRef idx="0">
+            <a:schemeClr val="dk1"/>
+          </a:effectRef>
+          <a:fontRef idx="minor">
+            <a:schemeClr val="tx1"/>
+          </a:fontRef>
+        </p:style>
+      </p:cxnSp>
+      <p:cxnSp>
+        <p:nvCxnSpPr>
+          <p:cNvPr id="10" name="Straight Connector 9">
+            <a:extLst>
+              <a:ext uri="{FF2B5EF4-FFF2-40B4-BE49-F238E27FC236}">
+                <a16:creationId xmlns:a16="http://schemas.microsoft.com/office/drawing/2014/main" id="{6B5C1D82-D953-73E4-CCA4-5EB97F9C229B}"/>
+              </a:ext>
+            </a:extLst>
+          </p:cNvPr>
+          <p:cNvCxnSpPr>
+            <a:cxnSpLocks/>
+          </p:cNvCxnSpPr>
+          <p:nvPr/>
+        </p:nvCxnSpPr>
+        <p:spPr>
+          <a:xfrm>
+            <a:off x="7137758" y="1652288"/>
+            <a:ext cx="0" cy="253496"/>
+          </a:xfrm>
+          <a:prstGeom prst="line">
+            <a:avLst/>
+          </a:prstGeom>
+          <a:ln w="28575"/>
+        </p:spPr>
+        <p:style>
+          <a:lnRef idx="1">
+            <a:schemeClr val="dk1"/>
+          </a:lnRef>
+          <a:fillRef idx="0">
+            <a:schemeClr val="dk1"/>
+          </a:fillRef>
+          <a:effectRef idx="0">
+            <a:schemeClr val="dk1"/>
+          </a:effectRef>
+          <a:fontRef idx="minor">
+            <a:schemeClr val="tx1"/>
+          </a:fontRef>
+        </p:style>
+      </p:cxnSp>
+      <p:cxnSp>
+        <p:nvCxnSpPr>
+          <p:cNvPr id="11" name="Straight Connector 10">
+            <a:extLst>
+              <a:ext uri="{FF2B5EF4-FFF2-40B4-BE49-F238E27FC236}">
+                <a16:creationId xmlns:a16="http://schemas.microsoft.com/office/drawing/2014/main" id="{702C53CE-16D5-DAEE-EE00-A96FDD0F91C2}"/>
+              </a:ext>
+            </a:extLst>
+          </p:cNvPr>
+          <p:cNvCxnSpPr>
+            <a:cxnSpLocks/>
+          </p:cNvCxnSpPr>
+          <p:nvPr/>
+        </p:nvCxnSpPr>
+        <p:spPr>
+          <a:xfrm>
+            <a:off x="7436522" y="1414635"/>
+            <a:ext cx="0" cy="491150"/>
+          </a:xfrm>
+          <a:prstGeom prst="line">
+            <a:avLst/>
+          </a:prstGeom>
+          <a:ln w="28575"/>
+        </p:spPr>
+        <p:style>
+          <a:lnRef idx="1">
+            <a:schemeClr val="dk1"/>
+          </a:lnRef>
+          <a:fillRef idx="0">
+            <a:schemeClr val="dk1"/>
+          </a:fillRef>
+          <a:effectRef idx="0">
+            <a:schemeClr val="dk1"/>
+          </a:effectRef>
+          <a:fontRef idx="minor">
+            <a:schemeClr val="tx1"/>
+          </a:fontRef>
+        </p:style>
+      </p:cxnSp>
+      <p:cxnSp>
+        <p:nvCxnSpPr>
+          <p:cNvPr id="12" name="Straight Connector 11">
+            <a:extLst>
+              <a:ext uri="{FF2B5EF4-FFF2-40B4-BE49-F238E27FC236}">
+                <a16:creationId xmlns:a16="http://schemas.microsoft.com/office/drawing/2014/main" id="{6A4FD8BC-CD67-02B1-B57B-12EF4CA3B15A}"/>
+              </a:ext>
+            </a:extLst>
+          </p:cNvPr>
+          <p:cNvCxnSpPr>
+            <a:cxnSpLocks/>
+          </p:cNvCxnSpPr>
+          <p:nvPr/>
+        </p:nvCxnSpPr>
+        <p:spPr>
+          <a:xfrm>
+            <a:off x="7545855" y="1118134"/>
+            <a:ext cx="0" cy="787650"/>
+          </a:xfrm>
+          <a:prstGeom prst="line">
+            <a:avLst/>
+          </a:prstGeom>
+          <a:ln w="28575">
+            <a:solidFill>
+              <a:srgbClr val="0476C4"/>
+            </a:solidFill>
+          </a:ln>
+        </p:spPr>
+        <p:style>
+          <a:lnRef idx="1">
+            <a:schemeClr val="dk1"/>
+          </a:lnRef>
+          <a:fillRef idx="0">
+            <a:schemeClr val="dk1"/>
+          </a:fillRef>
+          <a:effectRef idx="0">
+            <a:schemeClr val="dk1"/>
+          </a:effectRef>
+          <a:fontRef idx="minor">
+            <a:schemeClr val="tx1"/>
+          </a:fontRef>
+        </p:style>
+      </p:cxnSp>
+      <p:cxnSp>
+        <p:nvCxnSpPr>
+          <p:cNvPr id="13" name="Straight Connector 12">
+            <a:extLst>
+              <a:ext uri="{FF2B5EF4-FFF2-40B4-BE49-F238E27FC236}">
+                <a16:creationId xmlns:a16="http://schemas.microsoft.com/office/drawing/2014/main" id="{679783A3-FD3D-FB8F-A3C9-270373B36C00}"/>
+              </a:ext>
+            </a:extLst>
+          </p:cNvPr>
+          <p:cNvCxnSpPr>
+            <a:cxnSpLocks/>
+          </p:cNvCxnSpPr>
+          <p:nvPr/>
+        </p:nvCxnSpPr>
+        <p:spPr>
+          <a:xfrm>
+            <a:off x="7626645" y="1262989"/>
+            <a:ext cx="0" cy="642795"/>
+          </a:xfrm>
+          <a:prstGeom prst="line">
+            <a:avLst/>
+          </a:prstGeom>
+          <a:ln w="28575">
+            <a:solidFill>
+              <a:srgbClr val="0476C4"/>
+            </a:solidFill>
+          </a:ln>
+        </p:spPr>
+        <p:style>
+          <a:lnRef idx="1">
+            <a:schemeClr val="dk1"/>
+          </a:lnRef>
+          <a:fillRef idx="0">
+            <a:schemeClr val="dk1"/>
+          </a:fillRef>
+          <a:effectRef idx="0">
+            <a:schemeClr val="dk1"/>
+          </a:effectRef>
+          <a:fontRef idx="minor">
+            <a:schemeClr val="tx1"/>
+          </a:fontRef>
+        </p:style>
+      </p:cxnSp>
+      <p:cxnSp>
+        <p:nvCxnSpPr>
+          <p:cNvPr id="14" name="Straight Connector 13">
+            <a:extLst>
+              <a:ext uri="{FF2B5EF4-FFF2-40B4-BE49-F238E27FC236}">
+                <a16:creationId xmlns:a16="http://schemas.microsoft.com/office/drawing/2014/main" id="{32693DD5-39F4-4B5E-EC68-489B15DED9B1}"/>
+              </a:ext>
+            </a:extLst>
+          </p:cNvPr>
+          <p:cNvCxnSpPr>
+            <a:cxnSpLocks/>
+          </p:cNvCxnSpPr>
+          <p:nvPr/>
+        </p:nvCxnSpPr>
+        <p:spPr>
+          <a:xfrm>
+            <a:off x="7943516" y="1414635"/>
+            <a:ext cx="0" cy="471534"/>
+          </a:xfrm>
+          <a:prstGeom prst="line">
+            <a:avLst/>
+          </a:prstGeom>
+          <a:ln w="28575"/>
+        </p:spPr>
+        <p:style>
+          <a:lnRef idx="1">
+            <a:schemeClr val="dk1"/>
+          </a:lnRef>
+          <a:fillRef idx="0">
+            <a:schemeClr val="dk1"/>
+          </a:fillRef>
+          <a:effectRef idx="0">
+            <a:schemeClr val="dk1"/>
+          </a:effectRef>
+          <a:fontRef idx="minor">
+            <a:schemeClr val="tx1"/>
+          </a:fontRef>
+        </p:style>
+      </p:cxnSp>
+      <p:cxnSp>
+        <p:nvCxnSpPr>
+          <p:cNvPr id="15" name="Straight Connector 14">
+            <a:extLst>
+              <a:ext uri="{FF2B5EF4-FFF2-40B4-BE49-F238E27FC236}">
+                <a16:creationId xmlns:a16="http://schemas.microsoft.com/office/drawing/2014/main" id="{CE29833A-61C0-2F8C-D3BC-565CFA8C913C}"/>
+              </a:ext>
+            </a:extLst>
+          </p:cNvPr>
+          <p:cNvCxnSpPr>
+            <a:cxnSpLocks/>
+          </p:cNvCxnSpPr>
+          <p:nvPr/>
+        </p:nvCxnSpPr>
+        <p:spPr>
+          <a:xfrm>
+            <a:off x="8274041" y="1199615"/>
+            <a:ext cx="0" cy="706169"/>
+          </a:xfrm>
+          <a:prstGeom prst="line">
+            <a:avLst/>
+          </a:prstGeom>
+          <a:ln w="28575"/>
+        </p:spPr>
+        <p:style>
+          <a:lnRef idx="1">
+            <a:schemeClr val="dk1"/>
+          </a:lnRef>
+          <a:fillRef idx="0">
+            <a:schemeClr val="dk1"/>
+          </a:fillRef>
+          <a:effectRef idx="0">
+            <a:schemeClr val="dk1"/>
+          </a:effectRef>
+          <a:fontRef idx="minor">
+            <a:schemeClr val="tx1"/>
+          </a:fontRef>
+        </p:style>
+      </p:cxnSp>
+      <p:sp>
+        <p:nvSpPr>
+          <p:cNvPr id="16" name="TextBox 15">
+            <a:extLst>
+              <a:ext uri="{FF2B5EF4-FFF2-40B4-BE49-F238E27FC236}">
+                <a16:creationId xmlns:a16="http://schemas.microsoft.com/office/drawing/2014/main" id="{91BBD40C-1C60-5FD2-189B-D21F2A2402DF}"/>
               </a:ext>
             </a:extLst>
           </p:cNvPr>
@@ -15694,8 +17834,8 @@
         </p:nvSpPr>
         <p:spPr>
           <a:xfrm>
-            <a:off x="548267" y="4428158"/>
-            <a:ext cx="3662440" cy="1600438"/>
+            <a:off x="6876716" y="1905784"/>
+            <a:ext cx="1654497" cy="261610"/>
           </a:xfrm>
           <a:prstGeom prst="rect">
             <a:avLst/>
@@ -15708,87 +17848,21 @@
           </a:bodyPr>
           <a:lstStyle/>
           <a:p>
-            <a:r>
-              <a:rPr lang="en-US" sz="1400" dirty="0"/>
-              <a:t>[1] </a:t>
-            </a:r>
-            <a:r>
-              <a:rPr lang="en-US" sz="1400" b="1" dirty="0"/>
-              <a:t>M. J. Birklbauer, </a:t>
-            </a:r>
-            <a:r>
-              <a:rPr lang="en-US" sz="1400" dirty="0"/>
-              <a:t>M. </a:t>
-            </a:r>
-            <a:r>
-              <a:rPr lang="en-US" sz="1400" dirty="0" err="1"/>
-              <a:t>Matzinger</a:t>
-            </a:r>
-            <a:r>
-              <a:rPr lang="en-US" sz="1400" dirty="0"/>
-              <a:t>, F. Müller, K. </a:t>
-            </a:r>
-            <a:r>
-              <a:rPr lang="en-US" sz="1400" dirty="0" err="1"/>
-              <a:t>Mechtler</a:t>
-            </a:r>
-            <a:r>
-              <a:rPr lang="en-US" sz="1400" dirty="0"/>
-              <a:t>, and V. Dorfer, “MS Annika 2.0 Identifies Cross-Linked Peptides in MS2-MS3-Based Workflows at High Sensitivity and Specificity”, </a:t>
-            </a:r>
-            <a:r>
-              <a:rPr lang="en-US" sz="1400" i="1" dirty="0"/>
-              <a:t>Journal of Proteome Research</a:t>
-            </a:r>
-            <a:r>
-              <a:rPr lang="en-US" sz="1400" dirty="0"/>
-              <a:t>, vol. 22, no. 9, pp. 3009-3021, Aug. 2023</a:t>
-            </a:r>
-          </a:p>
-        </p:txBody>
-      </p:sp>
-      <p:pic>
-        <p:nvPicPr>
-          <p:cNvPr id="34" name="Picture 33" descr="A structure of a structure with colorful lines&#10;&#10;Description automatically generated with medium confidence">
-            <a:extLst>
-              <a:ext uri="{FF2B5EF4-FFF2-40B4-BE49-F238E27FC236}">
-                <a16:creationId xmlns:a16="http://schemas.microsoft.com/office/drawing/2014/main" id="{4F4C710B-4812-3EB2-E6DF-E794F539B313}"/>
-              </a:ext>
-            </a:extLst>
-          </p:cNvPr>
-          <p:cNvPicPr>
-            <a:picLocks noChangeAspect="1"/>
-          </p:cNvPicPr>
-          <p:nvPr/>
-        </p:nvPicPr>
-        <p:blipFill>
-          <a:blip r:embed="rId8" cstate="print">
-            <a:extLst>
-              <a:ext uri="{28A0092B-C50C-407E-A947-70E740481C1C}">
-                <a14:useLocalDpi xmlns:a14="http://schemas.microsoft.com/office/drawing/2010/main" val="0"/>
-              </a:ext>
-            </a:extLst>
-          </a:blip>
-          <a:stretch>
-            <a:fillRect/>
-          </a:stretch>
-        </p:blipFill>
-        <p:spPr>
-          <a:xfrm>
-            <a:off x="5232903" y="1233948"/>
-            <a:ext cx="3530851" cy="2085556"/>
-          </a:xfrm>
-          <a:prstGeom prst="rect">
-            <a:avLst/>
-          </a:prstGeom>
-        </p:spPr>
-      </p:pic>
-      <p:sp>
-        <p:nvSpPr>
-          <p:cNvPr id="36" name="TextBox 35">
-            <a:extLst>
-              <a:ext uri="{FF2B5EF4-FFF2-40B4-BE49-F238E27FC236}">
-                <a16:creationId xmlns:a16="http://schemas.microsoft.com/office/drawing/2014/main" id="{4B8D8451-DC0F-BD9A-32B1-BB7C96D5FE1C}"/>
+            <a:pPr algn="ctr"/>
+            <a:r>
+              <a:rPr lang="de-AT" sz="1050" dirty="0"/>
+              <a:t>m/z</a:t>
+            </a:r>
+            <a:endParaRPr lang="en-US" sz="1050" dirty="0"/>
+          </a:p>
+        </p:txBody>
+      </p:sp>
+      <p:sp>
+        <p:nvSpPr>
+          <p:cNvPr id="17" name="TextBox 16">
+            <a:extLst>
+              <a:ext uri="{FF2B5EF4-FFF2-40B4-BE49-F238E27FC236}">
+                <a16:creationId xmlns:a16="http://schemas.microsoft.com/office/drawing/2014/main" id="{7AE8DE38-688E-6E3B-E103-BD55447D0609}"/>
               </a:ext>
             </a:extLst>
           </p:cNvPr>
@@ -15797,8 +17871,8 @@
         </p:nvSpPr>
         <p:spPr>
           <a:xfrm>
-            <a:off x="54324" y="4124332"/>
-            <a:ext cx="1937521" cy="276999"/>
+            <a:off x="6848174" y="805688"/>
+            <a:ext cx="778471" cy="369332"/>
           </a:xfrm>
           <a:prstGeom prst="rect">
             <a:avLst/>
@@ -15812,19 +17886,19 @@
           <a:lstStyle/>
           <a:p>
             <a:r>
-              <a:rPr lang="de-AT" sz="1200" b="1" dirty="0"/>
-              <a:t>Figure 8, 9, 10</a:t>
-            </a:r>
-            <a:endParaRPr lang="en-US" sz="1200" b="1" dirty="0"/>
-          </a:p>
-        </p:txBody>
-      </p:sp>
-      <p:sp>
-        <p:nvSpPr>
-          <p:cNvPr id="38" name="Rectangle 37">
-            <a:extLst>
-              <a:ext uri="{FF2B5EF4-FFF2-40B4-BE49-F238E27FC236}">
-                <a16:creationId xmlns:a16="http://schemas.microsoft.com/office/drawing/2014/main" id="{7977219C-6528-1502-881A-DF110302289E}"/>
+              <a:rPr lang="de-AT" dirty="0"/>
+              <a:t>(1)</a:t>
+            </a:r>
+            <a:endParaRPr lang="en-US" dirty="0"/>
+          </a:p>
+        </p:txBody>
+      </p:sp>
+      <p:sp>
+        <p:nvSpPr>
+          <p:cNvPr id="19" name="Rectangle 18">
+            <a:extLst>
+              <a:ext uri="{FF2B5EF4-FFF2-40B4-BE49-F238E27FC236}">
+                <a16:creationId xmlns:a16="http://schemas.microsoft.com/office/drawing/2014/main" id="{24C17B52-F041-71E8-94F6-952B463DE1FE}"/>
               </a:ext>
             </a:extLst>
           </p:cNvPr>
@@ -15833,14 +17907,14 @@
         </p:nvSpPr>
         <p:spPr>
           <a:xfrm>
-            <a:off x="878186" y="2113902"/>
-            <a:ext cx="235390" cy="2010429"/>
+            <a:off x="7389747" y="1017122"/>
+            <a:ext cx="99557" cy="1032095"/>
           </a:xfrm>
           <a:prstGeom prst="rect">
             <a:avLst/>
           </a:prstGeom>
           <a:noFill/>
-          <a:ln>
+          <a:ln w="19050">
             <a:solidFill>
               <a:srgbClr val="FF0000"/>
             </a:solidFill>
@@ -15873,26 +17947,536 @@
       </p:sp>
       <p:sp>
         <p:nvSpPr>
-          <p:cNvPr id="40" name="Rectangle 39">
-            <a:extLst>
-              <a:ext uri="{FF2B5EF4-FFF2-40B4-BE49-F238E27FC236}">
-                <a16:creationId xmlns:a16="http://schemas.microsoft.com/office/drawing/2014/main" id="{E25DDE43-649F-94F3-44E4-1FBAD53B5C0B}"/>
-              </a:ext>
-            </a:extLst>
-          </p:cNvPr>
-          <p:cNvSpPr/>
+          <p:cNvPr id="20" name="TextBox 19">
+            <a:extLst>
+              <a:ext uri="{FF2B5EF4-FFF2-40B4-BE49-F238E27FC236}">
+                <a16:creationId xmlns:a16="http://schemas.microsoft.com/office/drawing/2014/main" id="{1BA6ACEA-32FF-2E94-91DC-5D5A8172172D}"/>
+              </a:ext>
+            </a:extLst>
+          </p:cNvPr>
+          <p:cNvSpPr txBox="1"/>
           <p:nvPr/>
         </p:nvSpPr>
         <p:spPr>
           <a:xfrm>
-            <a:off x="1910362" y="2113901"/>
-            <a:ext cx="235390" cy="2010429"/>
+            <a:off x="6781046" y="2050143"/>
+            <a:ext cx="1937521" cy="276999"/>
           </a:xfrm>
           <a:prstGeom prst="rect">
             <a:avLst/>
           </a:prstGeom>
           <a:noFill/>
-          <a:ln>
+        </p:spPr>
+        <p:txBody>
+          <a:bodyPr wrap="square" rtlCol="0">
+            <a:spAutoFit/>
+          </a:bodyPr>
+          <a:lstStyle/>
+          <a:p>
+            <a:r>
+              <a:rPr lang="de-AT" sz="1200" b="1" dirty="0"/>
+              <a:t>Figure 6</a:t>
+            </a:r>
+            <a:endParaRPr lang="en-US" sz="1200" b="1" dirty="0"/>
+          </a:p>
+        </p:txBody>
+      </p:sp>
+      <p:cxnSp>
+        <p:nvCxnSpPr>
+          <p:cNvPr id="21" name="Straight Connector 20">
+            <a:extLst>
+              <a:ext uri="{FF2B5EF4-FFF2-40B4-BE49-F238E27FC236}">
+                <a16:creationId xmlns:a16="http://schemas.microsoft.com/office/drawing/2014/main" id="{7CA50217-EDD0-D87E-05A7-793E2541BF22}"/>
+              </a:ext>
+            </a:extLst>
+          </p:cNvPr>
+          <p:cNvCxnSpPr/>
+          <p:nvPr/>
+        </p:nvCxnSpPr>
+        <p:spPr>
+          <a:xfrm>
+            <a:off x="6876716" y="2447488"/>
+            <a:ext cx="0" cy="1032095"/>
+          </a:xfrm>
+          <a:prstGeom prst="line">
+            <a:avLst/>
+          </a:prstGeom>
+          <a:ln w="28575"/>
+        </p:spPr>
+        <p:style>
+          <a:lnRef idx="1">
+            <a:schemeClr val="dk1"/>
+          </a:lnRef>
+          <a:fillRef idx="0">
+            <a:schemeClr val="dk1"/>
+          </a:fillRef>
+          <a:effectRef idx="0">
+            <a:schemeClr val="dk1"/>
+          </a:effectRef>
+          <a:fontRef idx="minor">
+            <a:schemeClr val="tx1"/>
+          </a:fontRef>
+        </p:style>
+      </p:cxnSp>
+      <p:cxnSp>
+        <p:nvCxnSpPr>
+          <p:cNvPr id="22" name="Straight Connector 21">
+            <a:extLst>
+              <a:ext uri="{FF2B5EF4-FFF2-40B4-BE49-F238E27FC236}">
+                <a16:creationId xmlns:a16="http://schemas.microsoft.com/office/drawing/2014/main" id="{7E7725BF-2D8A-FD38-1473-3BC14F90CD8E}"/>
+              </a:ext>
+            </a:extLst>
+          </p:cNvPr>
+          <p:cNvCxnSpPr>
+            <a:cxnSpLocks/>
+          </p:cNvCxnSpPr>
+          <p:nvPr/>
+        </p:nvCxnSpPr>
+        <p:spPr>
+          <a:xfrm flipH="1">
+            <a:off x="6876716" y="3479583"/>
+            <a:ext cx="1654500" cy="0"/>
+          </a:xfrm>
+          <a:prstGeom prst="line">
+            <a:avLst/>
+          </a:prstGeom>
+          <a:ln w="28575"/>
+        </p:spPr>
+        <p:style>
+          <a:lnRef idx="1">
+            <a:schemeClr val="dk1"/>
+          </a:lnRef>
+          <a:fillRef idx="0">
+            <a:schemeClr val="dk1"/>
+          </a:fillRef>
+          <a:effectRef idx="0">
+            <a:schemeClr val="dk1"/>
+          </a:effectRef>
+          <a:fontRef idx="minor">
+            <a:schemeClr val="tx1"/>
+          </a:fontRef>
+        </p:style>
+      </p:cxnSp>
+      <p:cxnSp>
+        <p:nvCxnSpPr>
+          <p:cNvPr id="23" name="Straight Connector 22">
+            <a:extLst>
+              <a:ext uri="{FF2B5EF4-FFF2-40B4-BE49-F238E27FC236}">
+                <a16:creationId xmlns:a16="http://schemas.microsoft.com/office/drawing/2014/main" id="{736E4C60-812B-5C60-73A6-04BB35AB812A}"/>
+              </a:ext>
+            </a:extLst>
+          </p:cNvPr>
+          <p:cNvCxnSpPr>
+            <a:cxnSpLocks/>
+          </p:cNvCxnSpPr>
+          <p:nvPr/>
+        </p:nvCxnSpPr>
+        <p:spPr>
+          <a:xfrm>
+            <a:off x="7137758" y="3226086"/>
+            <a:ext cx="0" cy="253496"/>
+          </a:xfrm>
+          <a:prstGeom prst="line">
+            <a:avLst/>
+          </a:prstGeom>
+          <a:ln w="28575"/>
+        </p:spPr>
+        <p:style>
+          <a:lnRef idx="1">
+            <a:schemeClr val="dk1"/>
+          </a:lnRef>
+          <a:fillRef idx="0">
+            <a:schemeClr val="dk1"/>
+          </a:fillRef>
+          <a:effectRef idx="0">
+            <a:schemeClr val="dk1"/>
+          </a:effectRef>
+          <a:fontRef idx="minor">
+            <a:schemeClr val="tx1"/>
+          </a:fontRef>
+        </p:style>
+      </p:cxnSp>
+      <p:cxnSp>
+        <p:nvCxnSpPr>
+          <p:cNvPr id="24" name="Straight Connector 23">
+            <a:extLst>
+              <a:ext uri="{FF2B5EF4-FFF2-40B4-BE49-F238E27FC236}">
+                <a16:creationId xmlns:a16="http://schemas.microsoft.com/office/drawing/2014/main" id="{AB3AA103-BEDD-5FF9-C730-70F38CEC8136}"/>
+              </a:ext>
+            </a:extLst>
+          </p:cNvPr>
+          <p:cNvCxnSpPr>
+            <a:cxnSpLocks/>
+          </p:cNvCxnSpPr>
+          <p:nvPr/>
+        </p:nvCxnSpPr>
+        <p:spPr>
+          <a:xfrm>
+            <a:off x="7436522" y="2988433"/>
+            <a:ext cx="0" cy="491150"/>
+          </a:xfrm>
+          <a:prstGeom prst="line">
+            <a:avLst/>
+          </a:prstGeom>
+          <a:ln w="28575">
+            <a:solidFill>
+              <a:srgbClr val="0476C4"/>
+            </a:solidFill>
+          </a:ln>
+        </p:spPr>
+        <p:style>
+          <a:lnRef idx="1">
+            <a:schemeClr val="dk1"/>
+          </a:lnRef>
+          <a:fillRef idx="0">
+            <a:schemeClr val="dk1"/>
+          </a:fillRef>
+          <a:effectRef idx="0">
+            <a:schemeClr val="dk1"/>
+          </a:effectRef>
+          <a:fontRef idx="minor">
+            <a:schemeClr val="tx1"/>
+          </a:fontRef>
+        </p:style>
+      </p:cxnSp>
+      <p:cxnSp>
+        <p:nvCxnSpPr>
+          <p:cNvPr id="26" name="Straight Connector 25">
+            <a:extLst>
+              <a:ext uri="{FF2B5EF4-FFF2-40B4-BE49-F238E27FC236}">
+                <a16:creationId xmlns:a16="http://schemas.microsoft.com/office/drawing/2014/main" id="{87EF2F13-8D55-7E28-BC85-0757D8FDB437}"/>
+              </a:ext>
+            </a:extLst>
+          </p:cNvPr>
+          <p:cNvCxnSpPr>
+            <a:cxnSpLocks/>
+          </p:cNvCxnSpPr>
+          <p:nvPr/>
+        </p:nvCxnSpPr>
+        <p:spPr>
+          <a:xfrm>
+            <a:off x="7675295" y="2691932"/>
+            <a:ext cx="0" cy="787650"/>
+          </a:xfrm>
+          <a:prstGeom prst="line">
+            <a:avLst/>
+          </a:prstGeom>
+          <a:ln w="28575">
+            <a:solidFill>
+              <a:srgbClr val="0476C4"/>
+            </a:solidFill>
+          </a:ln>
+        </p:spPr>
+        <p:style>
+          <a:lnRef idx="1">
+            <a:schemeClr val="dk1"/>
+          </a:lnRef>
+          <a:fillRef idx="0">
+            <a:schemeClr val="dk1"/>
+          </a:fillRef>
+          <a:effectRef idx="0">
+            <a:schemeClr val="dk1"/>
+          </a:effectRef>
+          <a:fontRef idx="minor">
+            <a:schemeClr val="tx1"/>
+          </a:fontRef>
+        </p:style>
+      </p:cxnSp>
+      <p:cxnSp>
+        <p:nvCxnSpPr>
+          <p:cNvPr id="27" name="Straight Connector 26">
+            <a:extLst>
+              <a:ext uri="{FF2B5EF4-FFF2-40B4-BE49-F238E27FC236}">
+                <a16:creationId xmlns:a16="http://schemas.microsoft.com/office/drawing/2014/main" id="{3F7B7783-77B6-E87C-3250-8EA75021DC9D}"/>
+              </a:ext>
+            </a:extLst>
+          </p:cNvPr>
+          <p:cNvCxnSpPr>
+            <a:cxnSpLocks/>
+          </p:cNvCxnSpPr>
+          <p:nvPr/>
+        </p:nvCxnSpPr>
+        <p:spPr>
+          <a:xfrm>
+            <a:off x="7813180" y="2836787"/>
+            <a:ext cx="0" cy="642795"/>
+          </a:xfrm>
+          <a:prstGeom prst="line">
+            <a:avLst/>
+          </a:prstGeom>
+          <a:ln w="28575">
+            <a:solidFill>
+              <a:srgbClr val="0476C4"/>
+            </a:solidFill>
+          </a:ln>
+        </p:spPr>
+        <p:style>
+          <a:lnRef idx="1">
+            <a:schemeClr val="dk1"/>
+          </a:lnRef>
+          <a:fillRef idx="0">
+            <a:schemeClr val="dk1"/>
+          </a:fillRef>
+          <a:effectRef idx="0">
+            <a:schemeClr val="dk1"/>
+          </a:effectRef>
+          <a:fontRef idx="minor">
+            <a:schemeClr val="tx1"/>
+          </a:fontRef>
+        </p:style>
+      </p:cxnSp>
+      <p:cxnSp>
+        <p:nvCxnSpPr>
+          <p:cNvPr id="30" name="Straight Connector 29">
+            <a:extLst>
+              <a:ext uri="{FF2B5EF4-FFF2-40B4-BE49-F238E27FC236}">
+                <a16:creationId xmlns:a16="http://schemas.microsoft.com/office/drawing/2014/main" id="{E223EC00-8064-3012-6D3F-39980A2582FC}"/>
+              </a:ext>
+            </a:extLst>
+          </p:cNvPr>
+          <p:cNvCxnSpPr>
+            <a:cxnSpLocks/>
+          </p:cNvCxnSpPr>
+          <p:nvPr/>
+        </p:nvCxnSpPr>
+        <p:spPr>
+          <a:xfrm>
+            <a:off x="8034050" y="2998241"/>
+            <a:ext cx="0" cy="471534"/>
+          </a:xfrm>
+          <a:prstGeom prst="line">
+            <a:avLst/>
+          </a:prstGeom>
+          <a:ln w="28575"/>
+        </p:spPr>
+        <p:style>
+          <a:lnRef idx="1">
+            <a:schemeClr val="dk1"/>
+          </a:lnRef>
+          <a:fillRef idx="0">
+            <a:schemeClr val="dk1"/>
+          </a:fillRef>
+          <a:effectRef idx="0">
+            <a:schemeClr val="dk1"/>
+          </a:effectRef>
+          <a:fontRef idx="minor">
+            <a:schemeClr val="tx1"/>
+          </a:fontRef>
+        </p:style>
+      </p:cxnSp>
+      <p:cxnSp>
+        <p:nvCxnSpPr>
+          <p:cNvPr id="31" name="Straight Connector 30">
+            <a:extLst>
+              <a:ext uri="{FF2B5EF4-FFF2-40B4-BE49-F238E27FC236}">
+                <a16:creationId xmlns:a16="http://schemas.microsoft.com/office/drawing/2014/main" id="{1E4848FB-C06B-CA99-73B8-2C429384D2FC}"/>
+              </a:ext>
+            </a:extLst>
+          </p:cNvPr>
+          <p:cNvCxnSpPr>
+            <a:cxnSpLocks/>
+          </p:cNvCxnSpPr>
+          <p:nvPr/>
+        </p:nvCxnSpPr>
+        <p:spPr>
+          <a:xfrm>
+            <a:off x="8274041" y="2773413"/>
+            <a:ext cx="0" cy="706169"/>
+          </a:xfrm>
+          <a:prstGeom prst="line">
+            <a:avLst/>
+          </a:prstGeom>
+          <a:ln w="28575"/>
+        </p:spPr>
+        <p:style>
+          <a:lnRef idx="1">
+            <a:schemeClr val="dk1"/>
+          </a:lnRef>
+          <a:fillRef idx="0">
+            <a:schemeClr val="dk1"/>
+          </a:fillRef>
+          <a:effectRef idx="0">
+            <a:schemeClr val="dk1"/>
+          </a:effectRef>
+          <a:fontRef idx="minor">
+            <a:schemeClr val="tx1"/>
+          </a:fontRef>
+        </p:style>
+      </p:cxnSp>
+      <p:sp>
+        <p:nvSpPr>
+          <p:cNvPr id="33" name="TextBox 32">
+            <a:extLst>
+              <a:ext uri="{FF2B5EF4-FFF2-40B4-BE49-F238E27FC236}">
+                <a16:creationId xmlns:a16="http://schemas.microsoft.com/office/drawing/2014/main" id="{CE49CB05-DB96-E710-C074-C82E074F259F}"/>
+              </a:ext>
+            </a:extLst>
+          </p:cNvPr>
+          <p:cNvSpPr txBox="1"/>
+          <p:nvPr/>
+        </p:nvSpPr>
+        <p:spPr>
+          <a:xfrm>
+            <a:off x="6876716" y="3479582"/>
+            <a:ext cx="1654497" cy="261610"/>
+          </a:xfrm>
+          <a:prstGeom prst="rect">
+            <a:avLst/>
+          </a:prstGeom>
+          <a:noFill/>
+        </p:spPr>
+        <p:txBody>
+          <a:bodyPr wrap="square" rtlCol="0">
+            <a:spAutoFit/>
+          </a:bodyPr>
+          <a:lstStyle/>
+          <a:p>
+            <a:pPr algn="ctr"/>
+            <a:r>
+              <a:rPr lang="de-AT" sz="1050" dirty="0"/>
+              <a:t>m/z</a:t>
+            </a:r>
+            <a:endParaRPr lang="en-US" sz="1050" dirty="0"/>
+          </a:p>
+        </p:txBody>
+      </p:sp>
+      <p:sp>
+        <p:nvSpPr>
+          <p:cNvPr id="35" name="TextBox 34">
+            <a:extLst>
+              <a:ext uri="{FF2B5EF4-FFF2-40B4-BE49-F238E27FC236}">
+                <a16:creationId xmlns:a16="http://schemas.microsoft.com/office/drawing/2014/main" id="{0C18F81F-7AFA-B647-046E-6F78D7BBE4EA}"/>
+              </a:ext>
+            </a:extLst>
+          </p:cNvPr>
+          <p:cNvSpPr txBox="1"/>
+          <p:nvPr/>
+        </p:nvSpPr>
+        <p:spPr>
+          <a:xfrm>
+            <a:off x="6848174" y="2379486"/>
+            <a:ext cx="778471" cy="369332"/>
+          </a:xfrm>
+          <a:prstGeom prst="rect">
+            <a:avLst/>
+          </a:prstGeom>
+          <a:noFill/>
+        </p:spPr>
+        <p:txBody>
+          <a:bodyPr wrap="square" rtlCol="0">
+            <a:spAutoFit/>
+          </a:bodyPr>
+          <a:lstStyle/>
+          <a:p>
+            <a:r>
+              <a:rPr lang="de-AT" dirty="0"/>
+              <a:t>(2)</a:t>
+            </a:r>
+            <a:endParaRPr lang="en-US" dirty="0"/>
+          </a:p>
+        </p:txBody>
+      </p:sp>
+      <p:sp>
+        <p:nvSpPr>
+          <p:cNvPr id="37" name="TextBox 36">
+            <a:extLst>
+              <a:ext uri="{FF2B5EF4-FFF2-40B4-BE49-F238E27FC236}">
+                <a16:creationId xmlns:a16="http://schemas.microsoft.com/office/drawing/2014/main" id="{7E9745AE-FAB2-7F6D-EF16-04AA2D85B0C6}"/>
+              </a:ext>
+            </a:extLst>
+          </p:cNvPr>
+          <p:cNvSpPr txBox="1"/>
+          <p:nvPr/>
+        </p:nvSpPr>
+        <p:spPr>
+          <a:xfrm>
+            <a:off x="6781046" y="3623941"/>
+            <a:ext cx="1937521" cy="276999"/>
+          </a:xfrm>
+          <a:prstGeom prst="rect">
+            <a:avLst/>
+          </a:prstGeom>
+          <a:noFill/>
+        </p:spPr>
+        <p:txBody>
+          <a:bodyPr wrap="square" rtlCol="0">
+            <a:spAutoFit/>
+          </a:bodyPr>
+          <a:lstStyle/>
+          <a:p>
+            <a:r>
+              <a:rPr lang="de-AT" sz="1200" b="1" dirty="0"/>
+              <a:t>Figure 7</a:t>
+            </a:r>
+            <a:endParaRPr lang="en-US" sz="1200" b="1" dirty="0"/>
+          </a:p>
+        </p:txBody>
+      </p:sp>
+      <p:cxnSp>
+        <p:nvCxnSpPr>
+          <p:cNvPr id="39" name="Straight Connector 38">
+            <a:extLst>
+              <a:ext uri="{FF2B5EF4-FFF2-40B4-BE49-F238E27FC236}">
+                <a16:creationId xmlns:a16="http://schemas.microsoft.com/office/drawing/2014/main" id="{E821A3CF-F8D5-47B3-5BC1-00EA9870928B}"/>
+              </a:ext>
+            </a:extLst>
+          </p:cNvPr>
+          <p:cNvCxnSpPr>
+            <a:cxnSpLocks/>
+          </p:cNvCxnSpPr>
+          <p:nvPr/>
+        </p:nvCxnSpPr>
+        <p:spPr>
+          <a:xfrm>
+            <a:off x="7545855" y="2580357"/>
+            <a:ext cx="0" cy="888663"/>
+          </a:xfrm>
+          <a:prstGeom prst="line">
+            <a:avLst/>
+          </a:prstGeom>
+          <a:ln w="28575">
+            <a:solidFill>
+              <a:srgbClr val="0476C4"/>
+            </a:solidFill>
+          </a:ln>
+        </p:spPr>
+        <p:style>
+          <a:lnRef idx="1">
+            <a:schemeClr val="dk1"/>
+          </a:lnRef>
+          <a:fillRef idx="0">
+            <a:schemeClr val="dk1"/>
+          </a:fillRef>
+          <a:effectRef idx="0">
+            <a:schemeClr val="dk1"/>
+          </a:effectRef>
+          <a:fontRef idx="minor">
+            <a:schemeClr val="tx1"/>
+          </a:fontRef>
+        </p:style>
+      </p:cxnSp>
+      <p:sp>
+        <p:nvSpPr>
+          <p:cNvPr id="41" name="Rectangle 40">
+            <a:extLst>
+              <a:ext uri="{FF2B5EF4-FFF2-40B4-BE49-F238E27FC236}">
+                <a16:creationId xmlns:a16="http://schemas.microsoft.com/office/drawing/2014/main" id="{8E62C720-E3EE-709A-5E6C-120FA86679C7}"/>
+              </a:ext>
+            </a:extLst>
+          </p:cNvPr>
+          <p:cNvSpPr/>
+          <p:nvPr/>
+        </p:nvSpPr>
+        <p:spPr>
+          <a:xfrm>
+            <a:off x="7769259" y="2590919"/>
+            <a:ext cx="99557" cy="1032095"/>
+          </a:xfrm>
+          <a:prstGeom prst="rect">
+            <a:avLst/>
+          </a:prstGeom>
+          <a:noFill/>
+          <a:ln w="19050">
             <a:solidFill>
               <a:srgbClr val="FF0000"/>
             </a:solidFill>
@@ -15925,10 +18509,10 @@
       </p:sp>
       <p:sp>
         <p:nvSpPr>
-          <p:cNvPr id="42" name="Rectangle 41">
-            <a:extLst>
-              <a:ext uri="{FF2B5EF4-FFF2-40B4-BE49-F238E27FC236}">
-                <a16:creationId xmlns:a16="http://schemas.microsoft.com/office/drawing/2014/main" id="{9F30D693-7FDE-C1DD-F16C-38B543984A9A}"/>
+          <p:cNvPr id="43" name="Rectangle 42">
+            <a:extLst>
+              <a:ext uri="{FF2B5EF4-FFF2-40B4-BE49-F238E27FC236}">
+                <a16:creationId xmlns:a16="http://schemas.microsoft.com/office/drawing/2014/main" id="{8898B340-DC7F-AC00-9C94-0904CF82F36C}"/>
               </a:ext>
             </a:extLst>
           </p:cNvPr>
@@ -15937,16 +18521,16 @@
         </p:nvSpPr>
         <p:spPr>
           <a:xfrm>
-            <a:off x="2933485" y="1747319"/>
-            <a:ext cx="235390" cy="2377011"/>
+            <a:off x="7387468" y="2590918"/>
+            <a:ext cx="99557" cy="1032095"/>
           </a:xfrm>
           <a:prstGeom prst="rect">
             <a:avLst/>
           </a:prstGeom>
           <a:noFill/>
-          <a:ln>
+          <a:ln w="19050">
             <a:solidFill>
-              <a:srgbClr val="FF0000"/>
+              <a:srgbClr val="00B050"/>
             </a:solidFill>
           </a:ln>
         </p:spPr>
@@ -15975,30 +18559,203 @@
           </a:p>
         </p:txBody>
       </p:sp>
-      <p:sp>
-        <p:nvSpPr>
-          <p:cNvPr id="44" name="Rectangle 43">
-            <a:extLst>
-              <a:ext uri="{FF2B5EF4-FFF2-40B4-BE49-F238E27FC236}">
-                <a16:creationId xmlns:a16="http://schemas.microsoft.com/office/drawing/2014/main" id="{B633C0EB-0DF2-5107-0008-7A2270FCF0AC}"/>
-              </a:ext>
-            </a:extLst>
-          </p:cNvPr>
-          <p:cNvSpPr/>
+      <p:cxnSp>
+        <p:nvCxnSpPr>
+          <p:cNvPr id="61" name="Connector: Elbow 60">
+            <a:extLst>
+              <a:ext uri="{FF2B5EF4-FFF2-40B4-BE49-F238E27FC236}">
+                <a16:creationId xmlns:a16="http://schemas.microsoft.com/office/drawing/2014/main" id="{C8F65A2C-0582-9DDF-57FE-3611CD2671A6}"/>
+              </a:ext>
+            </a:extLst>
+          </p:cNvPr>
+          <p:cNvCxnSpPr>
+            <a:stCxn id="41" idx="0"/>
+            <a:endCxn id="43" idx="0"/>
+          </p:cNvCxnSpPr>
           <p:nvPr/>
-        </p:nvSpPr>
-        <p:spPr>
-          <a:xfrm>
-            <a:off x="3965578" y="1747318"/>
-            <a:ext cx="235390" cy="2377011"/>
+        </p:nvCxnSpPr>
+        <p:spPr>
+          <a:xfrm rot="16200000" flipV="1">
+            <a:off x="7628143" y="2400023"/>
+            <a:ext cx="1" cy="381791"/>
+          </a:xfrm>
+          <a:prstGeom prst="bentConnector3">
+            <a:avLst>
+              <a:gd name="adj1" fmla="val 22860100000"/>
+            </a:avLst>
+          </a:prstGeom>
+          <a:ln>
+            <a:tailEnd type="triangle"/>
+          </a:ln>
+        </p:spPr>
+        <p:style>
+          <a:lnRef idx="1">
+            <a:schemeClr val="dk1"/>
+          </a:lnRef>
+          <a:fillRef idx="0">
+            <a:schemeClr val="dk1"/>
+          </a:fillRef>
+          <a:effectRef idx="0">
+            <a:schemeClr val="dk1"/>
+          </a:effectRef>
+          <a:fontRef idx="minor">
+            <a:schemeClr val="tx1"/>
+          </a:fontRef>
+        </p:style>
+      </p:cxnSp>
+      <p:cxnSp>
+        <p:nvCxnSpPr>
+          <p:cNvPr id="1024" name="Connector: Elbow 1023">
+            <a:extLst>
+              <a:ext uri="{FF2B5EF4-FFF2-40B4-BE49-F238E27FC236}">
+                <a16:creationId xmlns:a16="http://schemas.microsoft.com/office/drawing/2014/main" id="{3B783AAF-FEF4-E224-AC51-73893E1B369E}"/>
+              </a:ext>
+            </a:extLst>
+          </p:cNvPr>
+          <p:cNvCxnSpPr>
+            <a:cxnSpLocks/>
+          </p:cNvCxnSpPr>
+          <p:nvPr/>
+        </p:nvCxnSpPr>
+        <p:spPr>
+          <a:xfrm rot="5400000" flipH="1" flipV="1">
+            <a:off x="7904600" y="390510"/>
+            <a:ext cx="143432" cy="1091687"/>
+          </a:xfrm>
+          <a:prstGeom prst="bentConnector2">
+            <a:avLst/>
+          </a:prstGeom>
+          <a:ln>
+            <a:solidFill>
+              <a:srgbClr val="FF0000"/>
+            </a:solidFill>
+            <a:tailEnd type="triangle"/>
+          </a:ln>
+        </p:spPr>
+        <p:style>
+          <a:lnRef idx="1">
+            <a:schemeClr val="accent1"/>
+          </a:lnRef>
+          <a:fillRef idx="0">
+            <a:schemeClr val="accent1"/>
+          </a:fillRef>
+          <a:effectRef idx="0">
+            <a:schemeClr val="accent1"/>
+          </a:effectRef>
+          <a:fontRef idx="minor">
+            <a:schemeClr val="tx1"/>
+          </a:fontRef>
+        </p:style>
+      </p:cxnSp>
+      <p:sp>
+        <p:nvSpPr>
+          <p:cNvPr id="1026" name="TextBox 1025">
+            <a:extLst>
+              <a:ext uri="{FF2B5EF4-FFF2-40B4-BE49-F238E27FC236}">
+                <a16:creationId xmlns:a16="http://schemas.microsoft.com/office/drawing/2014/main" id="{46B6A85C-4537-216C-A0D7-575A3995C578}"/>
+              </a:ext>
+            </a:extLst>
+          </p:cNvPr>
+          <p:cNvSpPr txBox="1"/>
+          <p:nvPr/>
+        </p:nvSpPr>
+        <p:spPr>
+          <a:xfrm>
+            <a:off x="7993999" y="845675"/>
+            <a:ext cx="814814" cy="261610"/>
           </a:xfrm>
           <a:prstGeom prst="rect">
             <a:avLst/>
           </a:prstGeom>
           <a:noFill/>
-          <a:ln>
+        </p:spPr>
+        <p:txBody>
+          <a:bodyPr wrap="square" rtlCol="0">
+            <a:spAutoFit/>
+          </a:bodyPr>
+          <a:lstStyle/>
+          <a:p>
+            <a:r>
+              <a:rPr lang="de-AT" sz="1100" dirty="0" err="1">
+                <a:solidFill>
+                  <a:srgbClr val="FE292A"/>
+                </a:solidFill>
+              </a:rPr>
+              <a:t>discard</a:t>
+            </a:r>
+            <a:endParaRPr lang="en-US" sz="1100" dirty="0">
+              <a:solidFill>
+                <a:srgbClr val="FE292A"/>
+              </a:solidFill>
+            </a:endParaRPr>
+          </a:p>
+        </p:txBody>
+      </p:sp>
+      <p:sp>
+        <p:nvSpPr>
+          <p:cNvPr id="1027" name="TextBox 1026">
+            <a:extLst>
+              <a:ext uri="{FF2B5EF4-FFF2-40B4-BE49-F238E27FC236}">
+                <a16:creationId xmlns:a16="http://schemas.microsoft.com/office/drawing/2014/main" id="{013B843C-B57B-105E-8908-5A2BE615A40B}"/>
+              </a:ext>
+            </a:extLst>
+          </p:cNvPr>
+          <p:cNvSpPr txBox="1"/>
+          <p:nvPr/>
+        </p:nvSpPr>
+        <p:spPr>
+          <a:xfrm>
+            <a:off x="7749806" y="2257334"/>
+            <a:ext cx="959093" cy="261610"/>
+          </a:xfrm>
+          <a:prstGeom prst="rect">
+            <a:avLst/>
+          </a:prstGeom>
+          <a:noFill/>
+        </p:spPr>
+        <p:txBody>
+          <a:bodyPr wrap="square" rtlCol="0">
+            <a:spAutoFit/>
+          </a:bodyPr>
+          <a:lstStyle/>
+          <a:p>
+            <a:r>
+              <a:rPr lang="de-AT" sz="1100" dirty="0" err="1"/>
+              <a:t>recalculate</a:t>
+            </a:r>
+            <a:endParaRPr lang="en-US" sz="1100" dirty="0"/>
+          </a:p>
+        </p:txBody>
+      </p:sp>
+      <p:sp>
+        <p:nvSpPr>
+          <p:cNvPr id="9" name="Speech Bubble: Rectangle 8">
+            <a:extLst>
+              <a:ext uri="{FF2B5EF4-FFF2-40B4-BE49-F238E27FC236}">
+                <a16:creationId xmlns:a16="http://schemas.microsoft.com/office/drawing/2014/main" id="{6AA54062-13F8-1746-3FEA-296B70427FCD}"/>
+              </a:ext>
+            </a:extLst>
+          </p:cNvPr>
+          <p:cNvSpPr/>
+          <p:nvPr/>
+        </p:nvSpPr>
+        <p:spPr>
+          <a:xfrm flipV="1">
+            <a:off x="941932" y="2875696"/>
+            <a:ext cx="5852167" cy="2611431"/>
+          </a:xfrm>
+          <a:prstGeom prst="wedgeRectCallout">
+            <a:avLst>
+              <a:gd name="adj1" fmla="val -20524"/>
+              <a:gd name="adj2" fmla="val 53950"/>
+            </a:avLst>
+          </a:prstGeom>
+          <a:solidFill>
+            <a:schemeClr val="bg1"/>
+          </a:solidFill>
+          <a:ln w="19050">
             <a:solidFill>
-              <a:srgbClr val="FF0000"/>
+              <a:srgbClr val="0476C4"/>
             </a:solidFill>
           </a:ln>
         </p:spPr>
@@ -16029,28 +18786,563 @@
       </p:sp>
       <p:sp>
         <p:nvSpPr>
-          <p:cNvPr id="45" name="Rectangle 44">
-            <a:extLst>
-              <a:ext uri="{FF2B5EF4-FFF2-40B4-BE49-F238E27FC236}">
-                <a16:creationId xmlns:a16="http://schemas.microsoft.com/office/drawing/2014/main" id="{0B5C4616-73D1-B26A-8B1F-5B53A3A5480D}"/>
-              </a:ext>
-            </a:extLst>
-          </p:cNvPr>
-          <p:cNvSpPr/>
+          <p:cNvPr id="25" name="TextBox 24">
+            <a:extLst>
+              <a:ext uri="{FF2B5EF4-FFF2-40B4-BE49-F238E27FC236}">
+                <a16:creationId xmlns:a16="http://schemas.microsoft.com/office/drawing/2014/main" id="{A4C73B06-C625-9D84-012A-AEEAB3DBF9F9}"/>
+              </a:ext>
+            </a:extLst>
+          </p:cNvPr>
+          <p:cNvSpPr txBox="1"/>
           <p:nvPr/>
         </p:nvSpPr>
         <p:spPr>
           <a:xfrm>
-            <a:off x="5712813" y="3842305"/>
-            <a:ext cx="407408" cy="2499171"/>
+            <a:off x="945180" y="3033258"/>
+            <a:ext cx="5832193" cy="2308324"/>
           </a:xfrm>
           <a:prstGeom prst="rect">
             <a:avLst/>
           </a:prstGeom>
           <a:noFill/>
-          <a:ln>
+        </p:spPr>
+        <p:txBody>
+          <a:bodyPr wrap="square" rtlCol="0">
+            <a:spAutoFit/>
+          </a:bodyPr>
+          <a:lstStyle/>
+          <a:p>
+            <a:pPr marL="285750" indent="-285750">
+              <a:buFont typeface="Wingdings" panose="05000000000000000000" pitchFamily="2" charset="2"/>
+              <a:buChar char="q"/>
+            </a:pPr>
+            <a:r>
+              <a:rPr lang="de-AT" dirty="0">
+                <a:solidFill>
+                  <a:srgbClr val="0476C4"/>
+                </a:solidFill>
+              </a:rPr>
+              <a:t>Pattern </a:t>
+            </a:r>
+            <a:r>
+              <a:rPr lang="de-AT" dirty="0" err="1">
+                <a:solidFill>
+                  <a:srgbClr val="0476C4"/>
+                </a:solidFill>
+              </a:rPr>
+              <a:t>matching</a:t>
+            </a:r>
+            <a:r>
+              <a:rPr lang="de-AT" dirty="0">
+                <a:solidFill>
+                  <a:srgbClr val="0476C4"/>
+                </a:solidFill>
+              </a:rPr>
+              <a:t> </a:t>
+            </a:r>
+            <a:r>
+              <a:rPr lang="de-AT" dirty="0" err="1">
+                <a:solidFill>
+                  <a:srgbClr val="0476C4"/>
+                </a:solidFill>
+              </a:rPr>
+              <a:t>problem</a:t>
+            </a:r>
+            <a:endParaRPr lang="de-AT" dirty="0">
+              <a:solidFill>
+                <a:srgbClr val="0476C4"/>
+              </a:solidFill>
+            </a:endParaRPr>
+          </a:p>
+          <a:p>
+            <a:pPr marL="285750" indent="-285750">
+              <a:buFont typeface="Wingdings" panose="05000000000000000000" pitchFamily="2" charset="2"/>
+              <a:buChar char="q"/>
+            </a:pPr>
+            <a:r>
+              <a:rPr lang="de-AT" dirty="0">
+                <a:solidFill>
+                  <a:srgbClr val="0476C4"/>
+                </a:solidFill>
+              </a:rPr>
+              <a:t>Need </a:t>
+            </a:r>
+            <a:r>
+              <a:rPr lang="de-AT" dirty="0" err="1">
+                <a:solidFill>
+                  <a:srgbClr val="0476C4"/>
+                </a:solidFill>
+              </a:rPr>
+              <a:t>to</a:t>
+            </a:r>
+            <a:r>
+              <a:rPr lang="de-AT" dirty="0">
+                <a:solidFill>
+                  <a:srgbClr val="0476C4"/>
+                </a:solidFill>
+              </a:rPr>
+              <a:t> </a:t>
+            </a:r>
+            <a:r>
+              <a:rPr lang="de-AT" dirty="0" err="1">
+                <a:solidFill>
+                  <a:srgbClr val="0476C4"/>
+                </a:solidFill>
+              </a:rPr>
+              <a:t>consider</a:t>
+            </a:r>
+            <a:r>
+              <a:rPr lang="de-AT" dirty="0">
+                <a:solidFill>
+                  <a:srgbClr val="0476C4"/>
+                </a:solidFill>
+              </a:rPr>
+              <a:t> </a:t>
+            </a:r>
+            <a:r>
+              <a:rPr lang="de-AT" dirty="0" err="1">
+                <a:solidFill>
+                  <a:srgbClr val="0476C4"/>
+                </a:solidFill>
+              </a:rPr>
+              <a:t>rules</a:t>
+            </a:r>
+            <a:r>
+              <a:rPr lang="de-AT" dirty="0">
+                <a:solidFill>
+                  <a:srgbClr val="0476C4"/>
+                </a:solidFill>
+              </a:rPr>
+              <a:t> </a:t>
+            </a:r>
+            <a:r>
+              <a:rPr lang="de-AT" dirty="0" err="1">
+                <a:solidFill>
+                  <a:srgbClr val="0476C4"/>
+                </a:solidFill>
+              </a:rPr>
+              <a:t>from</a:t>
+            </a:r>
+            <a:r>
+              <a:rPr lang="de-AT" dirty="0">
+                <a:solidFill>
+                  <a:srgbClr val="0476C4"/>
+                </a:solidFill>
+              </a:rPr>
+              <a:t> </a:t>
+            </a:r>
+            <a:r>
+              <a:rPr lang="de-AT" dirty="0" err="1">
+                <a:solidFill>
+                  <a:srgbClr val="0476C4"/>
+                </a:solidFill>
+              </a:rPr>
+              <a:t>chemistry</a:t>
+            </a:r>
+            <a:r>
+              <a:rPr lang="de-AT" dirty="0">
+                <a:solidFill>
+                  <a:srgbClr val="0476C4"/>
+                </a:solidFill>
+              </a:rPr>
+              <a:t> and </a:t>
+            </a:r>
+            <a:r>
+              <a:rPr lang="de-AT" dirty="0" err="1">
+                <a:solidFill>
+                  <a:srgbClr val="0476C4"/>
+                </a:solidFill>
+              </a:rPr>
+              <a:t>physics</a:t>
+            </a:r>
+            <a:endParaRPr lang="de-AT" dirty="0">
+              <a:solidFill>
+                <a:srgbClr val="0476C4"/>
+              </a:solidFill>
+            </a:endParaRPr>
+          </a:p>
+          <a:p>
+            <a:pPr marL="285750" indent="-285750">
+              <a:buFont typeface="Wingdings" panose="05000000000000000000" pitchFamily="2" charset="2"/>
+              <a:buChar char="q"/>
+            </a:pPr>
+            <a:r>
+              <a:rPr lang="de-AT" dirty="0" err="1">
+                <a:solidFill>
+                  <a:srgbClr val="0476C4"/>
+                </a:solidFill>
+              </a:rPr>
+              <a:t>Dependent</a:t>
+            </a:r>
+            <a:r>
+              <a:rPr lang="de-AT" dirty="0">
+                <a:solidFill>
+                  <a:srgbClr val="0476C4"/>
+                </a:solidFill>
+              </a:rPr>
+              <a:t> on </a:t>
+            </a:r>
+            <a:r>
+              <a:rPr lang="de-AT" dirty="0" err="1">
+                <a:solidFill>
+                  <a:srgbClr val="0476C4"/>
+                </a:solidFill>
+              </a:rPr>
+              <a:t>used</a:t>
+            </a:r>
+            <a:r>
+              <a:rPr lang="de-AT" dirty="0">
+                <a:solidFill>
+                  <a:srgbClr val="0476C4"/>
+                </a:solidFill>
+              </a:rPr>
+              <a:t> </a:t>
+            </a:r>
+            <a:r>
+              <a:rPr lang="de-AT" dirty="0" err="1">
+                <a:solidFill>
+                  <a:srgbClr val="0476C4"/>
+                </a:solidFill>
+              </a:rPr>
+              <a:t>mass</a:t>
+            </a:r>
+            <a:r>
+              <a:rPr lang="de-AT" dirty="0">
+                <a:solidFill>
+                  <a:srgbClr val="0476C4"/>
+                </a:solidFill>
+              </a:rPr>
+              <a:t> </a:t>
+            </a:r>
+            <a:r>
+              <a:rPr lang="de-AT" dirty="0" err="1">
+                <a:solidFill>
+                  <a:srgbClr val="0476C4"/>
+                </a:solidFill>
+              </a:rPr>
+              <a:t>spectrometry</a:t>
+            </a:r>
+            <a:r>
+              <a:rPr lang="de-AT" dirty="0">
+                <a:solidFill>
+                  <a:srgbClr val="0476C4"/>
+                </a:solidFill>
+              </a:rPr>
+              <a:t> </a:t>
+            </a:r>
+            <a:r>
+              <a:rPr lang="de-AT" dirty="0" err="1">
+                <a:solidFill>
+                  <a:srgbClr val="0476C4"/>
+                </a:solidFill>
+              </a:rPr>
+              <a:t>instrument</a:t>
+            </a:r>
+            <a:endParaRPr lang="de-AT" dirty="0">
+              <a:solidFill>
+                <a:srgbClr val="0476C4"/>
+              </a:solidFill>
+            </a:endParaRPr>
+          </a:p>
+          <a:p>
+            <a:pPr marL="285750" indent="-285750">
+              <a:buFont typeface="Wingdings" panose="05000000000000000000" pitchFamily="2" charset="2"/>
+              <a:buChar char="q"/>
+            </a:pPr>
+            <a:r>
+              <a:rPr lang="de-AT" dirty="0" err="1">
+                <a:solidFill>
+                  <a:srgbClr val="0476C4"/>
+                </a:solidFill>
+              </a:rPr>
+              <a:t>Isotopic</a:t>
+            </a:r>
+            <a:r>
+              <a:rPr lang="de-AT" dirty="0">
+                <a:solidFill>
+                  <a:srgbClr val="0476C4"/>
+                </a:solidFill>
+              </a:rPr>
+              <a:t> </a:t>
+            </a:r>
+            <a:r>
+              <a:rPr lang="de-AT" dirty="0" err="1">
+                <a:solidFill>
+                  <a:srgbClr val="0476C4"/>
+                </a:solidFill>
+              </a:rPr>
+              <a:t>envelopes</a:t>
+            </a:r>
+            <a:r>
+              <a:rPr lang="de-AT" dirty="0">
+                <a:solidFill>
+                  <a:srgbClr val="0476C4"/>
+                </a:solidFill>
+              </a:rPr>
+              <a:t> </a:t>
+            </a:r>
+            <a:r>
+              <a:rPr lang="de-AT" dirty="0" err="1">
+                <a:solidFill>
+                  <a:srgbClr val="0476C4"/>
+                </a:solidFill>
+              </a:rPr>
+              <a:t>often</a:t>
+            </a:r>
+            <a:r>
+              <a:rPr lang="de-AT" dirty="0">
+                <a:solidFill>
+                  <a:srgbClr val="0476C4"/>
+                </a:solidFill>
+              </a:rPr>
+              <a:t> </a:t>
+            </a:r>
+            <a:r>
+              <a:rPr lang="de-AT" dirty="0" err="1">
+                <a:solidFill>
+                  <a:srgbClr val="0476C4"/>
+                </a:solidFill>
+              </a:rPr>
+              <a:t>ambigous</a:t>
+            </a:r>
+            <a:endParaRPr lang="de-AT" dirty="0">
+              <a:solidFill>
+                <a:srgbClr val="0476C4"/>
+              </a:solidFill>
+            </a:endParaRPr>
+          </a:p>
+          <a:p>
+            <a:pPr marL="285750" indent="-285750">
+              <a:buFont typeface="Wingdings" panose="05000000000000000000" pitchFamily="2" charset="2"/>
+              <a:buChar char="q"/>
+            </a:pPr>
+            <a:r>
+              <a:rPr lang="de-AT" dirty="0" err="1">
+                <a:solidFill>
+                  <a:srgbClr val="0476C4"/>
+                </a:solidFill>
+              </a:rPr>
+              <a:t>Interference</a:t>
+            </a:r>
+            <a:r>
+              <a:rPr lang="de-AT" dirty="0">
+                <a:solidFill>
+                  <a:srgbClr val="0476C4"/>
+                </a:solidFill>
+              </a:rPr>
+              <a:t> </a:t>
+            </a:r>
+            <a:r>
+              <a:rPr lang="de-AT" dirty="0" err="1">
+                <a:solidFill>
+                  <a:srgbClr val="0476C4"/>
+                </a:solidFill>
+              </a:rPr>
+              <a:t>from</a:t>
+            </a:r>
+            <a:r>
+              <a:rPr lang="de-AT" dirty="0">
+                <a:solidFill>
+                  <a:srgbClr val="0476C4"/>
+                </a:solidFill>
+              </a:rPr>
+              <a:t> </a:t>
+            </a:r>
+            <a:r>
+              <a:rPr lang="de-AT" dirty="0" err="1">
+                <a:solidFill>
+                  <a:srgbClr val="0476C4"/>
+                </a:solidFill>
+              </a:rPr>
+              <a:t>noise</a:t>
+            </a:r>
+            <a:endParaRPr lang="de-AT" dirty="0">
+              <a:solidFill>
+                <a:srgbClr val="0476C4"/>
+              </a:solidFill>
+            </a:endParaRPr>
+          </a:p>
+          <a:p>
+            <a:pPr marL="285750" indent="-285750">
+              <a:buFont typeface="Wingdings" panose="05000000000000000000" pitchFamily="2" charset="2"/>
+              <a:buChar char="q"/>
+            </a:pPr>
+            <a:r>
+              <a:rPr lang="de-AT" dirty="0">
+                <a:solidFill>
+                  <a:srgbClr val="0476C4"/>
+                </a:solidFill>
+              </a:rPr>
+              <a:t>Whole </a:t>
+            </a:r>
+            <a:r>
+              <a:rPr lang="de-AT" dirty="0" err="1">
+                <a:solidFill>
+                  <a:srgbClr val="0476C4"/>
+                </a:solidFill>
+              </a:rPr>
+              <a:t>subfield</a:t>
+            </a:r>
+            <a:r>
+              <a:rPr lang="de-AT" dirty="0">
+                <a:solidFill>
+                  <a:srgbClr val="0476C4"/>
+                </a:solidFill>
+              </a:rPr>
+              <a:t> </a:t>
+            </a:r>
+            <a:r>
+              <a:rPr lang="de-AT" dirty="0" err="1">
+                <a:solidFill>
+                  <a:srgbClr val="0476C4"/>
+                </a:solidFill>
+              </a:rPr>
+              <a:t>dedicated</a:t>
+            </a:r>
+            <a:r>
+              <a:rPr lang="de-AT" dirty="0">
+                <a:solidFill>
+                  <a:srgbClr val="0476C4"/>
+                </a:solidFill>
+              </a:rPr>
+              <a:t> </a:t>
+            </a:r>
+            <a:r>
+              <a:rPr lang="de-AT" dirty="0" err="1">
+                <a:solidFill>
+                  <a:srgbClr val="0476C4"/>
+                </a:solidFill>
+              </a:rPr>
+              <a:t>to</a:t>
+            </a:r>
+            <a:r>
+              <a:rPr lang="de-AT" dirty="0">
+                <a:solidFill>
+                  <a:srgbClr val="0476C4"/>
+                </a:solidFill>
+              </a:rPr>
+              <a:t> </a:t>
+            </a:r>
+            <a:r>
+              <a:rPr lang="de-AT" dirty="0" err="1">
+                <a:solidFill>
+                  <a:srgbClr val="0476C4"/>
+                </a:solidFill>
+              </a:rPr>
+              <a:t>identifying</a:t>
+            </a:r>
+            <a:r>
+              <a:rPr lang="de-AT" dirty="0">
+                <a:solidFill>
+                  <a:srgbClr val="0476C4"/>
+                </a:solidFill>
+              </a:rPr>
+              <a:t> isotope </a:t>
+            </a:r>
+            <a:r>
+              <a:rPr lang="de-AT" dirty="0" err="1">
+                <a:solidFill>
+                  <a:srgbClr val="0476C4"/>
+                </a:solidFill>
+              </a:rPr>
+              <a:t>patterns</a:t>
+            </a:r>
+            <a:endParaRPr lang="de-AT" dirty="0">
+              <a:solidFill>
+                <a:srgbClr val="0476C4"/>
+              </a:solidFill>
+            </a:endParaRPr>
+          </a:p>
+          <a:p>
+            <a:pPr marL="285750" indent="-285750">
+              <a:buFont typeface="Wingdings" panose="05000000000000000000" pitchFamily="2" charset="2"/>
+              <a:buChar char="q"/>
+            </a:pPr>
+            <a:r>
+              <a:rPr lang="de-AT" dirty="0">
+                <a:solidFill>
+                  <a:srgbClr val="0476C4"/>
+                </a:solidFill>
+              </a:rPr>
+              <a:t>Multi-</a:t>
+            </a:r>
+            <a:r>
+              <a:rPr lang="de-AT" dirty="0" err="1">
+                <a:solidFill>
+                  <a:srgbClr val="0476C4"/>
+                </a:solidFill>
+              </a:rPr>
+              <a:t>hundred</a:t>
+            </a:r>
+            <a:r>
+              <a:rPr lang="de-AT" dirty="0">
+                <a:solidFill>
+                  <a:srgbClr val="0476C4"/>
+                </a:solidFill>
+              </a:rPr>
+              <a:t> </a:t>
+            </a:r>
+            <a:r>
+              <a:rPr lang="de-AT" dirty="0" err="1">
+                <a:solidFill>
+                  <a:srgbClr val="0476C4"/>
+                </a:solidFill>
+              </a:rPr>
+              <a:t>line</a:t>
+            </a:r>
+            <a:r>
+              <a:rPr lang="de-AT" dirty="0">
+                <a:solidFill>
+                  <a:srgbClr val="0476C4"/>
+                </a:solidFill>
+              </a:rPr>
+              <a:t> code </a:t>
+            </a:r>
+            <a:r>
+              <a:rPr lang="de-AT" dirty="0" err="1">
+                <a:solidFill>
+                  <a:srgbClr val="0476C4"/>
+                </a:solidFill>
+              </a:rPr>
+              <a:t>algorithm</a:t>
+            </a:r>
+            <a:endParaRPr lang="en-US" dirty="0">
+              <a:solidFill>
+                <a:srgbClr val="0476C4"/>
+              </a:solidFill>
+            </a:endParaRPr>
+          </a:p>
+        </p:txBody>
+      </p:sp>
+      <p:sp>
+        <p:nvSpPr>
+          <p:cNvPr id="28" name="Speech Bubble: Rectangle 27">
+            <a:extLst>
+              <a:ext uri="{FF2B5EF4-FFF2-40B4-BE49-F238E27FC236}">
+                <a16:creationId xmlns:a16="http://schemas.microsoft.com/office/drawing/2014/main" id="{618FAED6-59C6-950A-31C5-01A02C10C748}"/>
+              </a:ext>
+            </a:extLst>
+          </p:cNvPr>
+          <p:cNvSpPr/>
+          <p:nvPr/>
+        </p:nvSpPr>
+        <p:spPr>
+          <a:xfrm flipV="1">
+            <a:off x="941703" y="1502847"/>
+            <a:ext cx="5852167" cy="683037"/>
+          </a:xfrm>
+          <a:prstGeom prst="wedgeRectCallout">
+            <a:avLst>
+              <a:gd name="adj1" fmla="val -20524"/>
+              <a:gd name="adj2" fmla="val 64554"/>
+            </a:avLst>
+          </a:prstGeom>
+          <a:solidFill>
+            <a:schemeClr val="bg1"/>
+          </a:solidFill>
+          <a:ln w="19050">
             <a:solidFill>
-              <a:srgbClr val="FF0000"/>
+              <a:srgbClr val="0476C4"/>
             </a:solidFill>
           </a:ln>
         </p:spPr>
@@ -16081,10 +19373,626 @@
       </p:sp>
       <p:sp>
         <p:nvSpPr>
-          <p:cNvPr id="46" name="Rectangle 45">
-            <a:extLst>
-              <a:ext uri="{FF2B5EF4-FFF2-40B4-BE49-F238E27FC236}">
-                <a16:creationId xmlns:a16="http://schemas.microsoft.com/office/drawing/2014/main" id="{1DADB1D4-299C-E081-AE11-75A9925B862A}"/>
+          <p:cNvPr id="29" name="TextBox 28">
+            <a:extLst>
+              <a:ext uri="{FF2B5EF4-FFF2-40B4-BE49-F238E27FC236}">
+                <a16:creationId xmlns:a16="http://schemas.microsoft.com/office/drawing/2014/main" id="{C9A0A05D-E5F5-AD96-621C-8F1FDEA37794}"/>
+              </a:ext>
+            </a:extLst>
+          </p:cNvPr>
+          <p:cNvSpPr txBox="1"/>
+          <p:nvPr/>
+        </p:nvSpPr>
+        <p:spPr>
+          <a:xfrm>
+            <a:off x="940158" y="1521063"/>
+            <a:ext cx="5835670" cy="646331"/>
+          </a:xfrm>
+          <a:prstGeom prst="rect">
+            <a:avLst/>
+          </a:prstGeom>
+          <a:noFill/>
+        </p:spPr>
+        <p:txBody>
+          <a:bodyPr wrap="square" rtlCol="0">
+            <a:spAutoFit/>
+          </a:bodyPr>
+          <a:lstStyle/>
+          <a:p>
+            <a:pPr marL="285750" indent="-285750">
+              <a:buFont typeface="Wingdings" panose="05000000000000000000" pitchFamily="2" charset="2"/>
+              <a:buChar char="q"/>
+            </a:pPr>
+            <a:r>
+              <a:rPr lang="de-AT" dirty="0">
+                <a:solidFill>
+                  <a:srgbClr val="0476C4"/>
+                </a:solidFill>
+              </a:rPr>
+              <a:t>Annotation </a:t>
+            </a:r>
+            <a:r>
+              <a:rPr lang="de-AT" dirty="0" err="1">
+                <a:solidFill>
+                  <a:srgbClr val="0476C4"/>
+                </a:solidFill>
+              </a:rPr>
+              <a:t>of</a:t>
+            </a:r>
+            <a:r>
+              <a:rPr lang="de-AT" dirty="0">
+                <a:solidFill>
+                  <a:srgbClr val="0476C4"/>
+                </a:solidFill>
+              </a:rPr>
+              <a:t> </a:t>
+            </a:r>
+            <a:r>
+              <a:rPr lang="de-AT" dirty="0" err="1">
+                <a:solidFill>
+                  <a:srgbClr val="0476C4"/>
+                </a:solidFill>
+              </a:rPr>
+              <a:t>precursor</a:t>
+            </a:r>
+            <a:r>
+              <a:rPr lang="de-AT" dirty="0">
+                <a:solidFill>
+                  <a:srgbClr val="0476C4"/>
+                </a:solidFill>
+              </a:rPr>
+              <a:t> </a:t>
+            </a:r>
+            <a:r>
+              <a:rPr lang="de-AT" dirty="0" err="1">
+                <a:solidFill>
+                  <a:srgbClr val="0476C4"/>
+                </a:solidFill>
+              </a:rPr>
+              <a:t>ion</a:t>
+            </a:r>
+            <a:r>
+              <a:rPr lang="de-AT" dirty="0">
+                <a:solidFill>
+                  <a:srgbClr val="0476C4"/>
+                </a:solidFill>
+              </a:rPr>
+              <a:t> </a:t>
+            </a:r>
+            <a:r>
+              <a:rPr lang="de-AT" dirty="0" err="1">
+                <a:solidFill>
+                  <a:srgbClr val="0476C4"/>
+                </a:solidFill>
+              </a:rPr>
+              <a:t>is</a:t>
+            </a:r>
+            <a:r>
+              <a:rPr lang="de-AT" dirty="0">
+                <a:solidFill>
+                  <a:srgbClr val="0476C4"/>
+                </a:solidFill>
+              </a:rPr>
+              <a:t> </a:t>
+            </a:r>
+            <a:r>
+              <a:rPr lang="de-AT" dirty="0" err="1">
+                <a:solidFill>
+                  <a:srgbClr val="0476C4"/>
+                </a:solidFill>
+              </a:rPr>
+              <a:t>needed</a:t>
+            </a:r>
+            <a:endParaRPr lang="en-US" dirty="0">
+              <a:solidFill>
+                <a:srgbClr val="0476C4"/>
+              </a:solidFill>
+            </a:endParaRPr>
+          </a:p>
+          <a:p>
+            <a:pPr marL="285750" indent="-285750">
+              <a:buFont typeface="Wingdings" panose="05000000000000000000" pitchFamily="2" charset="2"/>
+              <a:buChar char="q"/>
+            </a:pPr>
+            <a:r>
+              <a:rPr lang="en-US" dirty="0">
+                <a:solidFill>
+                  <a:srgbClr val="0476C4"/>
+                </a:solidFill>
+              </a:rPr>
+              <a:t>Match of MS2 and MS3 spectrum is prerequisite</a:t>
+            </a:r>
+            <a:endParaRPr lang="de-AT" dirty="0">
+              <a:solidFill>
+                <a:srgbClr val="0476C4"/>
+              </a:solidFill>
+            </a:endParaRPr>
+          </a:p>
+        </p:txBody>
+      </p:sp>
+    </p:spTree>
+    <p:extLst>
+      <p:ext uri="{BB962C8B-B14F-4D97-AF65-F5344CB8AC3E}">
+        <p14:creationId xmlns:p14="http://schemas.microsoft.com/office/powerpoint/2010/main" val="935203939"/>
+      </p:ext>
+    </p:extLst>
+  </p:cSld>
+  <p:clrMapOvr>
+    <a:masterClrMapping/>
+  </p:clrMapOvr>
+</p:sld>
+</file>
+
+<file path=ppt/slides/slide7.xml><?xml version="1.0" encoding="utf-8"?>
+<p:sld xmlns:a="http://schemas.openxmlformats.org/drawingml/2006/main" xmlns:r="http://schemas.openxmlformats.org/officeDocument/2006/relationships" xmlns:p="http://schemas.openxmlformats.org/presentationml/2006/main">
+  <p:cSld>
+    <p:spTree>
+      <p:nvGrpSpPr>
+        <p:cNvPr id="1" name="">
+          <a:extLst>
+            <a:ext uri="{FF2B5EF4-FFF2-40B4-BE49-F238E27FC236}">
+              <a16:creationId xmlns:a16="http://schemas.microsoft.com/office/drawing/2014/main" id="{DE6D4DAB-F357-2C92-1A9C-8CCC3ACC8B41}"/>
+            </a:ext>
+          </a:extLst>
+        </p:cNvPr>
+        <p:cNvGrpSpPr/>
+        <p:nvPr/>
+      </p:nvGrpSpPr>
+      <p:grpSpPr>
+        <a:xfrm>
+          <a:off x="0" y="0"/>
+          <a:ext cx="0" cy="0"/>
+          <a:chOff x="0" y="0"/>
+          <a:chExt cx="0" cy="0"/>
+        </a:xfrm>
+      </p:grpSpPr>
+      <p:sp>
+        <p:nvSpPr>
+          <p:cNvPr id="2" name="Titel 1">
+            <a:extLst>
+              <a:ext uri="{FF2B5EF4-FFF2-40B4-BE49-F238E27FC236}">
+                <a16:creationId xmlns:a16="http://schemas.microsoft.com/office/drawing/2014/main" id="{FE236667-55ED-2232-4E44-2CE8A44678F4}"/>
+              </a:ext>
+            </a:extLst>
+          </p:cNvPr>
+          <p:cNvSpPr>
+            <a:spLocks noGrp="1"/>
+          </p:cNvSpPr>
+          <p:nvPr>
+            <p:ph type="title"/>
+          </p:nvPr>
+        </p:nvSpPr>
+        <p:spPr>
+          <a:xfrm>
+            <a:off x="548267" y="399247"/>
+            <a:ext cx="8376238" cy="347513"/>
+          </a:xfrm>
+        </p:spPr>
+        <p:txBody>
+          <a:bodyPr/>
+          <a:lstStyle/>
+          <a:p>
+            <a:r>
+              <a:rPr lang="de-DE" sz="2400" dirty="0"/>
+              <a:t>MS2-MS3-based </a:t>
+            </a:r>
+            <a:r>
+              <a:rPr lang="de-DE" sz="2400" dirty="0" err="1"/>
+              <a:t>CrossLink</a:t>
+            </a:r>
+            <a:r>
+              <a:rPr lang="de-DE" sz="2400" dirty="0"/>
+              <a:t> </a:t>
+            </a:r>
+            <a:r>
+              <a:rPr lang="de-DE" sz="2400" dirty="0" err="1"/>
+              <a:t>Identification</a:t>
+            </a:r>
+            <a:endParaRPr lang="en-US" sz="2400" dirty="0"/>
+          </a:p>
+        </p:txBody>
+      </p:sp>
+      <p:sp>
+        <p:nvSpPr>
+          <p:cNvPr id="5" name="Fußzeilenplatzhalter 4">
+            <a:extLst>
+              <a:ext uri="{FF2B5EF4-FFF2-40B4-BE49-F238E27FC236}">
+                <a16:creationId xmlns:a16="http://schemas.microsoft.com/office/drawing/2014/main" id="{D5E765DE-D732-1BBD-93C0-C8D66FC091DF}"/>
+              </a:ext>
+            </a:extLst>
+          </p:cNvPr>
+          <p:cNvSpPr>
+            <a:spLocks noGrp="1"/>
+          </p:cNvSpPr>
+          <p:nvPr>
+            <p:ph type="ftr" sz="quarter" idx="27"/>
+          </p:nvPr>
+        </p:nvSpPr>
+        <p:spPr/>
+        <p:txBody>
+          <a:bodyPr/>
+          <a:lstStyle/>
+          <a:p>
+            <a:r>
+              <a:rPr lang="de-AT" noProof="0" dirty="0"/>
+              <a:t>Micha J. Birklbauer	PhD </a:t>
+            </a:r>
+            <a:r>
+              <a:rPr lang="de-AT" dirty="0" err="1"/>
+              <a:t>Pre</a:t>
+            </a:r>
+            <a:r>
+              <a:rPr lang="de-AT" dirty="0"/>
+              <a:t>-Defense</a:t>
+            </a:r>
+            <a:r>
+              <a:rPr lang="de-AT" noProof="0" dirty="0"/>
+              <a:t> 		27.02.2025</a:t>
+            </a:r>
+          </a:p>
+        </p:txBody>
+      </p:sp>
+      <p:sp>
+        <p:nvSpPr>
+          <p:cNvPr id="6" name="Foliennummernplatzhalter 5">
+            <a:extLst>
+              <a:ext uri="{FF2B5EF4-FFF2-40B4-BE49-F238E27FC236}">
+                <a16:creationId xmlns:a16="http://schemas.microsoft.com/office/drawing/2014/main" id="{525CBA25-5BB4-5173-79E4-56622C4AC805}"/>
+              </a:ext>
+            </a:extLst>
+          </p:cNvPr>
+          <p:cNvSpPr>
+            <a:spLocks noGrp="1"/>
+          </p:cNvSpPr>
+          <p:nvPr>
+            <p:ph type="sldNum" sz="quarter" idx="28"/>
+          </p:nvPr>
+        </p:nvSpPr>
+        <p:spPr/>
+        <p:txBody>
+          <a:bodyPr/>
+          <a:lstStyle/>
+          <a:p>
+            <a:fld id="{DFB297D7-21D1-0549-A74D-BD032133048A}" type="slidenum">
+              <a:rPr lang="en-US" smtClean="0"/>
+              <a:pPr/>
+              <a:t>7</a:t>
+            </a:fld>
+            <a:endParaRPr lang="en-US" dirty="0"/>
+          </a:p>
+        </p:txBody>
+      </p:sp>
+      <p:sp>
+        <p:nvSpPr>
+          <p:cNvPr id="134" name="Titel 1">
+            <a:extLst>
+              <a:ext uri="{FF2B5EF4-FFF2-40B4-BE49-F238E27FC236}">
+                <a16:creationId xmlns:a16="http://schemas.microsoft.com/office/drawing/2014/main" id="{C4999ABB-645F-903A-264D-77314F22FC31}"/>
+              </a:ext>
+            </a:extLst>
+          </p:cNvPr>
+          <p:cNvSpPr txBox="1">
+            <a:spLocks/>
+          </p:cNvSpPr>
+          <p:nvPr/>
+        </p:nvSpPr>
+        <p:spPr>
+          <a:xfrm>
+            <a:off x="548267" y="45729"/>
+            <a:ext cx="8376238" cy="347513"/>
+          </a:xfrm>
+          <a:prstGeom prst="rect">
+            <a:avLst/>
+          </a:prstGeom>
+        </p:spPr>
+        <p:txBody>
+          <a:bodyPr vert="horz" lIns="91440" tIns="45720" rIns="91440" bIns="45720" rtlCol="0" anchor="b">
+            <a:noAutofit/>
+          </a:bodyPr>
+          <a:lstStyle>
+            <a:lvl1pPr algn="l" defTabSz="914400" rtl="0" eaLnBrk="1" latinLnBrk="0" hangingPunct="1">
+              <a:lnSpc>
+                <a:spcPct val="83000"/>
+              </a:lnSpc>
+              <a:spcBef>
+                <a:spcPct val="0"/>
+              </a:spcBef>
+              <a:buNone/>
+              <a:defRPr sz="3000" kern="1200" cap="all" baseline="0">
+                <a:solidFill>
+                  <a:schemeClr val="tx1"/>
+                </a:solidFill>
+                <a:latin typeface="+mj-lt"/>
+                <a:ea typeface="+mj-ea"/>
+                <a:cs typeface="+mj-cs"/>
+              </a:defRPr>
+            </a:lvl1pPr>
+          </a:lstStyle>
+          <a:p>
+            <a:r>
+              <a:rPr lang="de-DE" sz="1400" dirty="0">
+                <a:solidFill>
+                  <a:schemeClr val="bg1">
+                    <a:lumMod val="50000"/>
+                  </a:schemeClr>
+                </a:solidFill>
+              </a:rPr>
+              <a:t>Research Project I:	RESULTS</a:t>
+            </a:r>
+            <a:endParaRPr lang="en-US" sz="2400" dirty="0">
+              <a:solidFill>
+                <a:schemeClr val="bg1">
+                  <a:lumMod val="50000"/>
+                </a:schemeClr>
+              </a:solidFill>
+            </a:endParaRPr>
+          </a:p>
+        </p:txBody>
+      </p:sp>
+      <p:sp>
+        <p:nvSpPr>
+          <p:cNvPr id="18" name="TextBox 17">
+            <a:extLst>
+              <a:ext uri="{FF2B5EF4-FFF2-40B4-BE49-F238E27FC236}">
+                <a16:creationId xmlns:a16="http://schemas.microsoft.com/office/drawing/2014/main" id="{843A3746-74A8-EA76-BFA9-03922C28129B}"/>
+              </a:ext>
+            </a:extLst>
+          </p:cNvPr>
+          <p:cNvSpPr txBox="1"/>
+          <p:nvPr/>
+        </p:nvSpPr>
+        <p:spPr>
+          <a:xfrm>
+            <a:off x="548267" y="805688"/>
+            <a:ext cx="5926348" cy="369332"/>
+          </a:xfrm>
+          <a:prstGeom prst="rect">
+            <a:avLst/>
+          </a:prstGeom>
+          <a:noFill/>
+        </p:spPr>
+        <p:txBody>
+          <a:bodyPr wrap="square" rtlCol="0">
+            <a:spAutoFit/>
+          </a:bodyPr>
+          <a:lstStyle/>
+          <a:p>
+            <a:pPr marL="285750" indent="-285750">
+              <a:buFont typeface="Wingdings" panose="05000000000000000000" pitchFamily="2" charset="2"/>
+              <a:buChar char="q"/>
+            </a:pPr>
+            <a:r>
+              <a:rPr lang="en-US" dirty="0"/>
+              <a:t>Algorithms implemented in </a:t>
+            </a:r>
+            <a:r>
+              <a:rPr lang="en-US" b="1" dirty="0"/>
+              <a:t>MS Annika 2.0 </a:t>
+            </a:r>
+            <a:r>
+              <a:rPr lang="en-US" dirty="0"/>
+              <a:t>[1]</a:t>
+            </a:r>
+          </a:p>
+        </p:txBody>
+      </p:sp>
+      <p:pic>
+        <p:nvPicPr>
+          <p:cNvPr id="9" name="Graphic 8">
+            <a:extLst>
+              <a:ext uri="{FF2B5EF4-FFF2-40B4-BE49-F238E27FC236}">
+                <a16:creationId xmlns:a16="http://schemas.microsoft.com/office/drawing/2014/main" id="{529BA62A-4D6C-5521-3D6F-C6C875379EBD}"/>
+              </a:ext>
+            </a:extLst>
+          </p:cNvPr>
+          <p:cNvPicPr>
+            <a:picLocks noChangeAspect="1"/>
+          </p:cNvPicPr>
+          <p:nvPr/>
+        </p:nvPicPr>
+        <p:blipFill>
+          <a:blip r:embed="rId3">
+            <a:extLst>
+              <a:ext uri="{96DAC541-7B7A-43D3-8B79-37D633B846F1}">
+                <asvg:svgBlip xmlns:asvg="http://schemas.microsoft.com/office/drawing/2016/SVG/main" r:embed="rId4"/>
+              </a:ext>
+            </a:extLst>
+          </a:blip>
+          <a:stretch>
+            <a:fillRect/>
+          </a:stretch>
+        </p:blipFill>
+        <p:spPr>
+          <a:xfrm>
+            <a:off x="90536" y="1233948"/>
+            <a:ext cx="5060886" cy="2890385"/>
+          </a:xfrm>
+          <a:prstGeom prst="rect">
+            <a:avLst/>
+          </a:prstGeom>
+        </p:spPr>
+      </p:pic>
+      <p:pic>
+        <p:nvPicPr>
+          <p:cNvPr id="28" name="Graphic 27">
+            <a:extLst>
+              <a:ext uri="{FF2B5EF4-FFF2-40B4-BE49-F238E27FC236}">
+                <a16:creationId xmlns:a16="http://schemas.microsoft.com/office/drawing/2014/main" id="{684C1AF1-9A2A-CDAB-AD1F-19B169503885}"/>
+              </a:ext>
+            </a:extLst>
+          </p:cNvPr>
+          <p:cNvPicPr>
+            <a:picLocks noChangeAspect="1"/>
+          </p:cNvPicPr>
+          <p:nvPr/>
+        </p:nvPicPr>
+        <p:blipFill>
+          <a:blip r:embed="rId5">
+            <a:extLst>
+              <a:ext uri="{96DAC541-7B7A-43D3-8B79-37D633B846F1}">
+                <asvg:svgBlip xmlns:asvg="http://schemas.microsoft.com/office/drawing/2016/SVG/main" r:embed="rId6"/>
+              </a:ext>
+            </a:extLst>
+          </a:blip>
+          <a:stretch>
+            <a:fillRect/>
+          </a:stretch>
+        </p:blipFill>
+        <p:spPr>
+          <a:xfrm>
+            <a:off x="4499572" y="3303125"/>
+            <a:ext cx="4644428" cy="3092415"/>
+          </a:xfrm>
+          <a:prstGeom prst="rect">
+            <a:avLst/>
+          </a:prstGeom>
+        </p:spPr>
+      </p:pic>
+      <p:sp>
+        <p:nvSpPr>
+          <p:cNvPr id="29" name="TextBox 28">
+            <a:extLst>
+              <a:ext uri="{FF2B5EF4-FFF2-40B4-BE49-F238E27FC236}">
+                <a16:creationId xmlns:a16="http://schemas.microsoft.com/office/drawing/2014/main" id="{F1DC5029-DB8D-9A11-E9E6-31130D67F47B}"/>
+              </a:ext>
+            </a:extLst>
+          </p:cNvPr>
+          <p:cNvSpPr txBox="1"/>
+          <p:nvPr/>
+        </p:nvSpPr>
+        <p:spPr>
+          <a:xfrm>
+            <a:off x="548267" y="4428158"/>
+            <a:ext cx="3662440" cy="1600438"/>
+          </a:xfrm>
+          <a:prstGeom prst="rect">
+            <a:avLst/>
+          </a:prstGeom>
+          <a:noFill/>
+        </p:spPr>
+        <p:txBody>
+          <a:bodyPr wrap="square" rtlCol="0">
+            <a:spAutoFit/>
+          </a:bodyPr>
+          <a:lstStyle/>
+          <a:p>
+            <a:r>
+              <a:rPr lang="en-US" sz="1400" dirty="0"/>
+              <a:t>[1] </a:t>
+            </a:r>
+            <a:r>
+              <a:rPr lang="en-US" sz="1400" b="1" dirty="0"/>
+              <a:t>M. J. Birklbauer, </a:t>
+            </a:r>
+            <a:r>
+              <a:rPr lang="en-US" sz="1400" dirty="0"/>
+              <a:t>M. </a:t>
+            </a:r>
+            <a:r>
+              <a:rPr lang="en-US" sz="1400" dirty="0" err="1"/>
+              <a:t>Matzinger</a:t>
+            </a:r>
+            <a:r>
+              <a:rPr lang="en-US" sz="1400" dirty="0"/>
+              <a:t>, F. Müller, K. </a:t>
+            </a:r>
+            <a:r>
+              <a:rPr lang="en-US" sz="1400" dirty="0" err="1"/>
+              <a:t>Mechtler</a:t>
+            </a:r>
+            <a:r>
+              <a:rPr lang="en-US" sz="1400" dirty="0"/>
+              <a:t>, and V. Dorfer, “MS Annika 2.0 Identifies Cross-Linked Peptides in MS2-MS3-Based Workflows at High Sensitivity and Specificity”, </a:t>
+            </a:r>
+            <a:r>
+              <a:rPr lang="en-US" sz="1400" i="1" dirty="0"/>
+              <a:t>Journal of Proteome Research</a:t>
+            </a:r>
+            <a:r>
+              <a:rPr lang="en-US" sz="1400" dirty="0"/>
+              <a:t>, vol. 22, no. 9, pp. 3009-3021, Aug. 2023</a:t>
+            </a:r>
+          </a:p>
+        </p:txBody>
+      </p:sp>
+      <p:pic>
+        <p:nvPicPr>
+          <p:cNvPr id="34" name="Picture 33" descr="A structure of a structure with colorful lines&#10;&#10;Description automatically generated with medium confidence">
+            <a:extLst>
+              <a:ext uri="{FF2B5EF4-FFF2-40B4-BE49-F238E27FC236}">
+                <a16:creationId xmlns:a16="http://schemas.microsoft.com/office/drawing/2014/main" id="{4F4C710B-4812-3EB2-E6DF-E794F539B313}"/>
+              </a:ext>
+            </a:extLst>
+          </p:cNvPr>
+          <p:cNvPicPr>
+            <a:picLocks noChangeAspect="1"/>
+          </p:cNvPicPr>
+          <p:nvPr/>
+        </p:nvPicPr>
+        <p:blipFill>
+          <a:blip r:embed="rId7" cstate="print">
+            <a:extLst>
+              <a:ext uri="{28A0092B-C50C-407E-A947-70E740481C1C}">
+                <a14:useLocalDpi xmlns:a14="http://schemas.microsoft.com/office/drawing/2010/main" val="0"/>
+              </a:ext>
+            </a:extLst>
+          </a:blip>
+          <a:stretch>
+            <a:fillRect/>
+          </a:stretch>
+        </p:blipFill>
+        <p:spPr>
+          <a:xfrm>
+            <a:off x="5232903" y="1233948"/>
+            <a:ext cx="3530851" cy="2085556"/>
+          </a:xfrm>
+          <a:prstGeom prst="rect">
+            <a:avLst/>
+          </a:prstGeom>
+        </p:spPr>
+      </p:pic>
+      <p:sp>
+        <p:nvSpPr>
+          <p:cNvPr id="36" name="TextBox 35">
+            <a:extLst>
+              <a:ext uri="{FF2B5EF4-FFF2-40B4-BE49-F238E27FC236}">
+                <a16:creationId xmlns:a16="http://schemas.microsoft.com/office/drawing/2014/main" id="{4B8D8451-DC0F-BD9A-32B1-BB7C96D5FE1C}"/>
+              </a:ext>
+            </a:extLst>
+          </p:cNvPr>
+          <p:cNvSpPr txBox="1"/>
+          <p:nvPr/>
+        </p:nvSpPr>
+        <p:spPr>
+          <a:xfrm>
+            <a:off x="54324" y="4124332"/>
+            <a:ext cx="1937521" cy="276999"/>
+          </a:xfrm>
+          <a:prstGeom prst="rect">
+            <a:avLst/>
+          </a:prstGeom>
+          <a:noFill/>
+        </p:spPr>
+        <p:txBody>
+          <a:bodyPr wrap="square" rtlCol="0">
+            <a:spAutoFit/>
+          </a:bodyPr>
+          <a:lstStyle/>
+          <a:p>
+            <a:r>
+              <a:rPr lang="de-AT" sz="1200" b="1" dirty="0"/>
+              <a:t>Figure 8, 9, 10</a:t>
+            </a:r>
+            <a:endParaRPr lang="en-US" sz="1200" b="1" dirty="0"/>
+          </a:p>
+        </p:txBody>
+      </p:sp>
+      <p:sp>
+        <p:nvSpPr>
+          <p:cNvPr id="38" name="Rectangle 37">
+            <a:extLst>
+              <a:ext uri="{FF2B5EF4-FFF2-40B4-BE49-F238E27FC236}">
+                <a16:creationId xmlns:a16="http://schemas.microsoft.com/office/drawing/2014/main" id="{7977219C-6528-1502-881A-DF110302289E}"/>
               </a:ext>
             </a:extLst>
           </p:cNvPr>
@@ -16093,8 +20001,8 @@
         </p:nvSpPr>
         <p:spPr>
           <a:xfrm>
-            <a:off x="7526447" y="3739082"/>
-            <a:ext cx="407408" cy="2602394"/>
+            <a:off x="878186" y="2113902"/>
+            <a:ext cx="235390" cy="2010429"/>
           </a:xfrm>
           <a:prstGeom prst="rect">
             <a:avLst/>
@@ -16131,6 +20039,266 @@
           </a:p>
         </p:txBody>
       </p:sp>
+      <p:sp>
+        <p:nvSpPr>
+          <p:cNvPr id="40" name="Rectangle 39">
+            <a:extLst>
+              <a:ext uri="{FF2B5EF4-FFF2-40B4-BE49-F238E27FC236}">
+                <a16:creationId xmlns:a16="http://schemas.microsoft.com/office/drawing/2014/main" id="{E25DDE43-649F-94F3-44E4-1FBAD53B5C0B}"/>
+              </a:ext>
+            </a:extLst>
+          </p:cNvPr>
+          <p:cNvSpPr/>
+          <p:nvPr/>
+        </p:nvSpPr>
+        <p:spPr>
+          <a:xfrm>
+            <a:off x="1910362" y="2113901"/>
+            <a:ext cx="235390" cy="2010429"/>
+          </a:xfrm>
+          <a:prstGeom prst="rect">
+            <a:avLst/>
+          </a:prstGeom>
+          <a:noFill/>
+          <a:ln>
+            <a:solidFill>
+              <a:srgbClr val="FF0000"/>
+            </a:solidFill>
+          </a:ln>
+        </p:spPr>
+        <p:style>
+          <a:lnRef idx="2">
+            <a:schemeClr val="accent1">
+              <a:shade val="15000"/>
+            </a:schemeClr>
+          </a:lnRef>
+          <a:fillRef idx="1">
+            <a:schemeClr val="accent1"/>
+          </a:fillRef>
+          <a:effectRef idx="0">
+            <a:schemeClr val="accent1"/>
+          </a:effectRef>
+          <a:fontRef idx="minor">
+            <a:schemeClr val="lt1"/>
+          </a:fontRef>
+        </p:style>
+        <p:txBody>
+          <a:bodyPr rtlCol="0" anchor="ctr"/>
+          <a:lstStyle/>
+          <a:p>
+            <a:pPr algn="ctr"/>
+            <a:endParaRPr lang="en-US"/>
+          </a:p>
+        </p:txBody>
+      </p:sp>
+      <p:sp>
+        <p:nvSpPr>
+          <p:cNvPr id="42" name="Rectangle 41">
+            <a:extLst>
+              <a:ext uri="{FF2B5EF4-FFF2-40B4-BE49-F238E27FC236}">
+                <a16:creationId xmlns:a16="http://schemas.microsoft.com/office/drawing/2014/main" id="{9F30D693-7FDE-C1DD-F16C-38B543984A9A}"/>
+              </a:ext>
+            </a:extLst>
+          </p:cNvPr>
+          <p:cNvSpPr/>
+          <p:nvPr/>
+        </p:nvSpPr>
+        <p:spPr>
+          <a:xfrm>
+            <a:off x="2933485" y="1747319"/>
+            <a:ext cx="235390" cy="2377011"/>
+          </a:xfrm>
+          <a:prstGeom prst="rect">
+            <a:avLst/>
+          </a:prstGeom>
+          <a:noFill/>
+          <a:ln>
+            <a:solidFill>
+              <a:srgbClr val="FF0000"/>
+            </a:solidFill>
+          </a:ln>
+        </p:spPr>
+        <p:style>
+          <a:lnRef idx="2">
+            <a:schemeClr val="accent1">
+              <a:shade val="15000"/>
+            </a:schemeClr>
+          </a:lnRef>
+          <a:fillRef idx="1">
+            <a:schemeClr val="accent1"/>
+          </a:fillRef>
+          <a:effectRef idx="0">
+            <a:schemeClr val="accent1"/>
+          </a:effectRef>
+          <a:fontRef idx="minor">
+            <a:schemeClr val="lt1"/>
+          </a:fontRef>
+        </p:style>
+        <p:txBody>
+          <a:bodyPr rtlCol="0" anchor="ctr"/>
+          <a:lstStyle/>
+          <a:p>
+            <a:pPr algn="ctr"/>
+            <a:endParaRPr lang="en-US"/>
+          </a:p>
+        </p:txBody>
+      </p:sp>
+      <p:sp>
+        <p:nvSpPr>
+          <p:cNvPr id="44" name="Rectangle 43">
+            <a:extLst>
+              <a:ext uri="{FF2B5EF4-FFF2-40B4-BE49-F238E27FC236}">
+                <a16:creationId xmlns:a16="http://schemas.microsoft.com/office/drawing/2014/main" id="{B633C0EB-0DF2-5107-0008-7A2270FCF0AC}"/>
+              </a:ext>
+            </a:extLst>
+          </p:cNvPr>
+          <p:cNvSpPr/>
+          <p:nvPr/>
+        </p:nvSpPr>
+        <p:spPr>
+          <a:xfrm>
+            <a:off x="3965578" y="1747318"/>
+            <a:ext cx="235390" cy="2377011"/>
+          </a:xfrm>
+          <a:prstGeom prst="rect">
+            <a:avLst/>
+          </a:prstGeom>
+          <a:noFill/>
+          <a:ln>
+            <a:solidFill>
+              <a:srgbClr val="FF0000"/>
+            </a:solidFill>
+          </a:ln>
+        </p:spPr>
+        <p:style>
+          <a:lnRef idx="2">
+            <a:schemeClr val="accent1">
+              <a:shade val="15000"/>
+            </a:schemeClr>
+          </a:lnRef>
+          <a:fillRef idx="1">
+            <a:schemeClr val="accent1"/>
+          </a:fillRef>
+          <a:effectRef idx="0">
+            <a:schemeClr val="accent1"/>
+          </a:effectRef>
+          <a:fontRef idx="minor">
+            <a:schemeClr val="lt1"/>
+          </a:fontRef>
+        </p:style>
+        <p:txBody>
+          <a:bodyPr rtlCol="0" anchor="ctr"/>
+          <a:lstStyle/>
+          <a:p>
+            <a:pPr algn="ctr"/>
+            <a:endParaRPr lang="en-US"/>
+          </a:p>
+        </p:txBody>
+      </p:sp>
+      <p:sp>
+        <p:nvSpPr>
+          <p:cNvPr id="45" name="Rectangle 44">
+            <a:extLst>
+              <a:ext uri="{FF2B5EF4-FFF2-40B4-BE49-F238E27FC236}">
+                <a16:creationId xmlns:a16="http://schemas.microsoft.com/office/drawing/2014/main" id="{0B5C4616-73D1-B26A-8B1F-5B53A3A5480D}"/>
+              </a:ext>
+            </a:extLst>
+          </p:cNvPr>
+          <p:cNvSpPr/>
+          <p:nvPr/>
+        </p:nvSpPr>
+        <p:spPr>
+          <a:xfrm>
+            <a:off x="5712813" y="3842305"/>
+            <a:ext cx="407408" cy="2499171"/>
+          </a:xfrm>
+          <a:prstGeom prst="rect">
+            <a:avLst/>
+          </a:prstGeom>
+          <a:noFill/>
+          <a:ln>
+            <a:solidFill>
+              <a:srgbClr val="FF0000"/>
+            </a:solidFill>
+          </a:ln>
+        </p:spPr>
+        <p:style>
+          <a:lnRef idx="2">
+            <a:schemeClr val="accent1">
+              <a:shade val="15000"/>
+            </a:schemeClr>
+          </a:lnRef>
+          <a:fillRef idx="1">
+            <a:schemeClr val="accent1"/>
+          </a:fillRef>
+          <a:effectRef idx="0">
+            <a:schemeClr val="accent1"/>
+          </a:effectRef>
+          <a:fontRef idx="minor">
+            <a:schemeClr val="lt1"/>
+          </a:fontRef>
+        </p:style>
+        <p:txBody>
+          <a:bodyPr rtlCol="0" anchor="ctr"/>
+          <a:lstStyle/>
+          <a:p>
+            <a:pPr algn="ctr"/>
+            <a:endParaRPr lang="en-US"/>
+          </a:p>
+        </p:txBody>
+      </p:sp>
+      <p:sp>
+        <p:nvSpPr>
+          <p:cNvPr id="46" name="Rectangle 45">
+            <a:extLst>
+              <a:ext uri="{FF2B5EF4-FFF2-40B4-BE49-F238E27FC236}">
+                <a16:creationId xmlns:a16="http://schemas.microsoft.com/office/drawing/2014/main" id="{1DADB1D4-299C-E081-AE11-75A9925B862A}"/>
+              </a:ext>
+            </a:extLst>
+          </p:cNvPr>
+          <p:cNvSpPr/>
+          <p:nvPr/>
+        </p:nvSpPr>
+        <p:spPr>
+          <a:xfrm>
+            <a:off x="7526447" y="3739082"/>
+            <a:ext cx="407408" cy="2602394"/>
+          </a:xfrm>
+          <a:prstGeom prst="rect">
+            <a:avLst/>
+          </a:prstGeom>
+          <a:noFill/>
+          <a:ln>
+            <a:solidFill>
+              <a:srgbClr val="FF0000"/>
+            </a:solidFill>
+          </a:ln>
+        </p:spPr>
+        <p:style>
+          <a:lnRef idx="2">
+            <a:schemeClr val="accent1">
+              <a:shade val="15000"/>
+            </a:schemeClr>
+          </a:lnRef>
+          <a:fillRef idx="1">
+            <a:schemeClr val="accent1"/>
+          </a:fillRef>
+          <a:effectRef idx="0">
+            <a:schemeClr val="accent1"/>
+          </a:effectRef>
+          <a:fontRef idx="minor">
+            <a:schemeClr val="lt1"/>
+          </a:fontRef>
+        </p:style>
+        <p:txBody>
+          <a:bodyPr rtlCol="0" anchor="ctr"/>
+          <a:lstStyle/>
+          <a:p>
+            <a:pPr algn="ctr"/>
+            <a:endParaRPr lang="en-US"/>
+          </a:p>
+        </p:txBody>
+      </p:sp>
     </p:spTree>
     <p:extLst>
       <p:ext uri="{BB962C8B-B14F-4D97-AF65-F5344CB8AC3E}">
@@ -16144,7 +20312,7 @@
 </p:sld>
 </file>
 
-<file path=ppt/slides/slide7.xml><?xml version="1.0" encoding="utf-8"?>
+<file path=ppt/slides/slide8.xml><?xml version="1.0" encoding="utf-8"?>
 <p:sld xmlns:a="http://schemas.openxmlformats.org/drawingml/2006/main" xmlns:r="http://schemas.openxmlformats.org/officeDocument/2006/relationships" xmlns:p="http://schemas.openxmlformats.org/presentationml/2006/main">
   <p:cSld>
     <p:spTree>
@@ -16285,59 +20453,12 @@
             <a:fld id="{DFB297D7-21D1-0549-A74D-BD032133048A}" type="slidenum">
               <a:rPr lang="en-US" smtClean="0"/>
               <a:pPr/>
-              <a:t>7</a:t>
+              <a:t>8</a:t>
             </a:fld>
             <a:endParaRPr lang="en-US" dirty="0"/>
           </a:p>
         </p:txBody>
       </p:sp>
-      <p:pic>
-        <p:nvPicPr>
-          <p:cNvPr id="1030" name="Picture 6" descr="https://northeurope1-mediap.svc.ms/transform/thumbnail?provider=spo&amp;inputFormat=jpg&amp;cs=fFNQTw&amp;docid=https%3A%2F%2Ffhooe.sharepoint.com%3A443%2F_api%2Fv2.0%2Fdrives%2Fb!xlMoNDXAgUazNRJhh73ez8OjiMKWW7BPl7zssOvWgajAQ6c42rQcSJtqM2tHgG5L%2Fitems%2F013XOSK7LM5GKASX75AVB3EU6VDS2EA3M6%3Fversion%3DPublished&amp;access_token=eyJ0eXAiOiJKV1QiLCJhbGciOiJub25lIn0.eyJhdWQiOiIwMDAwMDAwMy0wMDAwLTBmZjEtY2UwMC0wMDAwMDAwMDAwMDAvZmhvb2Uuc2hhcmVwb2ludC5jb21AZjg4ZDRiNzMtNmJiMi00YjlhLWFiYzctZWI5NmU1YTY0MDdjIiwiaXNzIjoiMDAwMDAwMDMtMDAwMC0wZmYxLWNlMDAtMDAwMDAwMDAwMDAwIiwibmJmIjoiMTYxMzE0MTk5OSIsImV4cCI6IjE2MTMxNjM1OTkiLCJlbmRwb2ludHVybCI6InZvZEZJMlhXUmxaUGptNjFKWDNjVytlRnpHc0JIK2haYnVqQnppMFFTaXc9IiwiZW5kcG9pbnR1cmxMZW5ndGgiOiIxMTIiLCJpc2xvb3BiYWNrIjoiVHJ1ZSIsInZlciI6Imhhc2hlZHByb29mdG9rZW4iLCJzaXRlaWQiOiJNelF5T0RVell6WXRZekF6TlMwME5qZ3hMV0l6TXpVdE1USTJNVGczWW1Sa1pXTm0iLCJuYW1laWQiOiIwIy5mfG1lbWJlcnNoaXB8cDQxNTQxQGZob29lLmF0IiwibmlpIjoibWljcm9zb2Z0LnNoYXJlcG9pbnQiLCJpc3VzZXIiOiJ0cnVlIiwiY2FjaGVrZXkiOiIwaC5mfG1lbWJlcnNoaXB8MTAwMzIwMDBhMzYxNDUxMUBsaXZlLmNvbSIsInR0IjoiMCIsInVzZVBlcnNpc3RlbnRDb29raWUiOiIyIn0.czVnZ0pCVmhrYkZIbVRRRDBFcE1rSDAvRXBjaUJQc0ZKeHpaM1RyWGdCbz0&amp;encodeFailures=1&amp;srcWidth=&amp;srcHeight=&amp;width=640&amp;height=388&amp;action=Access">
-            <a:extLst>
-              <a:ext uri="{FF2B5EF4-FFF2-40B4-BE49-F238E27FC236}">
-                <a16:creationId xmlns:a16="http://schemas.microsoft.com/office/drawing/2014/main" id="{58974372-2904-5C71-0372-483F688973ED}"/>
-              </a:ext>
-            </a:extLst>
-          </p:cNvPr>
-          <p:cNvPicPr>
-            <a:picLocks noChangeAspect="1" noChangeArrowheads="1"/>
-          </p:cNvPicPr>
-          <p:nvPr/>
-        </p:nvPicPr>
-        <p:blipFill>
-          <a:blip r:embed="rId3" cstate="print">
-            <a:extLst>
-              <a:ext uri="{28A0092B-C50C-407E-A947-70E740481C1C}">
-                <a14:useLocalDpi xmlns:a14="http://schemas.microsoft.com/office/drawing/2010/main" val="0"/>
-              </a:ext>
-            </a:extLst>
-          </a:blip>
-          <a:srcRect/>
-          <a:stretch>
-            <a:fillRect/>
-          </a:stretch>
-        </p:blipFill>
-        <p:spPr bwMode="auto">
-          <a:xfrm>
-            <a:off x="1537335" y="6332422"/>
-            <a:ext cx="596265" cy="361486"/>
-          </a:xfrm>
-          <a:prstGeom prst="rect">
-            <a:avLst/>
-          </a:prstGeom>
-          <a:noFill/>
-          <a:extLst>
-            <a:ext uri="{909E8E84-426E-40DD-AFC4-6F175D3DCCD1}">
-              <a14:hiddenFill xmlns:a14="http://schemas.microsoft.com/office/drawing/2010/main">
-                <a:solidFill>
-                  <a:srgbClr val="FFFFFF"/>
-                </a:solidFill>
-              </a14:hiddenFill>
-            </a:ext>
-          </a:extLst>
-        </p:spPr>
-      </p:pic>
       <p:sp>
         <p:nvSpPr>
           <p:cNvPr id="134" name="Titel 1">
@@ -16568,7 +20689,7 @@
           <p:nvPr/>
         </p:nvPicPr>
         <p:blipFill>
-          <a:blip r:embed="rId4">
+          <a:blip r:embed="rId3">
             <a:extLst>
               <a:ext uri="{28A0092B-C50C-407E-A947-70E740481C1C}">
                 <a14:useLocalDpi xmlns:a14="http://schemas.microsoft.com/office/drawing/2010/main" val="0"/>
@@ -16857,7 +20978,7 @@
           <p:nvPr/>
         </p:nvPicPr>
         <p:blipFill>
-          <a:blip r:embed="rId5"/>
+          <a:blip r:embed="rId4"/>
           <a:stretch>
             <a:fillRect/>
           </a:stretch>
@@ -17143,7 +21264,7 @@
           <p:nvPr/>
         </p:nvPicPr>
         <p:blipFill>
-          <a:blip r:embed="rId6"/>
+          <a:blip r:embed="rId5"/>
           <a:stretch>
             <a:fillRect/>
           </a:stretch>
@@ -17173,7 +21294,7 @@
           <p:nvPr/>
         </p:nvPicPr>
         <p:blipFill>
-          <a:blip r:embed="rId7"/>
+          <a:blip r:embed="rId6"/>
           <a:stretch>
             <a:fillRect/>
           </a:stretch>
@@ -17428,7 +21549,7 @@
 </p:sld>
 </file>
 
-<file path=ppt/slides/slide8.xml><?xml version="1.0" encoding="utf-8"?>
+<file path=ppt/slides/slide9.xml><?xml version="1.0" encoding="utf-8"?>
 <p:sld xmlns:a="http://schemas.openxmlformats.org/drawingml/2006/main" xmlns:r="http://schemas.openxmlformats.org/officeDocument/2006/relationships" xmlns:p="http://schemas.openxmlformats.org/presentationml/2006/main">
   <p:cSld>
     <p:spTree>
@@ -17569,59 +21690,12 @@
             <a:fld id="{DFB297D7-21D1-0549-A74D-BD032133048A}" type="slidenum">
               <a:rPr lang="en-US" smtClean="0"/>
               <a:pPr/>
-              <a:t>8</a:t>
+              <a:t>9</a:t>
             </a:fld>
             <a:endParaRPr lang="en-US" dirty="0"/>
           </a:p>
         </p:txBody>
       </p:sp>
-      <p:pic>
-        <p:nvPicPr>
-          <p:cNvPr id="1030" name="Picture 6" descr="https://northeurope1-mediap.svc.ms/transform/thumbnail?provider=spo&amp;inputFormat=jpg&amp;cs=fFNQTw&amp;docid=https%3A%2F%2Ffhooe.sharepoint.com%3A443%2F_api%2Fv2.0%2Fdrives%2Fb!xlMoNDXAgUazNRJhh73ez8OjiMKWW7BPl7zssOvWgajAQ6c42rQcSJtqM2tHgG5L%2Fitems%2F013XOSK7LM5GKASX75AVB3EU6VDS2EA3M6%3Fversion%3DPublished&amp;access_token=eyJ0eXAiOiJKV1QiLCJhbGciOiJub25lIn0.eyJhdWQiOiIwMDAwMDAwMy0wMDAwLTBmZjEtY2UwMC0wMDAwMDAwMDAwMDAvZmhvb2Uuc2hhcmVwb2ludC5jb21AZjg4ZDRiNzMtNmJiMi00YjlhLWFiYzctZWI5NmU1YTY0MDdjIiwiaXNzIjoiMDAwMDAwMDMtMDAwMC0wZmYxLWNlMDAtMDAwMDAwMDAwMDAwIiwibmJmIjoiMTYxMzE0MTk5OSIsImV4cCI6IjE2MTMxNjM1OTkiLCJlbmRwb2ludHVybCI6InZvZEZJMlhXUmxaUGptNjFKWDNjVytlRnpHc0JIK2haYnVqQnppMFFTaXc9IiwiZW5kcG9pbnR1cmxMZW5ndGgiOiIxMTIiLCJpc2xvb3BiYWNrIjoiVHJ1ZSIsInZlciI6Imhhc2hlZHByb29mdG9rZW4iLCJzaXRlaWQiOiJNelF5T0RVell6WXRZekF6TlMwME5qZ3hMV0l6TXpVdE1USTJNVGczWW1Sa1pXTm0iLCJuYW1laWQiOiIwIy5mfG1lbWJlcnNoaXB8cDQxNTQxQGZob29lLmF0IiwibmlpIjoibWljcm9zb2Z0LnNoYXJlcG9pbnQiLCJpc3VzZXIiOiJ0cnVlIiwiY2FjaGVrZXkiOiIwaC5mfG1lbWJlcnNoaXB8MTAwMzIwMDBhMzYxNDUxMUBsaXZlLmNvbSIsInR0IjoiMCIsInVzZVBlcnNpc3RlbnRDb29raWUiOiIyIn0.czVnZ0pCVmhrYkZIbVRRRDBFcE1rSDAvRXBjaUJQc0ZKeHpaM1RyWGdCbz0&amp;encodeFailures=1&amp;srcWidth=&amp;srcHeight=&amp;width=640&amp;height=388&amp;action=Access">
-            <a:extLst>
-              <a:ext uri="{FF2B5EF4-FFF2-40B4-BE49-F238E27FC236}">
-                <a16:creationId xmlns:a16="http://schemas.microsoft.com/office/drawing/2014/main" id="{64F3FD23-FE76-78BA-F02B-19937848484A}"/>
-              </a:ext>
-            </a:extLst>
-          </p:cNvPr>
-          <p:cNvPicPr>
-            <a:picLocks noChangeAspect="1" noChangeArrowheads="1"/>
-          </p:cNvPicPr>
-          <p:nvPr/>
-        </p:nvPicPr>
-        <p:blipFill>
-          <a:blip r:embed="rId3" cstate="print">
-            <a:extLst>
-              <a:ext uri="{28A0092B-C50C-407E-A947-70E740481C1C}">
-                <a14:useLocalDpi xmlns:a14="http://schemas.microsoft.com/office/drawing/2010/main" val="0"/>
-              </a:ext>
-            </a:extLst>
-          </a:blip>
-          <a:srcRect/>
-          <a:stretch>
-            <a:fillRect/>
-          </a:stretch>
-        </p:blipFill>
-        <p:spPr bwMode="auto">
-          <a:xfrm>
-            <a:off x="1537335" y="6332422"/>
-            <a:ext cx="596265" cy="361486"/>
-          </a:xfrm>
-          <a:prstGeom prst="rect">
-            <a:avLst/>
-          </a:prstGeom>
-          <a:noFill/>
-          <a:extLst>
-            <a:ext uri="{909E8E84-426E-40DD-AFC4-6F175D3DCCD1}">
-              <a14:hiddenFill xmlns:a14="http://schemas.microsoft.com/office/drawing/2010/main">
-                <a:solidFill>
-                  <a:srgbClr val="FFFFFF"/>
-                </a:solidFill>
-              </a14:hiddenFill>
-            </a:ext>
-          </a:extLst>
-        </p:spPr>
-      </p:pic>
       <p:sp>
         <p:nvSpPr>
           <p:cNvPr id="134" name="Titel 1">
@@ -17935,7 +22009,7 @@
           <p:nvPr/>
         </p:nvPicPr>
         <p:blipFill>
-          <a:blip r:embed="rId4"/>
+          <a:blip r:embed="rId3"/>
           <a:stretch>
             <a:fillRect/>
           </a:stretch>
@@ -17965,7 +22039,7 @@
           <p:nvPr/>
         </p:nvPicPr>
         <p:blipFill>
-          <a:blip r:embed="rId5"/>
+          <a:blip r:embed="rId4"/>
           <a:stretch>
             <a:fillRect/>
           </a:stretch>
@@ -18020,798 +22094,6 @@
     <p:extLst>
       <p:ext uri="{BB962C8B-B14F-4D97-AF65-F5344CB8AC3E}">
         <p14:creationId xmlns:p14="http://schemas.microsoft.com/office/powerpoint/2010/main" val="1640065814"/>
-      </p:ext>
-    </p:extLst>
-  </p:cSld>
-  <p:clrMapOvr>
-    <a:masterClrMapping/>
-  </p:clrMapOvr>
-</p:sld>
-</file>
-
-<file path=ppt/slides/slide9.xml><?xml version="1.0" encoding="utf-8"?>
-<p:sld xmlns:a="http://schemas.openxmlformats.org/drawingml/2006/main" xmlns:r="http://schemas.openxmlformats.org/officeDocument/2006/relationships" xmlns:p="http://schemas.openxmlformats.org/presentationml/2006/main">
-  <p:cSld>
-    <p:spTree>
-      <p:nvGrpSpPr>
-        <p:cNvPr id="1" name="">
-          <a:extLst>
-            <a:ext uri="{FF2B5EF4-FFF2-40B4-BE49-F238E27FC236}">
-              <a16:creationId xmlns:a16="http://schemas.microsoft.com/office/drawing/2014/main" id="{6024F502-4FEF-3354-9A27-DED73855B46D}"/>
-            </a:ext>
-          </a:extLst>
-        </p:cNvPr>
-        <p:cNvGrpSpPr/>
-        <p:nvPr/>
-      </p:nvGrpSpPr>
-      <p:grpSpPr>
-        <a:xfrm>
-          <a:off x="0" y="0"/>
-          <a:ext cx="0" cy="0"/>
-          <a:chOff x="0" y="0"/>
-          <a:chExt cx="0" cy="0"/>
-        </a:xfrm>
-      </p:grpSpPr>
-      <p:sp>
-        <p:nvSpPr>
-          <p:cNvPr id="2" name="Titel 1">
-            <a:extLst>
-              <a:ext uri="{FF2B5EF4-FFF2-40B4-BE49-F238E27FC236}">
-                <a16:creationId xmlns:a16="http://schemas.microsoft.com/office/drawing/2014/main" id="{9187B11D-791A-BFDB-D0DA-FCC8EC3B5812}"/>
-              </a:ext>
-            </a:extLst>
-          </p:cNvPr>
-          <p:cNvSpPr>
-            <a:spLocks noGrp="1"/>
-          </p:cNvSpPr>
-          <p:nvPr>
-            <p:ph type="title"/>
-          </p:nvPr>
-        </p:nvSpPr>
-        <p:spPr>
-          <a:xfrm>
-            <a:off x="548267" y="399247"/>
-            <a:ext cx="8376238" cy="347513"/>
-          </a:xfrm>
-        </p:spPr>
-        <p:txBody>
-          <a:bodyPr/>
-          <a:lstStyle/>
-          <a:p>
-            <a:r>
-              <a:rPr lang="de-DE" sz="2400" dirty="0"/>
-              <a:t>NON-</a:t>
-            </a:r>
-            <a:r>
-              <a:rPr lang="de-DE" sz="2400" dirty="0" err="1"/>
-              <a:t>cleavable</a:t>
-            </a:r>
-            <a:r>
-              <a:rPr lang="de-DE" sz="2400" dirty="0"/>
-              <a:t> </a:t>
-            </a:r>
-            <a:r>
-              <a:rPr lang="de-DE" sz="2400" dirty="0" err="1"/>
-              <a:t>Crosslink</a:t>
-            </a:r>
-            <a:r>
-              <a:rPr lang="de-DE" sz="2400" dirty="0"/>
-              <a:t> </a:t>
-            </a:r>
-            <a:r>
-              <a:rPr lang="de-DE" sz="2400" dirty="0" err="1"/>
-              <a:t>IDentification</a:t>
-            </a:r>
-            <a:endParaRPr lang="en-US" sz="2400" dirty="0"/>
-          </a:p>
-        </p:txBody>
-      </p:sp>
-      <p:sp>
-        <p:nvSpPr>
-          <p:cNvPr id="5" name="Fußzeilenplatzhalter 4">
-            <a:extLst>
-              <a:ext uri="{FF2B5EF4-FFF2-40B4-BE49-F238E27FC236}">
-                <a16:creationId xmlns:a16="http://schemas.microsoft.com/office/drawing/2014/main" id="{0AF5EBF0-7799-EC1F-6836-9B7BC37FA414}"/>
-              </a:ext>
-            </a:extLst>
-          </p:cNvPr>
-          <p:cNvSpPr>
-            <a:spLocks noGrp="1"/>
-          </p:cNvSpPr>
-          <p:nvPr>
-            <p:ph type="ftr" sz="quarter" idx="27"/>
-          </p:nvPr>
-        </p:nvSpPr>
-        <p:spPr/>
-        <p:txBody>
-          <a:bodyPr/>
-          <a:lstStyle/>
-          <a:p>
-            <a:r>
-              <a:rPr lang="de-AT" noProof="0" dirty="0"/>
-              <a:t>Micha J. Birklbauer	PhD </a:t>
-            </a:r>
-            <a:r>
-              <a:rPr lang="de-AT" dirty="0" err="1"/>
-              <a:t>Pre</a:t>
-            </a:r>
-            <a:r>
-              <a:rPr lang="de-AT" dirty="0"/>
-              <a:t>-Defense</a:t>
-            </a:r>
-            <a:r>
-              <a:rPr lang="de-AT" noProof="0" dirty="0"/>
-              <a:t> 		27.02.2025</a:t>
-            </a:r>
-          </a:p>
-        </p:txBody>
-      </p:sp>
-      <p:sp>
-        <p:nvSpPr>
-          <p:cNvPr id="6" name="Foliennummernplatzhalter 5">
-            <a:extLst>
-              <a:ext uri="{FF2B5EF4-FFF2-40B4-BE49-F238E27FC236}">
-                <a16:creationId xmlns:a16="http://schemas.microsoft.com/office/drawing/2014/main" id="{0A04100C-2716-FF97-57E0-332F0D731575}"/>
-              </a:ext>
-            </a:extLst>
-          </p:cNvPr>
-          <p:cNvSpPr>
-            <a:spLocks noGrp="1"/>
-          </p:cNvSpPr>
-          <p:nvPr>
-            <p:ph type="sldNum" sz="quarter" idx="28"/>
-          </p:nvPr>
-        </p:nvSpPr>
-        <p:spPr/>
-        <p:txBody>
-          <a:bodyPr/>
-          <a:lstStyle/>
-          <a:p>
-            <a:fld id="{DFB297D7-21D1-0549-A74D-BD032133048A}" type="slidenum">
-              <a:rPr lang="en-US" smtClean="0"/>
-              <a:pPr/>
-              <a:t>9</a:t>
-            </a:fld>
-            <a:endParaRPr lang="en-US" dirty="0"/>
-          </a:p>
-        </p:txBody>
-      </p:sp>
-      <p:pic>
-        <p:nvPicPr>
-          <p:cNvPr id="1030" name="Picture 6" descr="https://northeurope1-mediap.svc.ms/transform/thumbnail?provider=spo&amp;inputFormat=jpg&amp;cs=fFNQTw&amp;docid=https%3A%2F%2Ffhooe.sharepoint.com%3A443%2F_api%2Fv2.0%2Fdrives%2Fb!xlMoNDXAgUazNRJhh73ez8OjiMKWW7BPl7zssOvWgajAQ6c42rQcSJtqM2tHgG5L%2Fitems%2F013XOSK7LM5GKASX75AVB3EU6VDS2EA3M6%3Fversion%3DPublished&amp;access_token=eyJ0eXAiOiJKV1QiLCJhbGciOiJub25lIn0.eyJhdWQiOiIwMDAwMDAwMy0wMDAwLTBmZjEtY2UwMC0wMDAwMDAwMDAwMDAvZmhvb2Uuc2hhcmVwb2ludC5jb21AZjg4ZDRiNzMtNmJiMi00YjlhLWFiYzctZWI5NmU1YTY0MDdjIiwiaXNzIjoiMDAwMDAwMDMtMDAwMC0wZmYxLWNlMDAtMDAwMDAwMDAwMDAwIiwibmJmIjoiMTYxMzE0MTk5OSIsImV4cCI6IjE2MTMxNjM1OTkiLCJlbmRwb2ludHVybCI6InZvZEZJMlhXUmxaUGptNjFKWDNjVytlRnpHc0JIK2haYnVqQnppMFFTaXc9IiwiZW5kcG9pbnR1cmxMZW5ndGgiOiIxMTIiLCJpc2xvb3BiYWNrIjoiVHJ1ZSIsInZlciI6Imhhc2hlZHByb29mdG9rZW4iLCJzaXRlaWQiOiJNelF5T0RVell6WXRZekF6TlMwME5qZ3hMV0l6TXpVdE1USTJNVGczWW1Sa1pXTm0iLCJuYW1laWQiOiIwIy5mfG1lbWJlcnNoaXB8cDQxNTQxQGZob29lLmF0IiwibmlpIjoibWljcm9zb2Z0LnNoYXJlcG9pbnQiLCJpc3VzZXIiOiJ0cnVlIiwiY2FjaGVrZXkiOiIwaC5mfG1lbWJlcnNoaXB8MTAwMzIwMDBhMzYxNDUxMUBsaXZlLmNvbSIsInR0IjoiMCIsInVzZVBlcnNpc3RlbnRDb29raWUiOiIyIn0.czVnZ0pCVmhrYkZIbVRRRDBFcE1rSDAvRXBjaUJQc0ZKeHpaM1RyWGdCbz0&amp;encodeFailures=1&amp;srcWidth=&amp;srcHeight=&amp;width=640&amp;height=388&amp;action=Access">
-            <a:extLst>
-              <a:ext uri="{FF2B5EF4-FFF2-40B4-BE49-F238E27FC236}">
-                <a16:creationId xmlns:a16="http://schemas.microsoft.com/office/drawing/2014/main" id="{44302088-8ACF-5679-9C53-3D7116413C46}"/>
-              </a:ext>
-            </a:extLst>
-          </p:cNvPr>
-          <p:cNvPicPr>
-            <a:picLocks noChangeAspect="1" noChangeArrowheads="1"/>
-          </p:cNvPicPr>
-          <p:nvPr/>
-        </p:nvPicPr>
-        <p:blipFill>
-          <a:blip r:embed="rId3" cstate="print">
-            <a:extLst>
-              <a:ext uri="{28A0092B-C50C-407E-A947-70E740481C1C}">
-                <a14:useLocalDpi xmlns:a14="http://schemas.microsoft.com/office/drawing/2010/main" val="0"/>
-              </a:ext>
-            </a:extLst>
-          </a:blip>
-          <a:srcRect/>
-          <a:stretch>
-            <a:fillRect/>
-          </a:stretch>
-        </p:blipFill>
-        <p:spPr bwMode="auto">
-          <a:xfrm>
-            <a:off x="1537335" y="6332422"/>
-            <a:ext cx="596265" cy="361486"/>
-          </a:xfrm>
-          <a:prstGeom prst="rect">
-            <a:avLst/>
-          </a:prstGeom>
-          <a:noFill/>
-          <a:extLst>
-            <a:ext uri="{909E8E84-426E-40DD-AFC4-6F175D3DCCD1}">
-              <a14:hiddenFill xmlns:a14="http://schemas.microsoft.com/office/drawing/2010/main">
-                <a:solidFill>
-                  <a:srgbClr val="FFFFFF"/>
-                </a:solidFill>
-              </a14:hiddenFill>
-            </a:ext>
-          </a:extLst>
-        </p:spPr>
-      </p:pic>
-      <p:sp>
-        <p:nvSpPr>
-          <p:cNvPr id="134" name="Titel 1">
-            <a:extLst>
-              <a:ext uri="{FF2B5EF4-FFF2-40B4-BE49-F238E27FC236}">
-                <a16:creationId xmlns:a16="http://schemas.microsoft.com/office/drawing/2014/main" id="{53D4ACA8-33CB-868F-5BBC-0F38F72E1029}"/>
-              </a:ext>
-            </a:extLst>
-          </p:cNvPr>
-          <p:cNvSpPr txBox="1">
-            <a:spLocks/>
-          </p:cNvSpPr>
-          <p:nvPr/>
-        </p:nvSpPr>
-        <p:spPr>
-          <a:xfrm>
-            <a:off x="548267" y="45729"/>
-            <a:ext cx="8376238" cy="347513"/>
-          </a:xfrm>
-          <a:prstGeom prst="rect">
-            <a:avLst/>
-          </a:prstGeom>
-        </p:spPr>
-        <p:txBody>
-          <a:bodyPr vert="horz" lIns="91440" tIns="45720" rIns="91440" bIns="45720" rtlCol="0" anchor="b">
-            <a:noAutofit/>
-          </a:bodyPr>
-          <a:lstStyle>
-            <a:lvl1pPr algn="l" defTabSz="914400" rtl="0" eaLnBrk="1" latinLnBrk="0" hangingPunct="1">
-              <a:lnSpc>
-                <a:spcPct val="83000"/>
-              </a:lnSpc>
-              <a:spcBef>
-                <a:spcPct val="0"/>
-              </a:spcBef>
-              <a:buNone/>
-              <a:defRPr sz="3000" kern="1200" cap="all" baseline="0">
-                <a:solidFill>
-                  <a:schemeClr val="tx1"/>
-                </a:solidFill>
-                <a:latin typeface="+mj-lt"/>
-                <a:ea typeface="+mj-ea"/>
-                <a:cs typeface="+mj-cs"/>
-              </a:defRPr>
-            </a:lvl1pPr>
-          </a:lstStyle>
-          <a:p>
-            <a:r>
-              <a:rPr lang="de-DE" sz="1400" dirty="0">
-                <a:solidFill>
-                  <a:schemeClr val="bg1">
-                    <a:lumMod val="50000"/>
-                  </a:schemeClr>
-                </a:solidFill>
-              </a:rPr>
-              <a:t>Research Project II:	RESULTS</a:t>
-            </a:r>
-            <a:endParaRPr lang="en-US" sz="2400" dirty="0">
-              <a:solidFill>
-                <a:schemeClr val="bg1">
-                  <a:lumMod val="50000"/>
-                </a:schemeClr>
-              </a:solidFill>
-            </a:endParaRPr>
-          </a:p>
-        </p:txBody>
-      </p:sp>
-      <p:sp>
-        <p:nvSpPr>
-          <p:cNvPr id="18" name="TextBox 17">
-            <a:extLst>
-              <a:ext uri="{FF2B5EF4-FFF2-40B4-BE49-F238E27FC236}">
-                <a16:creationId xmlns:a16="http://schemas.microsoft.com/office/drawing/2014/main" id="{C6FB53B5-DB31-9B4F-FC32-2A26A9FA484D}"/>
-              </a:ext>
-            </a:extLst>
-          </p:cNvPr>
-          <p:cNvSpPr txBox="1"/>
-          <p:nvPr/>
-        </p:nvSpPr>
-        <p:spPr>
-          <a:xfrm>
-            <a:off x="548267" y="805688"/>
-            <a:ext cx="5926348" cy="369332"/>
-          </a:xfrm>
-          <a:prstGeom prst="rect">
-            <a:avLst/>
-          </a:prstGeom>
-          <a:noFill/>
-        </p:spPr>
-        <p:txBody>
-          <a:bodyPr wrap="square" rtlCol="0">
-            <a:spAutoFit/>
-          </a:bodyPr>
-          <a:lstStyle/>
-          <a:p>
-            <a:pPr marL="285750" indent="-285750">
-              <a:buFont typeface="Wingdings" panose="05000000000000000000" pitchFamily="2" charset="2"/>
-              <a:buChar char="q"/>
-            </a:pPr>
-            <a:r>
-              <a:rPr lang="en-US" dirty="0"/>
-              <a:t>Algorithms implemented in </a:t>
-            </a:r>
-            <a:r>
-              <a:rPr lang="en-US" b="1" dirty="0"/>
-              <a:t>MS Annika 3.0 </a:t>
-            </a:r>
-            <a:r>
-              <a:rPr lang="en-US" dirty="0"/>
-              <a:t>[2]</a:t>
-            </a:r>
-          </a:p>
-        </p:txBody>
-      </p:sp>
-      <p:sp>
-        <p:nvSpPr>
-          <p:cNvPr id="29" name="TextBox 28">
-            <a:extLst>
-              <a:ext uri="{FF2B5EF4-FFF2-40B4-BE49-F238E27FC236}">
-                <a16:creationId xmlns:a16="http://schemas.microsoft.com/office/drawing/2014/main" id="{9767C3C6-57BB-3A5B-78EE-F28BC3FAD358}"/>
-              </a:ext>
-            </a:extLst>
-          </p:cNvPr>
-          <p:cNvSpPr txBox="1"/>
-          <p:nvPr/>
-        </p:nvSpPr>
-        <p:spPr>
-          <a:xfrm>
-            <a:off x="548267" y="4719812"/>
-            <a:ext cx="3725283" cy="1841530"/>
-          </a:xfrm>
-          <a:prstGeom prst="rect">
-            <a:avLst/>
-          </a:prstGeom>
-          <a:noFill/>
-        </p:spPr>
-        <p:txBody>
-          <a:bodyPr wrap="square" rtlCol="0">
-            <a:spAutoFit/>
-          </a:bodyPr>
-          <a:lstStyle/>
-          <a:p>
-            <a:r>
-              <a:rPr lang="en-US" sz="1400" dirty="0"/>
-              <a:t>[2] </a:t>
-            </a:r>
-            <a:r>
-              <a:rPr lang="en-US" sz="1400" b="1" dirty="0"/>
-              <a:t>M. J. Birklbauer</a:t>
-            </a:r>
-            <a:r>
-              <a:rPr lang="en-US" sz="1400" dirty="0"/>
-              <a:t>, F. Müller, S. S. Geetha, M. </a:t>
-            </a:r>
-            <a:r>
-              <a:rPr lang="en-US" sz="1400" dirty="0" err="1"/>
-              <a:t>Matzinger</a:t>
-            </a:r>
-            <a:r>
-              <a:rPr lang="en-US" sz="1400" dirty="0"/>
-              <a:t>, K. </a:t>
-            </a:r>
-            <a:r>
-              <a:rPr lang="en-US" sz="1400" dirty="0" err="1"/>
-              <a:t>Mechtler</a:t>
-            </a:r>
-            <a:r>
-              <a:rPr lang="en-US" sz="1400" dirty="0"/>
-              <a:t>, and V. Dorfer, “Proteome-wide Non-Cleavable Crosslink Identification with MS Annika 3.0 Reveals the Structure of the C. elegans Box C/D Complex”, </a:t>
-            </a:r>
-            <a:r>
-              <a:rPr lang="en-US" sz="1400" i="1" dirty="0"/>
-              <a:t>Communications Chemistry</a:t>
-            </a:r>
-            <a:r>
-              <a:rPr lang="en-US" sz="1400" dirty="0"/>
-              <a:t>, vol. 7, no. 1, Dec. 2024</a:t>
-            </a:r>
-          </a:p>
-          <a:p>
-            <a:endParaRPr lang="en-US" sz="1400" dirty="0"/>
-          </a:p>
-        </p:txBody>
-      </p:sp>
-      <p:sp>
-        <p:nvSpPr>
-          <p:cNvPr id="36" name="TextBox 35">
-            <a:extLst>
-              <a:ext uri="{FF2B5EF4-FFF2-40B4-BE49-F238E27FC236}">
-                <a16:creationId xmlns:a16="http://schemas.microsoft.com/office/drawing/2014/main" id="{E82CB7A7-F59A-EF73-B3A7-B06C565A6981}"/>
-              </a:ext>
-            </a:extLst>
-          </p:cNvPr>
-          <p:cNvSpPr txBox="1"/>
-          <p:nvPr/>
-        </p:nvSpPr>
-        <p:spPr>
-          <a:xfrm>
-            <a:off x="54324" y="4124332"/>
-            <a:ext cx="1937521" cy="276999"/>
-          </a:xfrm>
-          <a:prstGeom prst="rect">
-            <a:avLst/>
-          </a:prstGeom>
-          <a:noFill/>
-        </p:spPr>
-        <p:txBody>
-          <a:bodyPr wrap="square" rtlCol="0">
-            <a:spAutoFit/>
-          </a:bodyPr>
-          <a:lstStyle/>
-          <a:p>
-            <a:r>
-              <a:rPr lang="de-AT" sz="1200" b="1" dirty="0"/>
-              <a:t>Figure 8, 9, 10</a:t>
-            </a:r>
-            <a:endParaRPr lang="en-US" sz="1200" b="1" dirty="0"/>
-          </a:p>
-        </p:txBody>
-      </p:sp>
-      <p:pic>
-        <p:nvPicPr>
-          <p:cNvPr id="4" name="Graphic 3">
-            <a:extLst>
-              <a:ext uri="{FF2B5EF4-FFF2-40B4-BE49-F238E27FC236}">
-                <a16:creationId xmlns:a16="http://schemas.microsoft.com/office/drawing/2014/main" id="{881588FA-AD3E-2F0D-6E9B-05ACD1304A83}"/>
-              </a:ext>
-            </a:extLst>
-          </p:cNvPr>
-          <p:cNvPicPr>
-            <a:picLocks noChangeAspect="1"/>
-          </p:cNvPicPr>
-          <p:nvPr/>
-        </p:nvPicPr>
-        <p:blipFill>
-          <a:blip r:embed="rId4">
-            <a:extLst>
-              <a:ext uri="{96DAC541-7B7A-43D3-8B79-37D633B846F1}">
-                <asvg:svgBlip xmlns:asvg="http://schemas.microsoft.com/office/drawing/2016/SVG/main" r:embed="rId5"/>
-              </a:ext>
-            </a:extLst>
-          </a:blip>
-          <a:stretch>
-            <a:fillRect/>
-          </a:stretch>
-        </p:blipFill>
-        <p:spPr>
-          <a:xfrm>
-            <a:off x="54325" y="1230230"/>
-            <a:ext cx="4680638" cy="3116525"/>
-          </a:xfrm>
-          <a:prstGeom prst="rect">
-            <a:avLst/>
-          </a:prstGeom>
-        </p:spPr>
-      </p:pic>
-      <p:pic>
-        <p:nvPicPr>
-          <p:cNvPr id="8" name="Graphic 7">
-            <a:extLst>
-              <a:ext uri="{FF2B5EF4-FFF2-40B4-BE49-F238E27FC236}">
-                <a16:creationId xmlns:a16="http://schemas.microsoft.com/office/drawing/2014/main" id="{4ABE4529-4469-1F81-4B59-4CE72193E5E7}"/>
-              </a:ext>
-            </a:extLst>
-          </p:cNvPr>
-          <p:cNvPicPr>
-            <a:picLocks noChangeAspect="1"/>
-          </p:cNvPicPr>
-          <p:nvPr/>
-        </p:nvPicPr>
-        <p:blipFill>
-          <a:blip r:embed="rId6">
-            <a:extLst>
-              <a:ext uri="{96DAC541-7B7A-43D3-8B79-37D633B846F1}">
-                <asvg:svgBlip xmlns:asvg="http://schemas.microsoft.com/office/drawing/2016/SVG/main" r:embed="rId7"/>
-              </a:ext>
-            </a:extLst>
-          </a:blip>
-          <a:stretch>
-            <a:fillRect/>
-          </a:stretch>
-        </p:blipFill>
-        <p:spPr>
-          <a:xfrm>
-            <a:off x="4698751" y="1313520"/>
-            <a:ext cx="4429504" cy="2949311"/>
-          </a:xfrm>
-          <a:prstGeom prst="rect">
-            <a:avLst/>
-          </a:prstGeom>
-        </p:spPr>
-      </p:pic>
-      <p:pic>
-        <p:nvPicPr>
-          <p:cNvPr id="10" name="Picture 9">
-            <a:extLst>
-              <a:ext uri="{FF2B5EF4-FFF2-40B4-BE49-F238E27FC236}">
-                <a16:creationId xmlns:a16="http://schemas.microsoft.com/office/drawing/2014/main" id="{5CD368F4-2632-406B-57AD-AB88126991BD}"/>
-              </a:ext>
-            </a:extLst>
-          </p:cNvPr>
-          <p:cNvPicPr>
-            <a:picLocks noChangeAspect="1"/>
-          </p:cNvPicPr>
-          <p:nvPr/>
-        </p:nvPicPr>
-        <p:blipFill>
-          <a:blip r:embed="rId8"/>
-          <a:stretch>
-            <a:fillRect/>
-          </a:stretch>
-        </p:blipFill>
-        <p:spPr>
-          <a:xfrm>
-            <a:off x="4734963" y="4215813"/>
-            <a:ext cx="1937521" cy="2025127"/>
-          </a:xfrm>
-          <a:prstGeom prst="rect">
-            <a:avLst/>
-          </a:prstGeom>
-        </p:spPr>
-      </p:pic>
-      <p:sp>
-        <p:nvSpPr>
-          <p:cNvPr id="11" name="TextBox 10">
-            <a:extLst>
-              <a:ext uri="{FF2B5EF4-FFF2-40B4-BE49-F238E27FC236}">
-                <a16:creationId xmlns:a16="http://schemas.microsoft.com/office/drawing/2014/main" id="{5D25293D-2426-4164-8264-B2C492D5C729}"/>
-              </a:ext>
-            </a:extLst>
-          </p:cNvPr>
-          <p:cNvSpPr txBox="1"/>
-          <p:nvPr/>
-        </p:nvSpPr>
-        <p:spPr>
-          <a:xfrm>
-            <a:off x="6" y="4208255"/>
-            <a:ext cx="1937521" cy="276999"/>
-          </a:xfrm>
-          <a:prstGeom prst="rect">
-            <a:avLst/>
-          </a:prstGeom>
-          <a:noFill/>
-        </p:spPr>
-        <p:txBody>
-          <a:bodyPr wrap="square" rtlCol="0">
-            <a:spAutoFit/>
-          </a:bodyPr>
-          <a:lstStyle/>
-          <a:p>
-            <a:r>
-              <a:rPr lang="de-AT" sz="1200" b="1" dirty="0"/>
-              <a:t>Figure 13, 14, 15</a:t>
-            </a:r>
-            <a:endParaRPr lang="en-US" sz="1200" b="1" dirty="0"/>
-          </a:p>
-        </p:txBody>
-      </p:sp>
-      <p:sp>
-        <p:nvSpPr>
-          <p:cNvPr id="12" name="TextBox 11">
-            <a:extLst>
-              <a:ext uri="{FF2B5EF4-FFF2-40B4-BE49-F238E27FC236}">
-                <a16:creationId xmlns:a16="http://schemas.microsoft.com/office/drawing/2014/main" id="{5ED6FDFA-7170-2DA1-DEC0-72069C325F58}"/>
-              </a:ext>
-            </a:extLst>
-          </p:cNvPr>
-          <p:cNvSpPr txBox="1"/>
-          <p:nvPr/>
-        </p:nvSpPr>
-        <p:spPr>
-          <a:xfrm>
-            <a:off x="6672484" y="4599160"/>
-            <a:ext cx="2353821" cy="1569660"/>
-          </a:xfrm>
-          <a:prstGeom prst="rect">
-            <a:avLst/>
-          </a:prstGeom>
-          <a:noFill/>
-        </p:spPr>
-        <p:txBody>
-          <a:bodyPr wrap="square" rtlCol="0">
-            <a:spAutoFit/>
-          </a:bodyPr>
-          <a:lstStyle/>
-          <a:p>
-            <a:r>
-              <a:rPr lang="de-AT" sz="1600" dirty="0" err="1">
-                <a:latin typeface="+mj-lt"/>
-              </a:rPr>
-              <a:t>Improved</a:t>
-            </a:r>
-            <a:r>
-              <a:rPr lang="de-AT" sz="1600" dirty="0">
-                <a:latin typeface="+mj-lt"/>
-              </a:rPr>
-              <a:t> </a:t>
-            </a:r>
-            <a:r>
-              <a:rPr lang="de-AT" sz="1600" dirty="0" err="1">
-                <a:latin typeface="+mj-lt"/>
-              </a:rPr>
-              <a:t>structure</a:t>
-            </a:r>
-            <a:r>
-              <a:rPr lang="de-AT" sz="1600" dirty="0">
-                <a:latin typeface="+mj-lt"/>
-              </a:rPr>
-              <a:t> </a:t>
-            </a:r>
-            <a:r>
-              <a:rPr lang="de-AT" sz="1600" dirty="0" err="1">
-                <a:latin typeface="+mj-lt"/>
-              </a:rPr>
-              <a:t>of</a:t>
-            </a:r>
-            <a:r>
-              <a:rPr lang="de-AT" sz="1600" dirty="0">
-                <a:latin typeface="+mj-lt"/>
-              </a:rPr>
-              <a:t> </a:t>
-            </a:r>
-            <a:r>
-              <a:rPr lang="de-AT" sz="1600" dirty="0" err="1">
-                <a:latin typeface="+mj-lt"/>
-              </a:rPr>
-              <a:t>the</a:t>
-            </a:r>
-            <a:r>
-              <a:rPr lang="de-AT" sz="1600" dirty="0">
-                <a:latin typeface="+mj-lt"/>
-              </a:rPr>
-              <a:t> </a:t>
-            </a:r>
-            <a:r>
-              <a:rPr lang="de-AT" sz="1600" i="1" dirty="0">
-                <a:latin typeface="+mj-lt"/>
-              </a:rPr>
-              <a:t>C. </a:t>
-            </a:r>
-            <a:r>
-              <a:rPr lang="de-AT" sz="1600" i="1" dirty="0" err="1">
-                <a:latin typeface="+mj-lt"/>
-              </a:rPr>
-              <a:t>elegans</a:t>
-            </a:r>
-            <a:r>
-              <a:rPr lang="de-AT" sz="1600" i="1" dirty="0">
-                <a:latin typeface="+mj-lt"/>
-              </a:rPr>
-              <a:t> </a:t>
-            </a:r>
-            <a:r>
-              <a:rPr lang="de-AT" sz="1600" dirty="0">
-                <a:latin typeface="+mj-lt"/>
-              </a:rPr>
-              <a:t>Box C/D RNP </a:t>
-            </a:r>
-            <a:r>
-              <a:rPr lang="de-AT" sz="1600" dirty="0" err="1">
-                <a:latin typeface="+mj-lt"/>
-              </a:rPr>
-              <a:t>complex</a:t>
-            </a:r>
-            <a:endParaRPr lang="de-AT" sz="1600" dirty="0">
-              <a:latin typeface="+mj-lt"/>
-            </a:endParaRPr>
-          </a:p>
-          <a:p>
-            <a:r>
-              <a:rPr lang="de-AT" sz="1600" dirty="0"/>
-              <a:t>Database </a:t>
-            </a:r>
-            <a:r>
-              <a:rPr lang="de-AT" sz="1600" dirty="0" err="1"/>
-              <a:t>size</a:t>
-            </a:r>
-            <a:r>
-              <a:rPr lang="de-AT" sz="1600" dirty="0"/>
-              <a:t>: ~26 000 </a:t>
-            </a:r>
-            <a:r>
-              <a:rPr lang="de-AT" sz="1600" dirty="0" err="1"/>
-              <a:t>proteins</a:t>
-            </a:r>
-            <a:endParaRPr lang="en-US" sz="1600" dirty="0"/>
-          </a:p>
-        </p:txBody>
-      </p:sp>
-      <p:cxnSp>
-        <p:nvCxnSpPr>
-          <p:cNvPr id="14" name="Straight Arrow Connector 13">
-            <a:extLst>
-              <a:ext uri="{FF2B5EF4-FFF2-40B4-BE49-F238E27FC236}">
-                <a16:creationId xmlns:a16="http://schemas.microsoft.com/office/drawing/2014/main" id="{4AF66E39-BB7A-87EB-E54D-F0B0C0EB16D3}"/>
-              </a:ext>
-            </a:extLst>
-          </p:cNvPr>
-          <p:cNvCxnSpPr>
-            <a:cxnSpLocks/>
-          </p:cNvCxnSpPr>
-          <p:nvPr/>
-        </p:nvCxnSpPr>
-        <p:spPr>
-          <a:xfrm flipH="1">
-            <a:off x="7731658" y="3447106"/>
-            <a:ext cx="888634" cy="0"/>
-          </a:xfrm>
-          <a:prstGeom prst="straightConnector1">
-            <a:avLst/>
-          </a:prstGeom>
-          <a:ln>
-            <a:solidFill>
-              <a:srgbClr val="FE292A"/>
-            </a:solidFill>
-            <a:tailEnd type="triangle"/>
-          </a:ln>
-        </p:spPr>
-        <p:style>
-          <a:lnRef idx="1">
-            <a:schemeClr val="accent1"/>
-          </a:lnRef>
-          <a:fillRef idx="0">
-            <a:schemeClr val="accent1"/>
-          </a:fillRef>
-          <a:effectRef idx="0">
-            <a:schemeClr val="accent1"/>
-          </a:effectRef>
-          <a:fontRef idx="minor">
-            <a:schemeClr val="tx1"/>
-          </a:fontRef>
-        </p:style>
-      </p:cxnSp>
-      <p:sp>
-        <p:nvSpPr>
-          <p:cNvPr id="16" name="Rectangle 15">
-            <a:extLst>
-              <a:ext uri="{FF2B5EF4-FFF2-40B4-BE49-F238E27FC236}">
-                <a16:creationId xmlns:a16="http://schemas.microsoft.com/office/drawing/2014/main" id="{C35EB056-3DB2-DD52-07EF-F12244E01465}"/>
-              </a:ext>
-            </a:extLst>
-          </p:cNvPr>
-          <p:cNvSpPr/>
-          <p:nvPr/>
-        </p:nvSpPr>
-        <p:spPr>
-          <a:xfrm>
-            <a:off x="1792587" y="1295414"/>
-            <a:ext cx="407406" cy="2894735"/>
-          </a:xfrm>
-          <a:prstGeom prst="rect">
-            <a:avLst/>
-          </a:prstGeom>
-          <a:noFill/>
-          <a:ln>
-            <a:solidFill>
-              <a:srgbClr val="FF0000"/>
-            </a:solidFill>
-          </a:ln>
-        </p:spPr>
-        <p:style>
-          <a:lnRef idx="2">
-            <a:schemeClr val="accent1">
-              <a:shade val="15000"/>
-            </a:schemeClr>
-          </a:lnRef>
-          <a:fillRef idx="1">
-            <a:schemeClr val="accent1"/>
-          </a:fillRef>
-          <a:effectRef idx="0">
-            <a:schemeClr val="accent1"/>
-          </a:effectRef>
-          <a:fontRef idx="minor">
-            <a:schemeClr val="lt1"/>
-          </a:fontRef>
-        </p:style>
-        <p:txBody>
-          <a:bodyPr rtlCol="0" anchor="ctr"/>
-          <a:lstStyle/>
-          <a:p>
-            <a:pPr algn="ctr"/>
-            <a:endParaRPr lang="en-US"/>
-          </a:p>
-        </p:txBody>
-      </p:sp>
-    </p:spTree>
-    <p:extLst>
-      <p:ext uri="{BB962C8B-B14F-4D97-AF65-F5344CB8AC3E}">
-        <p14:creationId xmlns:p14="http://schemas.microsoft.com/office/powerpoint/2010/main" val="1912297339"/>
       </p:ext>
     </p:extLst>
   </p:cSld>

--- a/pre-defense/presentation/Pre-defense.pptx
+++ b/pre-defense/presentation/Pre-defense.pptx
@@ -213,7 +213,7 @@
           <a:p>
             <a:fld id="{05E02316-A3A9-40CE-8399-988D8D269502}" type="datetimeFigureOut">
               <a:rPr lang="de-AT" smtClean="0"/>
-              <a:t>13.02.2025</a:t>
+              <a:t>18.02.2025</a:t>
             </a:fld>
             <a:endParaRPr lang="de-AT"/>
           </a:p>
@@ -378,7 +378,7 @@
           <a:p>
             <a:fld id="{F5E89DEF-C035-41A2-9AFE-A6026D4C04BE}" type="datetimeFigureOut">
               <a:rPr lang="de-AT" smtClean="0"/>
-              <a:t>13.02.2025</a:t>
+              <a:t>18.02.2025</a:t>
             </a:fld>
             <a:endParaRPr lang="de-AT"/>
           </a:p>
@@ -17176,8 +17176,8 @@
           </a:p>
         </p:txBody>
       </p:sp>
-      <mc:AlternateContent xmlns:mc="http://schemas.openxmlformats.org/markup-compatibility/2006">
-        <mc:Choice xmlns:a14="http://schemas.microsoft.com/office/drawing/2010/main" Requires="a14">
+      <mc:AlternateContent xmlns:mc="http://schemas.openxmlformats.org/markup-compatibility/2006" xmlns:a14="http://schemas.microsoft.com/office/drawing/2010/main">
+        <mc:Choice Requires="a14">
           <p:sp>
             <p:nvSpPr>
               <p:cNvPr id="3" name="TextBox 2">
@@ -17457,7 +17457,7 @@
             </p:txBody>
           </p:sp>
         </mc:Choice>
-        <mc:Fallback>
+        <mc:Fallback xmlns="">
           <p:sp>
             <p:nvSpPr>
               <p:cNvPr id="3" name="TextBox 2">
@@ -19264,47 +19264,7 @@
                   <a:srgbClr val="0476C4"/>
                 </a:solidFill>
               </a:rPr>
-              <a:t>Multi-</a:t>
-            </a:r>
-            <a:r>
-              <a:rPr lang="de-AT" dirty="0" err="1">
-                <a:solidFill>
-                  <a:srgbClr val="0476C4"/>
-                </a:solidFill>
-              </a:rPr>
-              <a:t>hundred</a:t>
-            </a:r>
-            <a:r>
-              <a:rPr lang="de-AT" dirty="0">
-                <a:solidFill>
-                  <a:srgbClr val="0476C4"/>
-                </a:solidFill>
-              </a:rPr>
-              <a:t> </a:t>
-            </a:r>
-            <a:r>
-              <a:rPr lang="de-AT" dirty="0" err="1">
-                <a:solidFill>
-                  <a:srgbClr val="0476C4"/>
-                </a:solidFill>
-              </a:rPr>
-              <a:t>line</a:t>
-            </a:r>
-            <a:r>
-              <a:rPr lang="de-AT" dirty="0">
-                <a:solidFill>
-                  <a:srgbClr val="0476C4"/>
-                </a:solidFill>
-              </a:rPr>
-              <a:t> code </a:t>
-            </a:r>
-            <a:r>
-              <a:rPr lang="de-AT" dirty="0" err="1">
-                <a:solidFill>
-                  <a:srgbClr val="0476C4"/>
-                </a:solidFill>
-              </a:rPr>
-              <a:t>algorithm</a:t>
+              <a:t>Multi-hundred LOC algorithm</a:t>
             </a:r>
             <a:endParaRPr lang="en-US" dirty="0">
               <a:solidFill>

--- a/pre-defense/presentation/Pre-defense.pptx
+++ b/pre-defense/presentation/Pre-defense.pptx
@@ -213,7 +213,7 @@
           <a:p>
             <a:fld id="{05E02316-A3A9-40CE-8399-988D8D269502}" type="datetimeFigureOut">
               <a:rPr lang="de-AT" smtClean="0"/>
-              <a:t>18.02.2025</a:t>
+              <a:t>19.02.2025</a:t>
             </a:fld>
             <a:endParaRPr lang="de-AT"/>
           </a:p>
@@ -378,7 +378,7 @@
           <a:p>
             <a:fld id="{F5E89DEF-C035-41A2-9AFE-A6026D4C04BE}" type="datetimeFigureOut">
               <a:rPr lang="de-AT" smtClean="0"/>
-              <a:t>18.02.2025</a:t>
+              <a:t>19.02.2025</a:t>
             </a:fld>
             <a:endParaRPr lang="de-AT"/>
           </a:p>
@@ -19772,12 +19772,79 @@
           </a:prstGeom>
         </p:spPr>
       </p:pic>
+      <p:sp>
+        <p:nvSpPr>
+          <p:cNvPr id="29" name="TextBox 28">
+            <a:extLst>
+              <a:ext uri="{FF2B5EF4-FFF2-40B4-BE49-F238E27FC236}">
+                <a16:creationId xmlns:a16="http://schemas.microsoft.com/office/drawing/2014/main" id="{F1DC5029-DB8D-9A11-E9E6-31130D67F47B}"/>
+              </a:ext>
+            </a:extLst>
+          </p:cNvPr>
+          <p:cNvSpPr txBox="1"/>
+          <p:nvPr/>
+        </p:nvSpPr>
+        <p:spPr>
+          <a:xfrm>
+            <a:off x="548267" y="4428158"/>
+            <a:ext cx="3662440" cy="1600438"/>
+          </a:xfrm>
+          <a:prstGeom prst="rect">
+            <a:avLst/>
+          </a:prstGeom>
+          <a:noFill/>
+        </p:spPr>
+        <p:txBody>
+          <a:bodyPr wrap="square" rtlCol="0">
+            <a:spAutoFit/>
+          </a:bodyPr>
+          <a:lstStyle/>
+          <a:p>
+            <a:r>
+              <a:rPr lang="en-US" sz="1400" dirty="0"/>
+              <a:t>[1] </a:t>
+            </a:r>
+            <a:r>
+              <a:rPr lang="en-US" sz="1400" b="1" dirty="0"/>
+              <a:t>M. J. Birklbauer, </a:t>
+            </a:r>
+            <a:r>
+              <a:rPr lang="en-US" sz="1400" dirty="0"/>
+              <a:t>M. </a:t>
+            </a:r>
+            <a:r>
+              <a:rPr lang="en-US" sz="1400" dirty="0" err="1"/>
+              <a:t>Matzinger</a:t>
+            </a:r>
+            <a:r>
+              <a:rPr lang="en-US" sz="1400" dirty="0"/>
+              <a:t>, F. Müller, K. </a:t>
+            </a:r>
+            <a:r>
+              <a:rPr lang="en-US" sz="1400" dirty="0" err="1"/>
+              <a:t>Mechtler</a:t>
+            </a:r>
+            <a:r>
+              <a:rPr lang="en-US" sz="1400" dirty="0"/>
+              <a:t>, and V. Dorfer, “MS Annika 2.0 Identifies Cross-Linked Peptides in MS2-MS3-Based Workflows at High Sensitivity and Specificity”, </a:t>
+            </a:r>
+            <a:r>
+              <a:rPr lang="en-US" sz="1400" i="1" dirty="0"/>
+              <a:t>Journal of Proteome Research</a:t>
+            </a:r>
+            <a:r>
+              <a:rPr lang="en-US" sz="1400" dirty="0"/>
+              <a:t>, vol. 22, no. 9, pp. 3009-3021, Aug. 2023</a:t>
+            </a:r>
+          </a:p>
+        </p:txBody>
+      </p:sp>
       <p:pic>
         <p:nvPicPr>
-          <p:cNvPr id="28" name="Graphic 27">
-            <a:extLst>
-              <a:ext uri="{FF2B5EF4-FFF2-40B4-BE49-F238E27FC236}">
-                <a16:creationId xmlns:a16="http://schemas.microsoft.com/office/drawing/2014/main" id="{684C1AF1-9A2A-CDAB-AD1F-19B169503885}"/>
+          <p:cNvPr id="34" name="Picture 33" descr="A structure of a structure with colorful lines&#10;&#10;Description automatically generated with medium confidence">
+            <a:extLst>
+              <a:ext uri="{FF2B5EF4-FFF2-40B4-BE49-F238E27FC236}">
+                <a16:creationId xmlns:a16="http://schemas.microsoft.com/office/drawing/2014/main" id="{4F4C710B-4812-3EB2-E6DF-E794F539B313}"/>
               </a:ext>
             </a:extLst>
           </p:cNvPr>
@@ -19787,110 +19854,7 @@
           <p:nvPr/>
         </p:nvPicPr>
         <p:blipFill>
-          <a:blip r:embed="rId5">
-            <a:extLst>
-              <a:ext uri="{96DAC541-7B7A-43D3-8B79-37D633B846F1}">
-                <asvg:svgBlip xmlns:asvg="http://schemas.microsoft.com/office/drawing/2016/SVG/main" r:embed="rId6"/>
-              </a:ext>
-            </a:extLst>
-          </a:blip>
-          <a:stretch>
-            <a:fillRect/>
-          </a:stretch>
-        </p:blipFill>
-        <p:spPr>
-          <a:xfrm>
-            <a:off x="4499572" y="3303125"/>
-            <a:ext cx="4644428" cy="3092415"/>
-          </a:xfrm>
-          <a:prstGeom prst="rect">
-            <a:avLst/>
-          </a:prstGeom>
-        </p:spPr>
-      </p:pic>
-      <p:sp>
-        <p:nvSpPr>
-          <p:cNvPr id="29" name="TextBox 28">
-            <a:extLst>
-              <a:ext uri="{FF2B5EF4-FFF2-40B4-BE49-F238E27FC236}">
-                <a16:creationId xmlns:a16="http://schemas.microsoft.com/office/drawing/2014/main" id="{F1DC5029-DB8D-9A11-E9E6-31130D67F47B}"/>
-              </a:ext>
-            </a:extLst>
-          </p:cNvPr>
-          <p:cNvSpPr txBox="1"/>
-          <p:nvPr/>
-        </p:nvSpPr>
-        <p:spPr>
-          <a:xfrm>
-            <a:off x="548267" y="4428158"/>
-            <a:ext cx="3662440" cy="1600438"/>
-          </a:xfrm>
-          <a:prstGeom prst="rect">
-            <a:avLst/>
-          </a:prstGeom>
-          <a:noFill/>
-        </p:spPr>
-        <p:txBody>
-          <a:bodyPr wrap="square" rtlCol="0">
-            <a:spAutoFit/>
-          </a:bodyPr>
-          <a:lstStyle/>
-          <a:p>
-            <a:r>
-              <a:rPr lang="en-US" sz="1400" dirty="0"/>
-              <a:t>[1] </a:t>
-            </a:r>
-            <a:r>
-              <a:rPr lang="en-US" sz="1400" b="1" dirty="0"/>
-              <a:t>M. J. Birklbauer, </a:t>
-            </a:r>
-            <a:r>
-              <a:rPr lang="en-US" sz="1400" dirty="0"/>
-              <a:t>M. </a:t>
-            </a:r>
-            <a:r>
-              <a:rPr lang="en-US" sz="1400" dirty="0" err="1"/>
-              <a:t>Matzinger</a:t>
-            </a:r>
-            <a:r>
-              <a:rPr lang="en-US" sz="1400" dirty="0"/>
-              <a:t>, F. Müller, K. </a:t>
-            </a:r>
-            <a:r>
-              <a:rPr lang="en-US" sz="1400" dirty="0" err="1"/>
-              <a:t>Mechtler</a:t>
-            </a:r>
-            <a:r>
-              <a:rPr lang="en-US" sz="1400" dirty="0"/>
-              <a:t>, and V. Dorfer, “MS Annika 2.0 Identifies Cross-Linked Peptides in MS2-MS3-Based Workflows at High Sensitivity and Specificity”, </a:t>
-            </a:r>
-            <a:r>
-              <a:rPr lang="en-US" sz="1400" i="1" dirty="0"/>
-              <a:t>Journal of Proteome Research</a:t>
-            </a:r>
-            <a:r>
-              <a:rPr lang="en-US" sz="1400" dirty="0"/>
-              <a:t>, vol. 22, no. 9, pp. 3009-3021, Aug. 2023</a:t>
-            </a:r>
-          </a:p>
-        </p:txBody>
-      </p:sp>
-      <p:pic>
-        <p:nvPicPr>
-          <p:cNvPr id="34" name="Picture 33" descr="A structure of a structure with colorful lines&#10;&#10;Description automatically generated with medium confidence">
-            <a:extLst>
-              <a:ext uri="{FF2B5EF4-FFF2-40B4-BE49-F238E27FC236}">
-                <a16:creationId xmlns:a16="http://schemas.microsoft.com/office/drawing/2014/main" id="{4F4C710B-4812-3EB2-E6DF-E794F539B313}"/>
-              </a:ext>
-            </a:extLst>
-          </p:cNvPr>
-          <p:cNvPicPr>
-            <a:picLocks noChangeAspect="1"/>
-          </p:cNvPicPr>
-          <p:nvPr/>
-        </p:nvPicPr>
-        <p:blipFill>
-          <a:blip r:embed="rId7" cstate="print">
+          <a:blip r:embed="rId5" cstate="print">
             <a:extLst>
               <a:ext uri="{28A0092B-C50C-407E-A947-70E740481C1C}">
                 <a14:useLocalDpi xmlns:a14="http://schemas.microsoft.com/office/drawing/2010/main" val="0"/>
@@ -20155,110 +20119,42 @@
           </a:p>
         </p:txBody>
       </p:sp>
-      <p:sp>
-        <p:nvSpPr>
-          <p:cNvPr id="45" name="Rectangle 44">
-            <a:extLst>
-              <a:ext uri="{FF2B5EF4-FFF2-40B4-BE49-F238E27FC236}">
-                <a16:creationId xmlns:a16="http://schemas.microsoft.com/office/drawing/2014/main" id="{0B5C4616-73D1-B26A-8B1F-5B53A3A5480D}"/>
-              </a:ext>
-            </a:extLst>
-          </p:cNvPr>
-          <p:cNvSpPr/>
+      <p:pic>
+        <p:nvPicPr>
+          <p:cNvPr id="4" name="Picture 3" descr="A screenshot of a diagram&#10;&#10;AI-generated content may be incorrect.">
+            <a:extLst>
+              <a:ext uri="{FF2B5EF4-FFF2-40B4-BE49-F238E27FC236}">
+                <a16:creationId xmlns:a16="http://schemas.microsoft.com/office/drawing/2014/main" id="{9B1EAC85-D145-B843-7347-48E64318ACE9}"/>
+              </a:ext>
+            </a:extLst>
+          </p:cNvPr>
+          <p:cNvPicPr>
+            <a:picLocks noChangeAspect="1"/>
+          </p:cNvPicPr>
           <p:nvPr/>
-        </p:nvSpPr>
-        <p:spPr>
-          <a:xfrm>
-            <a:off x="5712813" y="3842305"/>
-            <a:ext cx="407408" cy="2499171"/>
+        </p:nvPicPr>
+        <p:blipFill>
+          <a:blip r:embed="rId6" cstate="print">
+            <a:extLst>
+              <a:ext uri="{28A0092B-C50C-407E-A947-70E740481C1C}">
+                <a14:useLocalDpi xmlns:a14="http://schemas.microsoft.com/office/drawing/2010/main" val="0"/>
+              </a:ext>
+            </a:extLst>
+          </a:blip>
+          <a:stretch>
+            <a:fillRect/>
+          </a:stretch>
+        </p:blipFill>
+        <p:spPr>
+          <a:xfrm>
+            <a:off x="4508106" y="3550442"/>
+            <a:ext cx="4635893" cy="2186883"/>
           </a:xfrm>
           <a:prstGeom prst="rect">
             <a:avLst/>
           </a:prstGeom>
-          <a:noFill/>
-          <a:ln>
-            <a:solidFill>
-              <a:srgbClr val="FF0000"/>
-            </a:solidFill>
-          </a:ln>
-        </p:spPr>
-        <p:style>
-          <a:lnRef idx="2">
-            <a:schemeClr val="accent1">
-              <a:shade val="15000"/>
-            </a:schemeClr>
-          </a:lnRef>
-          <a:fillRef idx="1">
-            <a:schemeClr val="accent1"/>
-          </a:fillRef>
-          <a:effectRef idx="0">
-            <a:schemeClr val="accent1"/>
-          </a:effectRef>
-          <a:fontRef idx="minor">
-            <a:schemeClr val="lt1"/>
-          </a:fontRef>
-        </p:style>
-        <p:txBody>
-          <a:bodyPr rtlCol="0" anchor="ctr"/>
-          <a:lstStyle/>
-          <a:p>
-            <a:pPr algn="ctr"/>
-            <a:endParaRPr lang="en-US"/>
-          </a:p>
-        </p:txBody>
-      </p:sp>
-      <p:sp>
-        <p:nvSpPr>
-          <p:cNvPr id="46" name="Rectangle 45">
-            <a:extLst>
-              <a:ext uri="{FF2B5EF4-FFF2-40B4-BE49-F238E27FC236}">
-                <a16:creationId xmlns:a16="http://schemas.microsoft.com/office/drawing/2014/main" id="{1DADB1D4-299C-E081-AE11-75A9925B862A}"/>
-              </a:ext>
-            </a:extLst>
-          </p:cNvPr>
-          <p:cNvSpPr/>
-          <p:nvPr/>
-        </p:nvSpPr>
-        <p:spPr>
-          <a:xfrm>
-            <a:off x="7526447" y="3739082"/>
-            <a:ext cx="407408" cy="2602394"/>
-          </a:xfrm>
-          <a:prstGeom prst="rect">
-            <a:avLst/>
-          </a:prstGeom>
-          <a:noFill/>
-          <a:ln>
-            <a:solidFill>
-              <a:srgbClr val="FF0000"/>
-            </a:solidFill>
-          </a:ln>
-        </p:spPr>
-        <p:style>
-          <a:lnRef idx="2">
-            <a:schemeClr val="accent1">
-              <a:shade val="15000"/>
-            </a:schemeClr>
-          </a:lnRef>
-          <a:fillRef idx="1">
-            <a:schemeClr val="accent1"/>
-          </a:fillRef>
-          <a:effectRef idx="0">
-            <a:schemeClr val="accent1"/>
-          </a:effectRef>
-          <a:fontRef idx="minor">
-            <a:schemeClr val="lt1"/>
-          </a:fontRef>
-        </p:style>
-        <p:txBody>
-          <a:bodyPr rtlCol="0" anchor="ctr"/>
-          <a:lstStyle/>
-          <a:p>
-            <a:pPr algn="ctr"/>
-            <a:endParaRPr lang="en-US"/>
-          </a:p>
-        </p:txBody>
-      </p:sp>
+        </p:spPr>
+      </p:pic>
     </p:spTree>
     <p:extLst>
       <p:ext uri="{BB962C8B-B14F-4D97-AF65-F5344CB8AC3E}">

--- a/pre-defense/presentation/Pre-defense.pptx
+++ b/pre-defense/presentation/Pre-defense.pptx
@@ -213,7 +213,7 @@
           <a:p>
             <a:fld id="{05E02316-A3A9-40CE-8399-988D8D269502}" type="datetimeFigureOut">
               <a:rPr lang="de-AT" smtClean="0"/>
-              <a:t>19.02.2025</a:t>
+              <a:t>24.02.2025</a:t>
             </a:fld>
             <a:endParaRPr lang="de-AT"/>
           </a:p>
@@ -378,7 +378,7 @@
           <a:p>
             <a:fld id="{F5E89DEF-C035-41A2-9AFE-A6026D4C04BE}" type="datetimeFigureOut">
               <a:rPr lang="de-AT" smtClean="0"/>
-              <a:t>19.02.2025</a:t>
+              <a:t>24.02.2025</a:t>
             </a:fld>
             <a:endParaRPr lang="de-AT"/>
           </a:p>
@@ -11094,12 +11094,8 @@
           <a:p>
             <a:pPr algn="ctr"/>
             <a:r>
-              <a:rPr lang="de-AT" sz="1100" dirty="0" err="1"/>
-              <a:t>July</a:t>
-            </a:r>
-            <a:r>
               <a:rPr lang="de-AT" sz="1100" dirty="0"/>
-              <a:t>:</a:t>
+              <a:t>August:</a:t>
             </a:r>
           </a:p>
           <a:p>
@@ -11151,7 +11147,7 @@
             <a:pPr algn="ctr"/>
             <a:r>
               <a:rPr lang="de-AT" sz="1100" dirty="0"/>
-              <a:t>August:</a:t>
+              <a:t>September:</a:t>
             </a:r>
           </a:p>
           <a:p>
@@ -13039,8 +13035,8 @@
           <a:lstStyle/>
           <a:p>
             <a:pPr marL="285750" indent="-285750">
-              <a:buFont typeface="Arial" panose="020B0604020202020204" pitchFamily="34" charset="0"/>
-              <a:buChar char="•"/>
+              <a:buFont typeface="Wingdings" panose="05000000000000000000" pitchFamily="2" charset="2"/>
+              <a:buChar char="q"/>
             </a:pPr>
             <a:r>
               <a:rPr lang="de-AT" dirty="0" err="1"/>
@@ -13090,8 +13086,8 @@
           </a:p>
           <a:p>
             <a:pPr marL="285750" indent="-285750">
-              <a:buFont typeface="Arial" panose="020B0604020202020204" pitchFamily="34" charset="0"/>
-              <a:buChar char="•"/>
+              <a:buFont typeface="Wingdings" panose="05000000000000000000" pitchFamily="2" charset="2"/>
+              <a:buChar char="q"/>
             </a:pPr>
             <a:r>
               <a:rPr lang="de-AT" dirty="0" err="1"/>
@@ -14353,7 +14349,7 @@
         </p:nvSpPr>
         <p:spPr>
           <a:xfrm>
-            <a:off x="7203542" y="3031487"/>
+            <a:off x="7203542" y="2931904"/>
             <a:ext cx="99557" cy="1032095"/>
           </a:xfrm>
           <a:prstGeom prst="rect">
@@ -14915,7 +14911,7 @@
         </p:nvSpPr>
         <p:spPr>
           <a:xfrm>
-            <a:off x="7574001" y="4605284"/>
+            <a:off x="7574001" y="4505701"/>
             <a:ext cx="99557" cy="1032095"/>
           </a:xfrm>
           <a:prstGeom prst="rect">
@@ -15289,8 +15285,8 @@
           </a:p>
         </p:txBody>
       </p:sp>
-      <mc:AlternateContent xmlns:mc="http://schemas.openxmlformats.org/markup-compatibility/2006" xmlns:a14="http://schemas.microsoft.com/office/drawing/2010/main">
-        <mc:Choice Requires="a14">
+      <mc:AlternateContent xmlns:mc="http://schemas.openxmlformats.org/markup-compatibility/2006">
+        <mc:Choice xmlns:a14="http://schemas.microsoft.com/office/drawing/2010/main" Requires="a14">
           <p:sp>
             <p:nvSpPr>
               <p:cNvPr id="3" name="TextBox 2">
@@ -15306,7 +15302,7 @@
             <p:spPr>
               <a:xfrm>
                 <a:off x="548267" y="4607056"/>
-                <a:ext cx="7262273" cy="1596656"/>
+                <a:ext cx="7262273" cy="1965987"/>
               </a:xfrm>
               <a:prstGeom prst="rect">
                 <a:avLst/>
@@ -15565,12 +15561,18 @@
                 </a:r>
               </a:p>
               <a:p>
+                <a:r>
+                  <a:rPr lang="en-US" sz="1200" dirty="0"/>
+                  <a:t>The score is a measurement of similarity between peptide and experimental spectrum and should reflect match quality</a:t>
+                </a:r>
+              </a:p>
+              <a:p>
                 <a:endParaRPr lang="en-US" dirty="0"/>
               </a:p>
             </p:txBody>
           </p:sp>
         </mc:Choice>
-        <mc:Fallback xmlns="">
+        <mc:Fallback>
           <p:sp>
             <p:nvSpPr>
               <p:cNvPr id="3" name="TextBox 2">
@@ -15588,13 +15590,13 @@
             <p:spPr>
               <a:xfrm>
                 <a:off x="548267" y="4607056"/>
-                <a:ext cx="7262273" cy="1596656"/>
+                <a:ext cx="7262273" cy="1965987"/>
               </a:xfrm>
               <a:prstGeom prst="rect">
                 <a:avLst/>
               </a:prstGeom>
               <a:blipFill>
-                <a:blip r:embed="rId4"/>
+                <a:blip r:embed="rId3"/>
                 <a:stretch>
                   <a:fillRect l="-84"/>
                 </a:stretch>
@@ -16020,7 +16022,7 @@
         </p:nvSpPr>
         <p:spPr>
           <a:xfrm>
-            <a:off x="7389747" y="1017122"/>
+            <a:off x="7389747" y="935645"/>
             <a:ext cx="99557" cy="1032095"/>
           </a:xfrm>
           <a:prstGeom prst="rect">
@@ -16582,7 +16584,7 @@
         </p:nvSpPr>
         <p:spPr>
           <a:xfrm>
-            <a:off x="7769259" y="2590919"/>
+            <a:off x="7769259" y="2500389"/>
             <a:ext cx="99557" cy="1032095"/>
           </a:xfrm>
           <a:prstGeom prst="rect">
@@ -16634,7 +16636,7 @@
         </p:nvSpPr>
         <p:spPr>
           <a:xfrm>
-            <a:off x="7387468" y="2590918"/>
+            <a:off x="7387468" y="2500388"/>
             <a:ext cx="99557" cy="1032095"/>
           </a:xfrm>
           <a:prstGeom prst="rect">
@@ -16689,7 +16691,7 @@
         </p:nvCxnSpPr>
         <p:spPr>
           <a:xfrm rot="16200000" flipV="1">
-            <a:off x="7628143" y="2400023"/>
+            <a:off x="7628143" y="2309493"/>
             <a:ext cx="1" cy="381791"/>
           </a:xfrm>
           <a:prstGeom prst="bentConnector3">
@@ -16732,7 +16734,7 @@
         </p:nvCxnSpPr>
         <p:spPr>
           <a:xfrm rot="5400000" flipH="1" flipV="1">
-            <a:off x="7904600" y="390510"/>
+            <a:off x="7904600" y="309033"/>
             <a:ext cx="143432" cy="1091687"/>
           </a:xfrm>
           <a:prstGeom prst="bentConnector2">
@@ -16774,7 +16776,7 @@
         </p:nvSpPr>
         <p:spPr>
           <a:xfrm>
-            <a:off x="7993999" y="845675"/>
+            <a:off x="7993999" y="764198"/>
             <a:ext cx="814814" cy="261610"/>
           </a:xfrm>
           <a:prstGeom prst="rect">
@@ -16818,7 +16820,7 @@
         </p:nvSpPr>
         <p:spPr>
           <a:xfrm>
-            <a:off x="7749806" y="2257334"/>
+            <a:off x="7749806" y="2166804"/>
             <a:ext cx="959093" cy="261610"/>
           </a:xfrm>
           <a:prstGeom prst="rect">
@@ -17907,7 +17909,7 @@
         </p:nvSpPr>
         <p:spPr>
           <a:xfrm>
-            <a:off x="7389747" y="1017122"/>
+            <a:off x="7389747" y="935645"/>
             <a:ext cx="99557" cy="1032095"/>
           </a:xfrm>
           <a:prstGeom prst="rect">
@@ -18469,7 +18471,7 @@
         </p:nvSpPr>
         <p:spPr>
           <a:xfrm>
-            <a:off x="7769259" y="2590919"/>
+            <a:off x="7769259" y="2500389"/>
             <a:ext cx="99557" cy="1032095"/>
           </a:xfrm>
           <a:prstGeom prst="rect">
@@ -18521,7 +18523,7 @@
         </p:nvSpPr>
         <p:spPr>
           <a:xfrm>
-            <a:off x="7387468" y="2590918"/>
+            <a:off x="7387468" y="2500388"/>
             <a:ext cx="99557" cy="1032095"/>
           </a:xfrm>
           <a:prstGeom prst="rect">
@@ -18576,7 +18578,7 @@
         </p:nvCxnSpPr>
         <p:spPr>
           <a:xfrm rot="16200000" flipV="1">
-            <a:off x="7628143" y="2400023"/>
+            <a:off x="7628143" y="2309493"/>
             <a:ext cx="1" cy="381791"/>
           </a:xfrm>
           <a:prstGeom prst="bentConnector3">
@@ -18619,7 +18621,7 @@
         </p:nvCxnSpPr>
         <p:spPr>
           <a:xfrm rot="5400000" flipH="1" flipV="1">
-            <a:off x="7904600" y="390510"/>
+            <a:off x="7904600" y="309033"/>
             <a:ext cx="143432" cy="1091687"/>
           </a:xfrm>
           <a:prstGeom prst="bentConnector2">
@@ -18661,7 +18663,7 @@
         </p:nvSpPr>
         <p:spPr>
           <a:xfrm>
-            <a:off x="7993999" y="845675"/>
+            <a:off x="7993999" y="764198"/>
             <a:ext cx="814814" cy="261610"/>
           </a:xfrm>
           <a:prstGeom prst="rect">
@@ -18705,7 +18707,7 @@
         </p:nvSpPr>
         <p:spPr>
           <a:xfrm>
-            <a:off x="7749806" y="2257334"/>
+            <a:off x="7749806" y="2166804"/>
             <a:ext cx="959093" cy="261610"/>
           </a:xfrm>
           <a:prstGeom prst="rect">
@@ -21943,6 +21945,126 @@
               <a:t>Figure 12</a:t>
             </a:r>
             <a:endParaRPr lang="en-US" sz="1200" b="1" dirty="0"/>
+          </a:p>
+        </p:txBody>
+      </p:sp>
+      <p:sp>
+        <p:nvSpPr>
+          <p:cNvPr id="3" name="TextBox 2">
+            <a:extLst>
+              <a:ext uri="{FF2B5EF4-FFF2-40B4-BE49-F238E27FC236}">
+                <a16:creationId xmlns:a16="http://schemas.microsoft.com/office/drawing/2014/main" id="{79A1F64E-796B-73F2-B2FC-575A9954DCF1}"/>
+              </a:ext>
+            </a:extLst>
+          </p:cNvPr>
+          <p:cNvSpPr txBox="1"/>
+          <p:nvPr/>
+        </p:nvSpPr>
+        <p:spPr>
+          <a:xfrm>
+            <a:off x="476007" y="3606947"/>
+            <a:ext cx="421518" cy="369332"/>
+          </a:xfrm>
+          <a:prstGeom prst="rect">
+            <a:avLst/>
+          </a:prstGeom>
+          <a:noFill/>
+        </p:spPr>
+        <p:txBody>
+          <a:bodyPr wrap="square" rtlCol="0">
+            <a:spAutoFit/>
+          </a:bodyPr>
+          <a:lstStyle/>
+          <a:p>
+            <a:r>
+              <a:rPr lang="de-AT" dirty="0">
+                <a:latin typeface="+mj-lt"/>
+              </a:rPr>
+              <a:t>A</a:t>
+            </a:r>
+            <a:endParaRPr lang="en-US" dirty="0">
+              <a:latin typeface="+mj-lt"/>
+            </a:endParaRPr>
+          </a:p>
+        </p:txBody>
+      </p:sp>
+      <p:sp>
+        <p:nvSpPr>
+          <p:cNvPr id="4" name="TextBox 3">
+            <a:extLst>
+              <a:ext uri="{FF2B5EF4-FFF2-40B4-BE49-F238E27FC236}">
+                <a16:creationId xmlns:a16="http://schemas.microsoft.com/office/drawing/2014/main" id="{D6879220-F77B-4EC8-FDB1-E7987DA29676}"/>
+              </a:ext>
+            </a:extLst>
+          </p:cNvPr>
+          <p:cNvSpPr txBox="1"/>
+          <p:nvPr/>
+        </p:nvSpPr>
+        <p:spPr>
+          <a:xfrm>
+            <a:off x="3214353" y="3606947"/>
+            <a:ext cx="421518" cy="369332"/>
+          </a:xfrm>
+          <a:prstGeom prst="rect">
+            <a:avLst/>
+          </a:prstGeom>
+          <a:noFill/>
+        </p:spPr>
+        <p:txBody>
+          <a:bodyPr wrap="square" rtlCol="0">
+            <a:spAutoFit/>
+          </a:bodyPr>
+          <a:lstStyle/>
+          <a:p>
+            <a:r>
+              <a:rPr lang="de-AT" dirty="0">
+                <a:latin typeface="+mj-lt"/>
+              </a:rPr>
+              <a:t>B</a:t>
+            </a:r>
+            <a:endParaRPr lang="en-US" dirty="0">
+              <a:latin typeface="+mj-lt"/>
+            </a:endParaRPr>
+          </a:p>
+        </p:txBody>
+      </p:sp>
+      <p:sp>
+        <p:nvSpPr>
+          <p:cNvPr id="7" name="TextBox 6">
+            <a:extLst>
+              <a:ext uri="{FF2B5EF4-FFF2-40B4-BE49-F238E27FC236}">
+                <a16:creationId xmlns:a16="http://schemas.microsoft.com/office/drawing/2014/main" id="{8869BA2A-2391-160D-58E8-1ECC8B551725}"/>
+              </a:ext>
+            </a:extLst>
+          </p:cNvPr>
+          <p:cNvSpPr txBox="1"/>
+          <p:nvPr/>
+        </p:nvSpPr>
+        <p:spPr>
+          <a:xfrm>
+            <a:off x="5906009" y="3606947"/>
+            <a:ext cx="421518" cy="369332"/>
+          </a:xfrm>
+          <a:prstGeom prst="rect">
+            <a:avLst/>
+          </a:prstGeom>
+          <a:noFill/>
+        </p:spPr>
+        <p:txBody>
+          <a:bodyPr wrap="square" rtlCol="0">
+            <a:spAutoFit/>
+          </a:bodyPr>
+          <a:lstStyle/>
+          <a:p>
+            <a:r>
+              <a:rPr lang="de-AT" dirty="0">
+                <a:latin typeface="+mj-lt"/>
+              </a:rPr>
+              <a:t>C</a:t>
+            </a:r>
+            <a:endParaRPr lang="en-US" dirty="0">
+              <a:latin typeface="+mj-lt"/>
+            </a:endParaRPr>
           </a:p>
         </p:txBody>
       </p:sp>

--- a/pre-defense/presentation/Pre-defense.pptx
+++ b/pre-defense/presentation/Pre-defense.pptx
@@ -213,7 +213,7 @@
           <a:p>
             <a:fld id="{05E02316-A3A9-40CE-8399-988D8D269502}" type="datetimeFigureOut">
               <a:rPr lang="de-AT" smtClean="0"/>
-              <a:t>24.02.2025</a:t>
+              <a:t>25.02.2025</a:t>
             </a:fld>
             <a:endParaRPr lang="de-AT"/>
           </a:p>
@@ -378,7 +378,7 @@
           <a:p>
             <a:fld id="{F5E89DEF-C035-41A2-9AFE-A6026D4C04BE}" type="datetimeFigureOut">
               <a:rPr lang="de-AT" smtClean="0"/>
-              <a:t>24.02.2025</a:t>
+              <a:t>25.02.2025</a:t>
             </a:fld>
             <a:endParaRPr lang="de-AT"/>
           </a:p>
@@ -15285,8 +15285,8 @@
           </a:p>
         </p:txBody>
       </p:sp>
-      <mc:AlternateContent xmlns:mc="http://schemas.openxmlformats.org/markup-compatibility/2006">
-        <mc:Choice xmlns:a14="http://schemas.microsoft.com/office/drawing/2010/main" Requires="a14">
+      <mc:AlternateContent xmlns:mc="http://schemas.openxmlformats.org/markup-compatibility/2006" xmlns:a14="http://schemas.microsoft.com/office/drawing/2010/main">
+        <mc:Choice Requires="a14">
           <p:sp>
             <p:nvSpPr>
               <p:cNvPr id="3" name="TextBox 2">
@@ -15572,7 +15572,7 @@
             </p:txBody>
           </p:sp>
         </mc:Choice>
-        <mc:Fallback>
+        <mc:Fallback xmlns="">
           <p:sp>
             <p:nvSpPr>
               <p:cNvPr id="3" name="TextBox 2">
@@ -21813,7 +21813,22 @@
               <a:rPr lang="de-AT" dirty="0" err="1"/>
               <a:t>inferred</a:t>
             </a:r>
-            <a:endParaRPr lang="de-AT" dirty="0"/>
+            <a:r>
+              <a:rPr lang="de-AT" dirty="0"/>
+              <a:t> (</a:t>
+            </a:r>
+            <a:r>
+              <a:rPr lang="de-AT" i="1" dirty="0"/>
+              <a:t>linear </a:t>
+            </a:r>
+            <a:r>
+              <a:rPr lang="de-AT" i="1" dirty="0" err="1"/>
+              <a:t>problem</a:t>
+            </a:r>
+            <a:r>
+              <a:rPr lang="de-AT" dirty="0"/>
+              <a:t>)</a:t>
+            </a:r>
           </a:p>
           <a:p>
             <a:pPr marL="285750" indent="-285750">
